--- a/presentation paper.pptx
+++ b/presentation paper.pptx
@@ -5,7 +5,7 @@
     <p:sldMasterId id="2147483648" r:id="rId1"/>
   </p:sldMasterIdLst>
   <p:notesMasterIdLst>
-    <p:notesMasterId r:id="rId9"/>
+    <p:notesMasterId r:id="rId11"/>
   </p:notesMasterIdLst>
   <p:sldIdLst>
     <p:sldId id="256" r:id="rId2"/>
@@ -15,6 +15,8 @@
     <p:sldId id="260" r:id="rId6"/>
     <p:sldId id="261" r:id="rId7"/>
     <p:sldId id="262" r:id="rId8"/>
+    <p:sldId id="263" r:id="rId9"/>
+    <p:sldId id="264" r:id="rId10"/>
   </p:sldIdLst>
   <p:sldSz cx="12192000" cy="6858000"/>
   <p:notesSz cx="6858000" cy="9144000"/>
@@ -207,7 +209,7 @@
           <a:p>
             <a:fld id="{C4F57B92-571A-4F3D-A442-5CF1A6841E48}" type="datetimeFigureOut">
               <a:rPr lang="en-US" smtClean="0"/>
-              <a:t>9/21/2017</a:t>
+              <a:t>9/22/2017</a:t>
             </a:fld>
             <a:endParaRPr lang="en-US"/>
           </a:p>
@@ -957,7 +959,7 @@
           <a:p>
             <a:fld id="{BE594A49-0664-4F98-B6CE-606FC87ECC01}" type="datetimeFigureOut">
               <a:rPr lang="en-US" smtClean="0"/>
-              <a:t>9/21/2017</a:t>
+              <a:t>9/22/2017</a:t>
             </a:fld>
             <a:endParaRPr lang="en-US"/>
           </a:p>
@@ -1155,7 +1157,7 @@
           <a:p>
             <a:fld id="{BE594A49-0664-4F98-B6CE-606FC87ECC01}" type="datetimeFigureOut">
               <a:rPr lang="en-US" smtClean="0"/>
-              <a:t>9/21/2017</a:t>
+              <a:t>9/22/2017</a:t>
             </a:fld>
             <a:endParaRPr lang="en-US"/>
           </a:p>
@@ -1363,7 +1365,7 @@
           <a:p>
             <a:fld id="{BE594A49-0664-4F98-B6CE-606FC87ECC01}" type="datetimeFigureOut">
               <a:rPr lang="en-US" smtClean="0"/>
-              <a:t>9/21/2017</a:t>
+              <a:t>9/22/2017</a:t>
             </a:fld>
             <a:endParaRPr lang="en-US"/>
           </a:p>
@@ -1561,7 +1563,7 @@
           <a:p>
             <a:fld id="{BE594A49-0664-4F98-B6CE-606FC87ECC01}" type="datetimeFigureOut">
               <a:rPr lang="en-US" smtClean="0"/>
-              <a:t>9/21/2017</a:t>
+              <a:t>9/22/2017</a:t>
             </a:fld>
             <a:endParaRPr lang="en-US"/>
           </a:p>
@@ -1836,7 +1838,7 @@
           <a:p>
             <a:fld id="{BE594A49-0664-4F98-B6CE-606FC87ECC01}" type="datetimeFigureOut">
               <a:rPr lang="en-US" smtClean="0"/>
-              <a:t>9/21/2017</a:t>
+              <a:t>9/22/2017</a:t>
             </a:fld>
             <a:endParaRPr lang="en-US"/>
           </a:p>
@@ -2101,7 +2103,7 @@
           <a:p>
             <a:fld id="{BE594A49-0664-4F98-B6CE-606FC87ECC01}" type="datetimeFigureOut">
               <a:rPr lang="en-US" smtClean="0"/>
-              <a:t>9/21/2017</a:t>
+              <a:t>9/22/2017</a:t>
             </a:fld>
             <a:endParaRPr lang="en-US"/>
           </a:p>
@@ -2513,7 +2515,7 @@
           <a:p>
             <a:fld id="{BE594A49-0664-4F98-B6CE-606FC87ECC01}" type="datetimeFigureOut">
               <a:rPr lang="en-US" smtClean="0"/>
-              <a:t>9/21/2017</a:t>
+              <a:t>9/22/2017</a:t>
             </a:fld>
             <a:endParaRPr lang="en-US"/>
           </a:p>
@@ -2654,7 +2656,7 @@
           <a:p>
             <a:fld id="{BE594A49-0664-4F98-B6CE-606FC87ECC01}" type="datetimeFigureOut">
               <a:rPr lang="en-US" smtClean="0"/>
-              <a:t>9/21/2017</a:t>
+              <a:t>9/22/2017</a:t>
             </a:fld>
             <a:endParaRPr lang="en-US"/>
           </a:p>
@@ -2767,7 +2769,7 @@
           <a:p>
             <a:fld id="{BE594A49-0664-4F98-B6CE-606FC87ECC01}" type="datetimeFigureOut">
               <a:rPr lang="en-US" smtClean="0"/>
-              <a:t>9/21/2017</a:t>
+              <a:t>9/22/2017</a:t>
             </a:fld>
             <a:endParaRPr lang="en-US"/>
           </a:p>
@@ -3078,7 +3080,7 @@
           <a:p>
             <a:fld id="{BE594A49-0664-4F98-B6CE-606FC87ECC01}" type="datetimeFigureOut">
               <a:rPr lang="en-US" smtClean="0"/>
-              <a:t>9/21/2017</a:t>
+              <a:t>9/22/2017</a:t>
             </a:fld>
             <a:endParaRPr lang="en-US"/>
           </a:p>
@@ -3366,7 +3368,7 @@
           <a:p>
             <a:fld id="{BE594A49-0664-4F98-B6CE-606FC87ECC01}" type="datetimeFigureOut">
               <a:rPr lang="en-US" smtClean="0"/>
-              <a:t>9/21/2017</a:t>
+              <a:t>9/22/2017</a:t>
             </a:fld>
             <a:endParaRPr lang="en-US"/>
           </a:p>
@@ -3607,7 +3609,7 @@
           <a:p>
             <a:fld id="{BE594A49-0664-4F98-B6CE-606FC87ECC01}" type="datetimeFigureOut">
               <a:rPr lang="en-US" smtClean="0"/>
-              <a:t>9/21/2017</a:t>
+              <a:t>9/22/2017</a:t>
             </a:fld>
             <a:endParaRPr lang="en-US"/>
           </a:p>
@@ -4850,10 +4852,18 @@
         </p:nvSpPr>
         <p:spPr/>
         <p:txBody>
-          <a:bodyPr/>
-          <a:lstStyle/>
-          <a:p>
-            <a:endParaRPr lang="en-US"/>
+          <a:bodyPr>
+            <a:normAutofit/>
+          </a:bodyPr>
+          <a:lstStyle/>
+          <a:p>
+            <a:r>
+              <a:rPr lang="en-US" sz="3200" b="1" dirty="0">
+                <a:latin typeface="Times New Roman" panose="02020603050405020304" pitchFamily="18" charset="0"/>
+                <a:cs typeface="Times New Roman" panose="02020603050405020304" pitchFamily="18" charset="0"/>
+              </a:rPr>
+              <a:t>Design a VNODE:</a:t>
+            </a:r>
           </a:p>
         </p:txBody>
       </p:sp>
@@ -4873,7 +4883,12 @@
             <p:ph idx="1"/>
           </p:nvPr>
         </p:nvSpPr>
-        <p:spPr/>
+        <p:spPr>
+          <a:xfrm>
+            <a:off x="838200" y="1825625"/>
+            <a:ext cx="10515600" cy="4351338"/>
+          </a:xfrm>
+        </p:spPr>
         <p:txBody>
           <a:bodyPr>
             <a:normAutofit/>
@@ -4977,6 +4992,345 @@
     <p:extLst>
       <p:ext uri="{BB962C8B-B14F-4D97-AF65-F5344CB8AC3E}">
         <p14:creationId xmlns:p14="http://schemas.microsoft.com/office/powerpoint/2010/main" val="3033104427"/>
+      </p:ext>
+    </p:extLst>
+  </p:cSld>
+  <p:clrMapOvr>
+    <a:masterClrMapping/>
+  </p:clrMapOvr>
+</p:sld>
+</file>
+
+<file path=ppt/slides/slide8.xml><?xml version="1.0" encoding="utf-8"?>
+<p:sld xmlns:a="http://schemas.openxmlformats.org/drawingml/2006/main" xmlns:r="http://schemas.openxmlformats.org/officeDocument/2006/relationships" xmlns:p="http://schemas.openxmlformats.org/presentationml/2006/main">
+  <p:cSld>
+    <p:spTree>
+      <p:nvGrpSpPr>
+        <p:cNvPr id="1" name=""/>
+        <p:cNvGrpSpPr/>
+        <p:nvPr/>
+      </p:nvGrpSpPr>
+      <p:grpSpPr>
+        <a:xfrm>
+          <a:off x="0" y="0"/>
+          <a:ext cx="0" cy="0"/>
+          <a:chOff x="0" y="0"/>
+          <a:chExt cx="0" cy="0"/>
+        </a:xfrm>
+      </p:grpSpPr>
+      <p:sp>
+        <p:nvSpPr>
+          <p:cNvPr id="3" name="Content Placeholder 2">
+            <a:extLst>
+              <a:ext uri="{FF2B5EF4-FFF2-40B4-BE49-F238E27FC236}">
+                <a16:creationId xmlns:a16="http://schemas.microsoft.com/office/drawing/2014/main" id="{CD6B70D1-5474-46B4-9A53-FA5E2332E39F}"/>
+              </a:ext>
+            </a:extLst>
+          </p:cNvPr>
+          <p:cNvSpPr>
+            <a:spLocks noGrp="1"/>
+          </p:cNvSpPr>
+          <p:nvPr>
+            <p:ph idx="1"/>
+          </p:nvPr>
+        </p:nvSpPr>
+        <p:spPr>
+          <a:xfrm>
+            <a:off x="838200" y="254977"/>
+            <a:ext cx="10515600" cy="5921986"/>
+          </a:xfrm>
+        </p:spPr>
+        <p:txBody>
+          <a:bodyPr/>
+          <a:lstStyle/>
+          <a:p>
+            <a:pPr marL="0" indent="0">
+              <a:buNone/>
+            </a:pPr>
+            <a:r>
+              <a:rPr lang="en-US" b="1" dirty="0" err="1">
+                <a:latin typeface="Times New Roman" panose="02020603050405020304" pitchFamily="18" charset="0"/>
+                <a:cs typeface="Times New Roman" panose="02020603050405020304" pitchFamily="18" charset="0"/>
+              </a:rPr>
+              <a:t>allocate_page_vma</a:t>
+            </a:r>
+            <a:r>
+              <a:rPr lang="en-US" b="1" dirty="0">
+                <a:latin typeface="Times New Roman" panose="02020603050405020304" pitchFamily="18" charset="0"/>
+                <a:cs typeface="Times New Roman" panose="02020603050405020304" pitchFamily="18" charset="0"/>
+              </a:rPr>
+              <a:t>: </a:t>
+            </a:r>
+            <a:r>
+              <a:rPr lang="en-US" dirty="0">
+                <a:latin typeface="Times New Roman" panose="02020603050405020304" pitchFamily="18" charset="0"/>
+                <a:cs typeface="Times New Roman" panose="02020603050405020304" pitchFamily="18" charset="0"/>
+              </a:rPr>
+              <a:t>manages the pages of the applications in the virtual memory space</a:t>
+            </a:r>
+            <a:r>
+              <a:rPr lang="en-US" dirty="0"/>
+              <a:t>.</a:t>
+            </a:r>
+          </a:p>
+          <a:p>
+            <a:pPr marL="0" indent="0">
+              <a:buNone/>
+            </a:pPr>
+            <a:r>
+              <a:rPr lang="en-US" b="1" dirty="0" err="1">
+                <a:latin typeface="Times New Roman" panose="02020603050405020304" pitchFamily="18" charset="0"/>
+                <a:cs typeface="Times New Roman" panose="02020603050405020304" pitchFamily="18" charset="0"/>
+              </a:rPr>
+              <a:t>allocate_page_interleave</a:t>
+            </a:r>
+            <a:r>
+              <a:rPr lang="en-US" b="1" dirty="0">
+                <a:latin typeface="Times New Roman" panose="02020603050405020304" pitchFamily="18" charset="0"/>
+                <a:cs typeface="Times New Roman" panose="02020603050405020304" pitchFamily="18" charset="0"/>
+              </a:rPr>
+              <a:t>: </a:t>
+            </a:r>
+            <a:r>
+              <a:rPr lang="en-US" dirty="0">
+                <a:latin typeface="Times New Roman" panose="02020603050405020304" pitchFamily="18" charset="0"/>
+                <a:cs typeface="Times New Roman" panose="02020603050405020304" pitchFamily="18" charset="0"/>
+              </a:rPr>
+              <a:t>executes the low level operation to interconnect an application and a memory area.</a:t>
+            </a:r>
+          </a:p>
+          <a:p>
+            <a:pPr marL="0" indent="0">
+              <a:buNone/>
+            </a:pPr>
+            <a:r>
+              <a:rPr lang="en-US" b="1" dirty="0" err="1">
+                <a:latin typeface="Times New Roman" panose="02020603050405020304" pitchFamily="18" charset="0"/>
+                <a:cs typeface="Times New Roman" panose="02020603050405020304" pitchFamily="18" charset="0"/>
+              </a:rPr>
+              <a:t>allocate_page_current</a:t>
+            </a:r>
+            <a:r>
+              <a:rPr lang="en-US" b="1" dirty="0">
+                <a:latin typeface="Times New Roman" panose="02020603050405020304" pitchFamily="18" charset="0"/>
+                <a:cs typeface="Times New Roman" panose="02020603050405020304" pitchFamily="18" charset="0"/>
+              </a:rPr>
+              <a:t>: </a:t>
+            </a:r>
+            <a:r>
+              <a:rPr lang="en-US" dirty="0">
+                <a:latin typeface="Times New Roman" panose="02020603050405020304" pitchFamily="18" charset="0"/>
+                <a:cs typeface="Times New Roman" panose="02020603050405020304" pitchFamily="18" charset="0"/>
+              </a:rPr>
+              <a:t>allocate the current page in process</a:t>
+            </a:r>
+          </a:p>
+          <a:p>
+            <a:pPr marL="0" indent="0">
+              <a:buNone/>
+            </a:pPr>
+            <a:r>
+              <a:rPr lang="en-US" b="1" dirty="0" err="1">
+                <a:latin typeface="Times New Roman" panose="02020603050405020304" pitchFamily="18" charset="0"/>
+                <a:cs typeface="Times New Roman" panose="02020603050405020304" pitchFamily="18" charset="0"/>
+              </a:rPr>
+              <a:t>allocate_page</a:t>
+            </a:r>
+            <a:r>
+              <a:rPr lang="en-US" b="1" dirty="0">
+                <a:latin typeface="Times New Roman" panose="02020603050405020304" pitchFamily="18" charset="0"/>
+                <a:cs typeface="Times New Roman" panose="02020603050405020304" pitchFamily="18" charset="0"/>
+              </a:rPr>
+              <a:t>: </a:t>
+            </a:r>
+            <a:r>
+              <a:rPr lang="en-US" dirty="0">
+                <a:latin typeface="Times New Roman" panose="02020603050405020304" pitchFamily="18" charset="0"/>
+                <a:cs typeface="Times New Roman" panose="02020603050405020304" pitchFamily="18" charset="0"/>
+              </a:rPr>
+              <a:t>If the operating system needs to find the allocated</a:t>
+            </a:r>
+          </a:p>
+          <a:p>
+            <a:pPr marL="0" indent="0">
+              <a:buNone/>
+            </a:pPr>
+            <a:r>
+              <a:rPr lang="en-US" dirty="0">
+                <a:latin typeface="Times New Roman" panose="02020603050405020304" pitchFamily="18" charset="0"/>
+                <a:cs typeface="Times New Roman" panose="02020603050405020304" pitchFamily="18" charset="0"/>
+              </a:rPr>
+              <a:t>memory address currently according to the process request, the </a:t>
+            </a:r>
+            <a:r>
+              <a:rPr lang="en-US" dirty="0" err="1">
+                <a:latin typeface="Times New Roman" panose="02020603050405020304" pitchFamily="18" charset="0"/>
+                <a:cs typeface="Times New Roman" panose="02020603050405020304" pitchFamily="18" charset="0"/>
+              </a:rPr>
+              <a:t>allocate_page</a:t>
+            </a:r>
+            <a:r>
+              <a:rPr lang="en-US" dirty="0">
+                <a:latin typeface="Times New Roman" panose="02020603050405020304" pitchFamily="18" charset="0"/>
+                <a:cs typeface="Times New Roman" panose="02020603050405020304" pitchFamily="18" charset="0"/>
+              </a:rPr>
+              <a:t> function calls the </a:t>
+            </a:r>
+            <a:r>
+              <a:rPr lang="en-US" dirty="0" err="1">
+                <a:latin typeface="Times New Roman" panose="02020603050405020304" pitchFamily="18" charset="0"/>
+                <a:cs typeface="Times New Roman" panose="02020603050405020304" pitchFamily="18" charset="0"/>
+              </a:rPr>
+              <a:t>allocate_page_interleave</a:t>
+            </a:r>
+            <a:r>
+              <a:rPr lang="en-US" dirty="0">
+                <a:latin typeface="Times New Roman" panose="02020603050405020304" pitchFamily="18" charset="0"/>
+                <a:cs typeface="Times New Roman" panose="02020603050405020304" pitchFamily="18" charset="0"/>
+              </a:rPr>
+              <a:t> function via the </a:t>
+            </a:r>
+            <a:r>
+              <a:rPr lang="en-US" dirty="0" err="1">
+                <a:latin typeface="Times New Roman" panose="02020603050405020304" pitchFamily="18" charset="0"/>
+                <a:cs typeface="Times New Roman" panose="02020603050405020304" pitchFamily="18" charset="0"/>
+              </a:rPr>
+              <a:t>allocate_page_current</a:t>
+            </a:r>
+            <a:r>
+              <a:rPr lang="en-US" dirty="0">
+                <a:latin typeface="Times New Roman" panose="02020603050405020304" pitchFamily="18" charset="0"/>
+                <a:cs typeface="Times New Roman" panose="02020603050405020304" pitchFamily="18" charset="0"/>
+              </a:rPr>
+              <a:t> function.</a:t>
+            </a:r>
+          </a:p>
+          <a:p>
+            <a:pPr marL="0" indent="0">
+              <a:buNone/>
+            </a:pPr>
+            <a:r>
+              <a:rPr lang="en-US" b="1" dirty="0">
+                <a:latin typeface="Times New Roman" panose="02020603050405020304" pitchFamily="18" charset="0"/>
+                <a:cs typeface="Times New Roman" panose="02020603050405020304" pitchFamily="18" charset="0"/>
+              </a:rPr>
+              <a:t>__</a:t>
+            </a:r>
+            <a:r>
+              <a:rPr lang="en-US" b="1" dirty="0" err="1">
+                <a:latin typeface="Times New Roman" panose="02020603050405020304" pitchFamily="18" charset="0"/>
+                <a:cs typeface="Times New Roman" panose="02020603050405020304" pitchFamily="18" charset="0"/>
+              </a:rPr>
+              <a:t>allocate_pages</a:t>
+            </a:r>
+            <a:r>
+              <a:rPr lang="en-US" b="1" dirty="0">
+                <a:latin typeface="Times New Roman" panose="02020603050405020304" pitchFamily="18" charset="0"/>
+                <a:cs typeface="Times New Roman" panose="02020603050405020304" pitchFamily="18" charset="0"/>
+              </a:rPr>
+              <a:t>: </a:t>
+            </a:r>
+            <a:r>
+              <a:rPr lang="en-US" dirty="0"/>
+              <a:t>allocates/releases the memory area of the process using the processing result of VNODE’s three components</a:t>
+            </a:r>
+            <a:endParaRPr lang="en-US" dirty="0">
+              <a:latin typeface="Times New Roman" panose="02020603050405020304" pitchFamily="18" charset="0"/>
+              <a:cs typeface="Times New Roman" panose="02020603050405020304" pitchFamily="18" charset="0"/>
+            </a:endParaRPr>
+          </a:p>
+          <a:p>
+            <a:pPr marL="0" indent="0">
+              <a:buNone/>
+            </a:pPr>
+            <a:endParaRPr lang="en-US" dirty="0"/>
+          </a:p>
+        </p:txBody>
+      </p:sp>
+    </p:spTree>
+    <p:extLst>
+      <p:ext uri="{BB962C8B-B14F-4D97-AF65-F5344CB8AC3E}">
+        <p14:creationId xmlns:p14="http://schemas.microsoft.com/office/powerpoint/2010/main" val="1401843918"/>
+      </p:ext>
+    </p:extLst>
+  </p:cSld>
+  <p:clrMapOvr>
+    <a:masterClrMapping/>
+  </p:clrMapOvr>
+</p:sld>
+</file>
+
+<file path=ppt/slides/slide9.xml><?xml version="1.0" encoding="utf-8"?>
+<p:sld xmlns:a="http://schemas.openxmlformats.org/drawingml/2006/main" xmlns:r="http://schemas.openxmlformats.org/officeDocument/2006/relationships" xmlns:p="http://schemas.openxmlformats.org/presentationml/2006/main">
+  <p:cSld>
+    <p:spTree>
+      <p:nvGrpSpPr>
+        <p:cNvPr id="1" name=""/>
+        <p:cNvGrpSpPr/>
+        <p:nvPr/>
+      </p:nvGrpSpPr>
+      <p:grpSpPr>
+        <a:xfrm>
+          <a:off x="0" y="0"/>
+          <a:ext cx="0" cy="0"/>
+          <a:chOff x="0" y="0"/>
+          <a:chExt cx="0" cy="0"/>
+        </a:xfrm>
+      </p:grpSpPr>
+      <p:sp>
+        <p:nvSpPr>
+          <p:cNvPr id="2" name="Title 1">
+            <a:extLst>
+              <a:ext uri="{FF2B5EF4-FFF2-40B4-BE49-F238E27FC236}">
+                <a16:creationId xmlns:a16="http://schemas.microsoft.com/office/drawing/2014/main" id="{D595437C-7A33-49B7-98F0-5D1DB36A0CB1}"/>
+              </a:ext>
+            </a:extLst>
+          </p:cNvPr>
+          <p:cNvSpPr>
+            <a:spLocks noGrp="1"/>
+          </p:cNvSpPr>
+          <p:nvPr>
+            <p:ph type="title"/>
+          </p:nvPr>
+        </p:nvSpPr>
+        <p:spPr/>
+        <p:txBody>
+          <a:bodyPr/>
+          <a:lstStyle/>
+          <a:p>
+            <a:endParaRPr lang="en-US"/>
+          </a:p>
+        </p:txBody>
+      </p:sp>
+      <p:sp>
+        <p:nvSpPr>
+          <p:cNvPr id="3" name="Content Placeholder 2">
+            <a:extLst>
+              <a:ext uri="{FF2B5EF4-FFF2-40B4-BE49-F238E27FC236}">
+                <a16:creationId xmlns:a16="http://schemas.microsoft.com/office/drawing/2014/main" id="{2C417694-56DA-46F1-BE75-7C1987DC6028}"/>
+              </a:ext>
+            </a:extLst>
+          </p:cNvPr>
+          <p:cNvSpPr>
+            <a:spLocks noGrp="1"/>
+          </p:cNvSpPr>
+          <p:nvPr>
+            <p:ph idx="1"/>
+          </p:nvPr>
+        </p:nvSpPr>
+        <p:spPr/>
+        <p:txBody>
+          <a:bodyPr/>
+          <a:lstStyle/>
+          <a:p>
+            <a:endParaRPr lang="en-US"/>
+          </a:p>
+        </p:txBody>
+      </p:sp>
+    </p:spTree>
+    <p:extLst>
+      <p:ext uri="{BB962C8B-B14F-4D97-AF65-F5344CB8AC3E}">
+        <p14:creationId xmlns:p14="http://schemas.microsoft.com/office/powerpoint/2010/main" val="2892559646"/>
       </p:ext>
     </p:extLst>
   </p:cSld>

--- a/presentation paper.pptx
+++ b/presentation paper.pptx
@@ -2,10 +2,10 @@
 <file path=ppt/presentation.xml><?xml version="1.0" encoding="utf-8"?>
 <p:presentation xmlns:a="http://schemas.openxmlformats.org/drawingml/2006/main" xmlns:r="http://schemas.openxmlformats.org/officeDocument/2006/relationships" xmlns:p="http://schemas.openxmlformats.org/presentationml/2006/main" saveSubsetFonts="1">
   <p:sldMasterIdLst>
-    <p:sldMasterId id="2147483648" r:id="rId1"/>
+    <p:sldMasterId id="2147483726" r:id="rId1"/>
   </p:sldMasterIdLst>
   <p:notesMasterIdLst>
-    <p:notesMasterId r:id="rId11"/>
+    <p:notesMasterId r:id="rId15"/>
   </p:notesMasterIdLst>
   <p:sldIdLst>
     <p:sldId id="256" r:id="rId2"/>
@@ -17,6 +17,10 @@
     <p:sldId id="262" r:id="rId8"/>
     <p:sldId id="263" r:id="rId9"/>
     <p:sldId id="264" r:id="rId10"/>
+    <p:sldId id="265" r:id="rId11"/>
+    <p:sldId id="266" r:id="rId12"/>
+    <p:sldId id="267" r:id="rId13"/>
+    <p:sldId id="268" r:id="rId14"/>
   </p:sldIdLst>
   <p:sldSz cx="12192000" cy="6858000"/>
   <p:notesSz cx="6858000" cy="9144000"/>
@@ -24,7 +28,7 @@
     <a:defPPr>
       <a:defRPr lang="en-US"/>
     </a:defPPr>
-    <a:lvl1pPr marL="0" algn="l" defTabSz="914400" rtl="0" eaLnBrk="1" latinLnBrk="0" hangingPunct="1">
+    <a:lvl1pPr marL="0" algn="l" defTabSz="457200" rtl="0" eaLnBrk="1" latinLnBrk="0" hangingPunct="1">
       <a:defRPr sz="1800" kern="1200">
         <a:solidFill>
           <a:schemeClr val="tx1"/>
@@ -34,7 +38,7 @@
         <a:cs typeface="+mn-cs"/>
       </a:defRPr>
     </a:lvl1pPr>
-    <a:lvl2pPr marL="457200" algn="l" defTabSz="914400" rtl="0" eaLnBrk="1" latinLnBrk="0" hangingPunct="1">
+    <a:lvl2pPr marL="457200" algn="l" defTabSz="457200" rtl="0" eaLnBrk="1" latinLnBrk="0" hangingPunct="1">
       <a:defRPr sz="1800" kern="1200">
         <a:solidFill>
           <a:schemeClr val="tx1"/>
@@ -44,7 +48,7 @@
         <a:cs typeface="+mn-cs"/>
       </a:defRPr>
     </a:lvl2pPr>
-    <a:lvl3pPr marL="914400" algn="l" defTabSz="914400" rtl="0" eaLnBrk="1" latinLnBrk="0" hangingPunct="1">
+    <a:lvl3pPr marL="914400" algn="l" defTabSz="457200" rtl="0" eaLnBrk="1" latinLnBrk="0" hangingPunct="1">
       <a:defRPr sz="1800" kern="1200">
         <a:solidFill>
           <a:schemeClr val="tx1"/>
@@ -54,7 +58,7 @@
         <a:cs typeface="+mn-cs"/>
       </a:defRPr>
     </a:lvl3pPr>
-    <a:lvl4pPr marL="1371600" algn="l" defTabSz="914400" rtl="0" eaLnBrk="1" latinLnBrk="0" hangingPunct="1">
+    <a:lvl4pPr marL="1371600" algn="l" defTabSz="457200" rtl="0" eaLnBrk="1" latinLnBrk="0" hangingPunct="1">
       <a:defRPr sz="1800" kern="1200">
         <a:solidFill>
           <a:schemeClr val="tx1"/>
@@ -64,7 +68,7 @@
         <a:cs typeface="+mn-cs"/>
       </a:defRPr>
     </a:lvl4pPr>
-    <a:lvl5pPr marL="1828800" algn="l" defTabSz="914400" rtl="0" eaLnBrk="1" latinLnBrk="0" hangingPunct="1">
+    <a:lvl5pPr marL="1828800" algn="l" defTabSz="457200" rtl="0" eaLnBrk="1" latinLnBrk="0" hangingPunct="1">
       <a:defRPr sz="1800" kern="1200">
         <a:solidFill>
           <a:schemeClr val="tx1"/>
@@ -74,7 +78,7 @@
         <a:cs typeface="+mn-cs"/>
       </a:defRPr>
     </a:lvl5pPr>
-    <a:lvl6pPr marL="2286000" algn="l" defTabSz="914400" rtl="0" eaLnBrk="1" latinLnBrk="0" hangingPunct="1">
+    <a:lvl6pPr marL="2286000" algn="l" defTabSz="457200" rtl="0" eaLnBrk="1" latinLnBrk="0" hangingPunct="1">
       <a:defRPr sz="1800" kern="1200">
         <a:solidFill>
           <a:schemeClr val="tx1"/>
@@ -84,7 +88,7 @@
         <a:cs typeface="+mn-cs"/>
       </a:defRPr>
     </a:lvl6pPr>
-    <a:lvl7pPr marL="2743200" algn="l" defTabSz="914400" rtl="0" eaLnBrk="1" latinLnBrk="0" hangingPunct="1">
+    <a:lvl7pPr marL="2743200" algn="l" defTabSz="457200" rtl="0" eaLnBrk="1" latinLnBrk="0" hangingPunct="1">
       <a:defRPr sz="1800" kern="1200">
         <a:solidFill>
           <a:schemeClr val="tx1"/>
@@ -94,7 +98,7 @@
         <a:cs typeface="+mn-cs"/>
       </a:defRPr>
     </a:lvl7pPr>
-    <a:lvl8pPr marL="3200400" algn="l" defTabSz="914400" rtl="0" eaLnBrk="1" latinLnBrk="0" hangingPunct="1">
+    <a:lvl8pPr marL="3200400" algn="l" defTabSz="457200" rtl="0" eaLnBrk="1" latinLnBrk="0" hangingPunct="1">
       <a:defRPr sz="1800" kern="1200">
         <a:solidFill>
           <a:schemeClr val="tx1"/>
@@ -104,7 +108,7 @@
         <a:cs typeface="+mn-cs"/>
       </a:defRPr>
     </a:lvl8pPr>
-    <a:lvl9pPr marL="3657600" algn="l" defTabSz="914400" rtl="0" eaLnBrk="1" latinLnBrk="0" hangingPunct="1">
+    <a:lvl9pPr marL="3657600" algn="l" defTabSz="457200" rtl="0" eaLnBrk="1" latinLnBrk="0" hangingPunct="1">
       <a:defRPr sz="1800" kern="1200">
         <a:solidFill>
           <a:schemeClr val="tx1"/>
@@ -831,13 +835,7 @@
       </p:grpSpPr>
       <p:sp>
         <p:nvSpPr>
-          <p:cNvPr id="2" name="Title 1">
-            <a:extLst>
-              <a:ext uri="{FF2B5EF4-FFF2-40B4-BE49-F238E27FC236}">
-                <a16:creationId xmlns:a16="http://schemas.microsoft.com/office/drawing/2014/main" id="{A51E9015-B025-44CD-A075-418D5C5C350F}"/>
-              </a:ext>
-            </a:extLst>
-          </p:cNvPr>
+          <p:cNvPr id="2" name="Title 1"/>
           <p:cNvSpPr>
             <a:spLocks noGrp="1"/>
           </p:cNvSpPr>
@@ -847,15 +845,15 @@
         </p:nvSpPr>
         <p:spPr>
           <a:xfrm>
-            <a:off x="1524000" y="1122363"/>
-            <a:ext cx="9144000" cy="2387600"/>
+            <a:off x="1154955" y="1447800"/>
+            <a:ext cx="8825658" cy="3329581"/>
           </a:xfrm>
         </p:spPr>
         <p:txBody>
           <a:bodyPr anchor="b"/>
           <a:lstStyle>
-            <a:lvl1pPr algn="ctr">
-              <a:defRPr sz="6000"/>
+            <a:lvl1pPr>
+              <a:defRPr sz="7200"/>
             </a:lvl1pPr>
           </a:lstStyle>
           <a:p>
@@ -863,18 +861,13 @@
               <a:rPr lang="en-US"/>
               <a:t>Click to edit Master title style</a:t>
             </a:r>
-          </a:p>
-        </p:txBody>
-      </p:sp>
-      <p:sp>
-        <p:nvSpPr>
-          <p:cNvPr id="3" name="Subtitle 2">
-            <a:extLst>
-              <a:ext uri="{FF2B5EF4-FFF2-40B4-BE49-F238E27FC236}">
-                <a16:creationId xmlns:a16="http://schemas.microsoft.com/office/drawing/2014/main" id="{2DE65B25-32B6-4525-8CD6-6B43152897A4}"/>
-              </a:ext>
-            </a:extLst>
-          </p:cNvPr>
+            <a:endParaRPr lang="en-US" dirty="0"/>
+          </a:p>
+        </p:txBody>
+      </p:sp>
+      <p:sp>
+        <p:nvSpPr>
+          <p:cNvPr id="3" name="Subtitle 2"/>
           <p:cNvSpPr>
             <a:spLocks noGrp="1"/>
           </p:cNvSpPr>
@@ -884,48 +877,103 @@
         </p:nvSpPr>
         <p:spPr>
           <a:xfrm>
-            <a:off x="1524000" y="3602038"/>
-            <a:ext cx="9144000" cy="1655762"/>
+            <a:off x="1154955" y="4777380"/>
+            <a:ext cx="8825658" cy="861420"/>
           </a:xfrm>
         </p:spPr>
         <p:txBody>
-          <a:bodyPr/>
+          <a:bodyPr anchor="t"/>
           <a:lstStyle>
-            <a:lvl1pPr marL="0" indent="0" algn="ctr">
-              <a:buNone/>
-              <a:defRPr sz="2400"/>
+            <a:lvl1pPr marL="0" indent="0" algn="l">
+              <a:buNone/>
+              <a:defRPr cap="all">
+                <a:solidFill>
+                  <a:schemeClr val="bg2">
+                    <a:lumMod val="40000"/>
+                    <a:lumOff val="60000"/>
+                  </a:schemeClr>
+                </a:solidFill>
+              </a:defRPr>
             </a:lvl1pPr>
             <a:lvl2pPr marL="457200" indent="0" algn="ctr">
               <a:buNone/>
-              <a:defRPr sz="2000"/>
+              <a:defRPr>
+                <a:solidFill>
+                  <a:schemeClr val="tx1">
+                    <a:tint val="75000"/>
+                  </a:schemeClr>
+                </a:solidFill>
+              </a:defRPr>
             </a:lvl2pPr>
             <a:lvl3pPr marL="914400" indent="0" algn="ctr">
               <a:buNone/>
-              <a:defRPr sz="1800"/>
+              <a:defRPr>
+                <a:solidFill>
+                  <a:schemeClr val="tx1">
+                    <a:tint val="75000"/>
+                  </a:schemeClr>
+                </a:solidFill>
+              </a:defRPr>
             </a:lvl3pPr>
             <a:lvl4pPr marL="1371600" indent="0" algn="ctr">
               <a:buNone/>
-              <a:defRPr sz="1600"/>
+              <a:defRPr>
+                <a:solidFill>
+                  <a:schemeClr val="tx1">
+                    <a:tint val="75000"/>
+                  </a:schemeClr>
+                </a:solidFill>
+              </a:defRPr>
             </a:lvl4pPr>
             <a:lvl5pPr marL="1828800" indent="0" algn="ctr">
               <a:buNone/>
-              <a:defRPr sz="1600"/>
+              <a:defRPr>
+                <a:solidFill>
+                  <a:schemeClr val="tx1">
+                    <a:tint val="75000"/>
+                  </a:schemeClr>
+                </a:solidFill>
+              </a:defRPr>
             </a:lvl5pPr>
             <a:lvl6pPr marL="2286000" indent="0" algn="ctr">
               <a:buNone/>
-              <a:defRPr sz="1600"/>
+              <a:defRPr>
+                <a:solidFill>
+                  <a:schemeClr val="tx1">
+                    <a:tint val="75000"/>
+                  </a:schemeClr>
+                </a:solidFill>
+              </a:defRPr>
             </a:lvl6pPr>
             <a:lvl7pPr marL="2743200" indent="0" algn="ctr">
               <a:buNone/>
-              <a:defRPr sz="1600"/>
+              <a:defRPr>
+                <a:solidFill>
+                  <a:schemeClr val="tx1">
+                    <a:tint val="75000"/>
+                  </a:schemeClr>
+                </a:solidFill>
+              </a:defRPr>
             </a:lvl7pPr>
             <a:lvl8pPr marL="3200400" indent="0" algn="ctr">
               <a:buNone/>
-              <a:defRPr sz="1600"/>
+              <a:defRPr>
+                <a:solidFill>
+                  <a:schemeClr val="tx1">
+                    <a:tint val="75000"/>
+                  </a:schemeClr>
+                </a:solidFill>
+              </a:defRPr>
             </a:lvl8pPr>
             <a:lvl9pPr marL="3657600" indent="0" algn="ctr">
               <a:buNone/>
-              <a:defRPr sz="1600"/>
+              <a:defRPr>
+                <a:solidFill>
+                  <a:schemeClr val="tx1">
+                    <a:tint val="75000"/>
+                  </a:schemeClr>
+                </a:solidFill>
+              </a:defRPr>
             </a:lvl9pPr>
           </a:lstStyle>
           <a:p>
@@ -933,18 +981,13 @@
               <a:rPr lang="en-US"/>
               <a:t>Click to edit Master subtitle style</a:t>
             </a:r>
-          </a:p>
-        </p:txBody>
-      </p:sp>
-      <p:sp>
-        <p:nvSpPr>
-          <p:cNvPr id="4" name="Date Placeholder 3">
-            <a:extLst>
-              <a:ext uri="{FF2B5EF4-FFF2-40B4-BE49-F238E27FC236}">
-                <a16:creationId xmlns:a16="http://schemas.microsoft.com/office/drawing/2014/main" id="{1A31339B-B02B-4B3A-9F26-3408379011A2}"/>
-              </a:ext>
-            </a:extLst>
-          </p:cNvPr>
+            <a:endParaRPr lang="en-US" dirty="0"/>
+          </a:p>
+        </p:txBody>
+      </p:sp>
+      <p:sp>
+        <p:nvSpPr>
+          <p:cNvPr id="4" name="Date Placeholder 3"/>
           <p:cNvSpPr>
             <a:spLocks noGrp="1"/>
           </p:cNvSpPr>
@@ -967,13 +1010,7 @@
       </p:sp>
       <p:sp>
         <p:nvSpPr>
-          <p:cNvPr id="5" name="Footer Placeholder 4">
-            <a:extLst>
-              <a:ext uri="{FF2B5EF4-FFF2-40B4-BE49-F238E27FC236}">
-                <a16:creationId xmlns:a16="http://schemas.microsoft.com/office/drawing/2014/main" id="{081DEFCA-4031-47F4-869F-B28A607920A6}"/>
-              </a:ext>
-            </a:extLst>
-          </p:cNvPr>
+          <p:cNvPr id="5" name="Footer Placeholder 4"/>
           <p:cNvSpPr>
             <a:spLocks noGrp="1"/>
           </p:cNvSpPr>
@@ -992,13 +1029,7 @@
       </p:sp>
       <p:sp>
         <p:nvSpPr>
-          <p:cNvPr id="6" name="Slide Number Placeholder 5">
-            <a:extLst>
-              <a:ext uri="{FF2B5EF4-FFF2-40B4-BE49-F238E27FC236}">
-                <a16:creationId xmlns:a16="http://schemas.microsoft.com/office/drawing/2014/main" id="{D2A31C89-7F3D-48F3-99E5-F004E3AD1298}"/>
-              </a:ext>
-            </a:extLst>
-          </p:cNvPr>
+          <p:cNvPr id="6" name="Slide Number Placeholder 5"/>
           <p:cNvSpPr>
             <a:spLocks noGrp="1"/>
           </p:cNvSpPr>
@@ -1022,7 +1053,7 @@
     </p:spTree>
     <p:extLst>
       <p:ext uri="{BB962C8B-B14F-4D97-AF65-F5344CB8AC3E}">
-        <p14:creationId xmlns:p14="http://schemas.microsoft.com/office/powerpoint/2010/main" val="2004072061"/>
+        <p14:creationId xmlns:p14="http://schemas.microsoft.com/office/powerpoint/2010/main" val="2886064528"/>
       </p:ext>
     </p:extLst>
   </p:cSld>
@@ -1033,6 +1064,2572 @@
 </file>
 
 <file path=ppt/slideLayouts/slideLayout10.xml><?xml version="1.0" encoding="utf-8"?>
+<p:sldLayout xmlns:a="http://schemas.openxmlformats.org/drawingml/2006/main" xmlns:r="http://schemas.openxmlformats.org/officeDocument/2006/relationships" xmlns:p="http://schemas.openxmlformats.org/presentationml/2006/main" preserve="1">
+  <p:cSld name="Panoramic Picture with Caption">
+    <p:spTree>
+      <p:nvGrpSpPr>
+        <p:cNvPr id="1" name=""/>
+        <p:cNvGrpSpPr/>
+        <p:nvPr/>
+      </p:nvGrpSpPr>
+      <p:grpSpPr>
+        <a:xfrm>
+          <a:off x="0" y="0"/>
+          <a:ext cx="0" cy="0"/>
+          <a:chOff x="0" y="0"/>
+          <a:chExt cx="0" cy="0"/>
+        </a:xfrm>
+      </p:grpSpPr>
+      <p:sp>
+        <p:nvSpPr>
+          <p:cNvPr id="2" name="Title 1"/>
+          <p:cNvSpPr>
+            <a:spLocks noGrp="1"/>
+          </p:cNvSpPr>
+          <p:nvPr>
+            <p:ph type="title"/>
+          </p:nvPr>
+        </p:nvSpPr>
+        <p:spPr>
+          <a:xfrm>
+            <a:off x="1154956" y="4800587"/>
+            <a:ext cx="8825657" cy="566738"/>
+          </a:xfrm>
+        </p:spPr>
+        <p:txBody>
+          <a:bodyPr anchor="b">
+            <a:normAutofit/>
+          </a:bodyPr>
+          <a:lstStyle>
+            <a:lvl1pPr algn="l">
+              <a:defRPr sz="2400" b="0"/>
+            </a:lvl1pPr>
+          </a:lstStyle>
+          <a:p>
+            <a:r>
+              <a:rPr lang="en-US"/>
+              <a:t>Click to edit Master title style</a:t>
+            </a:r>
+            <a:endParaRPr lang="en-US" dirty="0"/>
+          </a:p>
+        </p:txBody>
+      </p:sp>
+      <p:sp>
+        <p:nvSpPr>
+          <p:cNvPr id="3" name="Picture Placeholder 2"/>
+          <p:cNvSpPr>
+            <a:spLocks noGrp="1" noChangeAspect="1"/>
+          </p:cNvSpPr>
+          <p:nvPr>
+            <p:ph type="pic" idx="1"/>
+          </p:nvPr>
+        </p:nvSpPr>
+        <p:spPr>
+          <a:xfrm>
+            <a:off x="1154955" y="685800"/>
+            <a:ext cx="8825658" cy="3640666"/>
+          </a:xfrm>
+          <a:prstGeom prst="roundRect">
+            <a:avLst>
+              <a:gd name="adj" fmla="val 1858"/>
+            </a:avLst>
+          </a:prstGeom>
+          <a:effectLst>
+            <a:outerShdw blurRad="50800" dist="50800" dir="5400000" algn="tl" rotWithShape="0">
+              <a:srgbClr val="000000">
+                <a:alpha val="43000"/>
+              </a:srgbClr>
+            </a:outerShdw>
+          </a:effectLst>
+        </p:spPr>
+        <p:txBody>
+          <a:bodyPr anchor="t">
+            <a:normAutofit/>
+          </a:bodyPr>
+          <a:lstStyle>
+            <a:lvl1pPr marL="0" indent="0" algn="ctr">
+              <a:buNone/>
+              <a:defRPr sz="1600"/>
+            </a:lvl1pPr>
+            <a:lvl2pPr marL="457200" indent="0">
+              <a:buNone/>
+              <a:defRPr sz="1600"/>
+            </a:lvl2pPr>
+            <a:lvl3pPr marL="914400" indent="0">
+              <a:buNone/>
+              <a:defRPr sz="1600"/>
+            </a:lvl3pPr>
+            <a:lvl4pPr marL="1371600" indent="0">
+              <a:buNone/>
+              <a:defRPr sz="1600"/>
+            </a:lvl4pPr>
+            <a:lvl5pPr marL="1828800" indent="0">
+              <a:buNone/>
+              <a:defRPr sz="1600"/>
+            </a:lvl5pPr>
+            <a:lvl6pPr marL="2286000" indent="0">
+              <a:buNone/>
+              <a:defRPr sz="1600"/>
+            </a:lvl6pPr>
+            <a:lvl7pPr marL="2743200" indent="0">
+              <a:buNone/>
+              <a:defRPr sz="1600"/>
+            </a:lvl7pPr>
+            <a:lvl8pPr marL="3200400" indent="0">
+              <a:buNone/>
+              <a:defRPr sz="1600"/>
+            </a:lvl8pPr>
+            <a:lvl9pPr marL="3657600" indent="0">
+              <a:buNone/>
+              <a:defRPr sz="1600"/>
+            </a:lvl9pPr>
+          </a:lstStyle>
+          <a:p>
+            <a:r>
+              <a:rPr lang="en-US"/>
+              <a:t>Click icon to add picture</a:t>
+            </a:r>
+            <a:endParaRPr lang="en-US" dirty="0"/>
+          </a:p>
+        </p:txBody>
+      </p:sp>
+      <p:sp>
+        <p:nvSpPr>
+          <p:cNvPr id="4" name="Text Placeholder 3"/>
+          <p:cNvSpPr>
+            <a:spLocks noGrp="1"/>
+          </p:cNvSpPr>
+          <p:nvPr>
+            <p:ph type="body" sz="half" idx="2"/>
+          </p:nvPr>
+        </p:nvSpPr>
+        <p:spPr>
+          <a:xfrm>
+            <a:off x="1154956" y="5367325"/>
+            <a:ext cx="8825656" cy="493712"/>
+          </a:xfrm>
+        </p:spPr>
+        <p:txBody>
+          <a:bodyPr>
+            <a:normAutofit/>
+          </a:bodyPr>
+          <a:lstStyle>
+            <a:lvl1pPr marL="0" indent="0">
+              <a:buNone/>
+              <a:defRPr sz="1200"/>
+            </a:lvl1pPr>
+            <a:lvl2pPr marL="457200" indent="0">
+              <a:buNone/>
+              <a:defRPr sz="1200"/>
+            </a:lvl2pPr>
+            <a:lvl3pPr marL="914400" indent="0">
+              <a:buNone/>
+              <a:defRPr sz="1000"/>
+            </a:lvl3pPr>
+            <a:lvl4pPr marL="1371600" indent="0">
+              <a:buNone/>
+              <a:defRPr sz="900"/>
+            </a:lvl4pPr>
+            <a:lvl5pPr marL="1828800" indent="0">
+              <a:buNone/>
+              <a:defRPr sz="900"/>
+            </a:lvl5pPr>
+            <a:lvl6pPr marL="2286000" indent="0">
+              <a:buNone/>
+              <a:defRPr sz="900"/>
+            </a:lvl6pPr>
+            <a:lvl7pPr marL="2743200" indent="0">
+              <a:buNone/>
+              <a:defRPr sz="900"/>
+            </a:lvl7pPr>
+            <a:lvl8pPr marL="3200400" indent="0">
+              <a:buNone/>
+              <a:defRPr sz="900"/>
+            </a:lvl8pPr>
+            <a:lvl9pPr marL="3657600" indent="0">
+              <a:buNone/>
+              <a:defRPr sz="900"/>
+            </a:lvl9pPr>
+          </a:lstStyle>
+          <a:p>
+            <a:pPr lvl="0"/>
+            <a:r>
+              <a:rPr lang="en-US"/>
+              <a:t>Edit Master text styles</a:t>
+            </a:r>
+          </a:p>
+        </p:txBody>
+      </p:sp>
+      <p:sp>
+        <p:nvSpPr>
+          <p:cNvPr id="5" name="Date Placeholder 4"/>
+          <p:cNvSpPr>
+            <a:spLocks noGrp="1"/>
+          </p:cNvSpPr>
+          <p:nvPr>
+            <p:ph type="dt" sz="half" idx="10"/>
+          </p:nvPr>
+        </p:nvSpPr>
+        <p:spPr/>
+        <p:txBody>
+          <a:bodyPr/>
+          <a:lstStyle/>
+          <a:p>
+            <a:fld id="{BE594A49-0664-4F98-B6CE-606FC87ECC01}" type="datetimeFigureOut">
+              <a:rPr lang="en-US" smtClean="0"/>
+              <a:t>9/22/2017</a:t>
+            </a:fld>
+            <a:endParaRPr lang="en-US"/>
+          </a:p>
+        </p:txBody>
+      </p:sp>
+      <p:sp>
+        <p:nvSpPr>
+          <p:cNvPr id="6" name="Footer Placeholder 5"/>
+          <p:cNvSpPr>
+            <a:spLocks noGrp="1"/>
+          </p:cNvSpPr>
+          <p:nvPr>
+            <p:ph type="ftr" sz="quarter" idx="11"/>
+          </p:nvPr>
+        </p:nvSpPr>
+        <p:spPr/>
+        <p:txBody>
+          <a:bodyPr/>
+          <a:lstStyle/>
+          <a:p>
+            <a:endParaRPr lang="en-US"/>
+          </a:p>
+        </p:txBody>
+      </p:sp>
+      <p:sp>
+        <p:nvSpPr>
+          <p:cNvPr id="7" name="Slide Number Placeholder 6"/>
+          <p:cNvSpPr>
+            <a:spLocks noGrp="1"/>
+          </p:cNvSpPr>
+          <p:nvPr>
+            <p:ph type="sldNum" sz="quarter" idx="12"/>
+          </p:nvPr>
+        </p:nvSpPr>
+        <p:spPr/>
+        <p:txBody>
+          <a:bodyPr/>
+          <a:lstStyle/>
+          <a:p>
+            <a:fld id="{EBB7A26B-6863-4AB1-A8E2-C872A0062DE8}" type="slidenum">
+              <a:rPr lang="en-US" smtClean="0"/>
+              <a:t>‹#›</a:t>
+            </a:fld>
+            <a:endParaRPr lang="en-US"/>
+          </a:p>
+        </p:txBody>
+      </p:sp>
+    </p:spTree>
+    <p:extLst>
+      <p:ext uri="{BB962C8B-B14F-4D97-AF65-F5344CB8AC3E}">
+        <p14:creationId xmlns:p14="http://schemas.microsoft.com/office/powerpoint/2010/main" val="1690604702"/>
+      </p:ext>
+    </p:extLst>
+  </p:cSld>
+  <p:clrMapOvr>
+    <a:masterClrMapping/>
+  </p:clrMapOvr>
+</p:sldLayout>
+</file>
+
+<file path=ppt/slideLayouts/slideLayout11.xml><?xml version="1.0" encoding="utf-8"?>
+<p:sldLayout xmlns:a="http://schemas.openxmlformats.org/drawingml/2006/main" xmlns:r="http://schemas.openxmlformats.org/officeDocument/2006/relationships" xmlns:p="http://schemas.openxmlformats.org/presentationml/2006/main" preserve="1">
+  <p:cSld name="Title and Caption">
+    <p:spTree>
+      <p:nvGrpSpPr>
+        <p:cNvPr id="1" name=""/>
+        <p:cNvGrpSpPr/>
+        <p:nvPr/>
+      </p:nvGrpSpPr>
+      <p:grpSpPr>
+        <a:xfrm>
+          <a:off x="0" y="0"/>
+          <a:ext cx="0" cy="0"/>
+          <a:chOff x="0" y="0"/>
+          <a:chExt cx="0" cy="0"/>
+        </a:xfrm>
+      </p:grpSpPr>
+      <p:sp>
+        <p:nvSpPr>
+          <p:cNvPr id="2" name="Title 1"/>
+          <p:cNvSpPr>
+            <a:spLocks noGrp="1"/>
+          </p:cNvSpPr>
+          <p:nvPr>
+            <p:ph type="title"/>
+          </p:nvPr>
+        </p:nvSpPr>
+        <p:spPr>
+          <a:xfrm>
+            <a:off x="1154954" y="1447800"/>
+            <a:ext cx="8825659" cy="1981200"/>
+          </a:xfrm>
+        </p:spPr>
+        <p:txBody>
+          <a:bodyPr/>
+          <a:lstStyle>
+            <a:lvl1pPr>
+              <a:defRPr sz="4800"/>
+            </a:lvl1pPr>
+          </a:lstStyle>
+          <a:p>
+            <a:r>
+              <a:rPr lang="en-US"/>
+              <a:t>Click to edit Master title style</a:t>
+            </a:r>
+            <a:endParaRPr lang="en-US" dirty="0"/>
+          </a:p>
+        </p:txBody>
+      </p:sp>
+      <p:sp>
+        <p:nvSpPr>
+          <p:cNvPr id="8" name="Text Placeholder 3"/>
+          <p:cNvSpPr>
+            <a:spLocks noGrp="1"/>
+          </p:cNvSpPr>
+          <p:nvPr>
+            <p:ph type="body" sz="half" idx="2"/>
+          </p:nvPr>
+        </p:nvSpPr>
+        <p:spPr>
+          <a:xfrm>
+            <a:off x="1154954" y="3657600"/>
+            <a:ext cx="8825659" cy="2362200"/>
+          </a:xfrm>
+        </p:spPr>
+        <p:txBody>
+          <a:bodyPr anchor="ctr">
+            <a:normAutofit/>
+          </a:bodyPr>
+          <a:lstStyle>
+            <a:lvl1pPr marL="0" indent="0">
+              <a:buNone/>
+              <a:defRPr sz="1800"/>
+            </a:lvl1pPr>
+            <a:lvl2pPr marL="457200" indent="0">
+              <a:buNone/>
+              <a:defRPr sz="1200"/>
+            </a:lvl2pPr>
+            <a:lvl3pPr marL="914400" indent="0">
+              <a:buNone/>
+              <a:defRPr sz="1000"/>
+            </a:lvl3pPr>
+            <a:lvl4pPr marL="1371600" indent="0">
+              <a:buNone/>
+              <a:defRPr sz="900"/>
+            </a:lvl4pPr>
+            <a:lvl5pPr marL="1828800" indent="0">
+              <a:buNone/>
+              <a:defRPr sz="900"/>
+            </a:lvl5pPr>
+            <a:lvl6pPr marL="2286000" indent="0">
+              <a:buNone/>
+              <a:defRPr sz="900"/>
+            </a:lvl6pPr>
+            <a:lvl7pPr marL="2743200" indent="0">
+              <a:buNone/>
+              <a:defRPr sz="900"/>
+            </a:lvl7pPr>
+            <a:lvl8pPr marL="3200400" indent="0">
+              <a:buNone/>
+              <a:defRPr sz="900"/>
+            </a:lvl8pPr>
+            <a:lvl9pPr marL="3657600" indent="0">
+              <a:buNone/>
+              <a:defRPr sz="900"/>
+            </a:lvl9pPr>
+          </a:lstStyle>
+          <a:p>
+            <a:pPr lvl="0"/>
+            <a:r>
+              <a:rPr lang="en-US"/>
+              <a:t>Edit Master text styles</a:t>
+            </a:r>
+          </a:p>
+        </p:txBody>
+      </p:sp>
+      <p:sp>
+        <p:nvSpPr>
+          <p:cNvPr id="4" name="Date Placeholder 3"/>
+          <p:cNvSpPr>
+            <a:spLocks noGrp="1"/>
+          </p:cNvSpPr>
+          <p:nvPr>
+            <p:ph type="dt" sz="half" idx="10"/>
+          </p:nvPr>
+        </p:nvSpPr>
+        <p:spPr/>
+        <p:txBody>
+          <a:bodyPr/>
+          <a:lstStyle/>
+          <a:p>
+            <a:fld id="{BE594A49-0664-4F98-B6CE-606FC87ECC01}" type="datetimeFigureOut">
+              <a:rPr lang="en-US" smtClean="0"/>
+              <a:t>9/22/2017</a:t>
+            </a:fld>
+            <a:endParaRPr lang="en-US"/>
+          </a:p>
+        </p:txBody>
+      </p:sp>
+      <p:sp>
+        <p:nvSpPr>
+          <p:cNvPr id="5" name="Footer Placeholder 4"/>
+          <p:cNvSpPr>
+            <a:spLocks noGrp="1"/>
+          </p:cNvSpPr>
+          <p:nvPr>
+            <p:ph type="ftr" sz="quarter" idx="11"/>
+          </p:nvPr>
+        </p:nvSpPr>
+        <p:spPr/>
+        <p:txBody>
+          <a:bodyPr/>
+          <a:lstStyle/>
+          <a:p>
+            <a:endParaRPr lang="en-US"/>
+          </a:p>
+        </p:txBody>
+      </p:sp>
+      <p:sp>
+        <p:nvSpPr>
+          <p:cNvPr id="6" name="Slide Number Placeholder 5"/>
+          <p:cNvSpPr>
+            <a:spLocks noGrp="1"/>
+          </p:cNvSpPr>
+          <p:nvPr>
+            <p:ph type="sldNum" sz="quarter" idx="12"/>
+          </p:nvPr>
+        </p:nvSpPr>
+        <p:spPr/>
+        <p:txBody>
+          <a:bodyPr/>
+          <a:lstStyle/>
+          <a:p>
+            <a:fld id="{EBB7A26B-6863-4AB1-A8E2-C872A0062DE8}" type="slidenum">
+              <a:rPr lang="en-US" smtClean="0"/>
+              <a:t>‹#›</a:t>
+            </a:fld>
+            <a:endParaRPr lang="en-US"/>
+          </a:p>
+        </p:txBody>
+      </p:sp>
+    </p:spTree>
+    <p:extLst>
+      <p:ext uri="{BB962C8B-B14F-4D97-AF65-F5344CB8AC3E}">
+        <p14:creationId xmlns:p14="http://schemas.microsoft.com/office/powerpoint/2010/main" val="793541496"/>
+      </p:ext>
+    </p:extLst>
+  </p:cSld>
+  <p:clrMapOvr>
+    <a:masterClrMapping/>
+  </p:clrMapOvr>
+</p:sldLayout>
+</file>
+
+<file path=ppt/slideLayouts/slideLayout12.xml><?xml version="1.0" encoding="utf-8"?>
+<p:sldLayout xmlns:a="http://schemas.openxmlformats.org/drawingml/2006/main" xmlns:r="http://schemas.openxmlformats.org/officeDocument/2006/relationships" xmlns:p="http://schemas.openxmlformats.org/presentationml/2006/main" preserve="1">
+  <p:cSld name="Quote with Caption">
+    <p:spTree>
+      <p:nvGrpSpPr>
+        <p:cNvPr id="1" name=""/>
+        <p:cNvGrpSpPr/>
+        <p:nvPr/>
+      </p:nvGrpSpPr>
+      <p:grpSpPr>
+        <a:xfrm>
+          <a:off x="0" y="0"/>
+          <a:ext cx="0" cy="0"/>
+          <a:chOff x="0" y="0"/>
+          <a:chExt cx="0" cy="0"/>
+        </a:xfrm>
+      </p:grpSpPr>
+      <p:sp>
+        <p:nvSpPr>
+          <p:cNvPr id="2" name="Title 1"/>
+          <p:cNvSpPr>
+            <a:spLocks noGrp="1"/>
+          </p:cNvSpPr>
+          <p:nvPr>
+            <p:ph type="title"/>
+          </p:nvPr>
+        </p:nvSpPr>
+        <p:spPr>
+          <a:xfrm>
+            <a:off x="1574801" y="1447800"/>
+            <a:ext cx="7999315" cy="2323374"/>
+          </a:xfrm>
+        </p:spPr>
+        <p:txBody>
+          <a:bodyPr/>
+          <a:lstStyle>
+            <a:lvl1pPr>
+              <a:defRPr sz="4800"/>
+            </a:lvl1pPr>
+          </a:lstStyle>
+          <a:p>
+            <a:r>
+              <a:rPr lang="en-US"/>
+              <a:t>Click to edit Master title style</a:t>
+            </a:r>
+            <a:endParaRPr lang="en-US" dirty="0"/>
+          </a:p>
+        </p:txBody>
+      </p:sp>
+      <p:sp>
+        <p:nvSpPr>
+          <p:cNvPr id="11" name="Text Placeholder 3"/>
+          <p:cNvSpPr>
+            <a:spLocks noGrp="1"/>
+          </p:cNvSpPr>
+          <p:nvPr>
+            <p:ph type="body" sz="half" idx="14"/>
+          </p:nvPr>
+        </p:nvSpPr>
+        <p:spPr>
+          <a:xfrm>
+            <a:off x="1930400" y="3771174"/>
+            <a:ext cx="7279649" cy="342174"/>
+          </a:xfrm>
+        </p:spPr>
+        <p:txBody>
+          <a:bodyPr vert="horz" lIns="91440" tIns="45720" rIns="91440" bIns="45720" rtlCol="0" anchor="t">
+            <a:normAutofit/>
+          </a:bodyPr>
+          <a:lstStyle>
+            <a:lvl1pPr marL="0" indent="0">
+              <a:buNone/>
+              <a:defRPr lang="en-US" sz="1400" b="0" i="0" kern="1200" cap="small" dirty="0">
+                <a:solidFill>
+                  <a:schemeClr val="bg2">
+                    <a:lumMod val="40000"/>
+                    <a:lumOff val="60000"/>
+                  </a:schemeClr>
+                </a:solidFill>
+                <a:latin typeface="+mj-lt"/>
+                <a:ea typeface="+mj-ea"/>
+                <a:cs typeface="+mj-cs"/>
+              </a:defRPr>
+            </a:lvl1pPr>
+            <a:lvl2pPr marL="457200" indent="0">
+              <a:buNone/>
+              <a:defRPr sz="1200"/>
+            </a:lvl2pPr>
+            <a:lvl3pPr marL="914400" indent="0">
+              <a:buNone/>
+              <a:defRPr sz="1000"/>
+            </a:lvl3pPr>
+            <a:lvl4pPr marL="1371600" indent="0">
+              <a:buNone/>
+              <a:defRPr sz="900"/>
+            </a:lvl4pPr>
+            <a:lvl5pPr marL="1828800" indent="0">
+              <a:buNone/>
+              <a:defRPr sz="900"/>
+            </a:lvl5pPr>
+            <a:lvl6pPr marL="2286000" indent="0">
+              <a:buNone/>
+              <a:defRPr sz="900"/>
+            </a:lvl6pPr>
+            <a:lvl7pPr marL="2743200" indent="0">
+              <a:buNone/>
+              <a:defRPr sz="900"/>
+            </a:lvl7pPr>
+            <a:lvl8pPr marL="3200400" indent="0">
+              <a:buNone/>
+              <a:defRPr sz="900"/>
+            </a:lvl8pPr>
+            <a:lvl9pPr marL="3657600" indent="0">
+              <a:buNone/>
+              <a:defRPr sz="900"/>
+            </a:lvl9pPr>
+          </a:lstStyle>
+          <a:p>
+            <a:pPr marL="0" lvl="0" indent="0">
+              <a:buNone/>
+            </a:pPr>
+            <a:r>
+              <a:rPr lang="en-US"/>
+              <a:t>Edit Master text styles</a:t>
+            </a:r>
+          </a:p>
+        </p:txBody>
+      </p:sp>
+      <p:sp>
+        <p:nvSpPr>
+          <p:cNvPr id="10" name="Text Placeholder 3"/>
+          <p:cNvSpPr>
+            <a:spLocks noGrp="1"/>
+          </p:cNvSpPr>
+          <p:nvPr>
+            <p:ph type="body" sz="half" idx="2"/>
+          </p:nvPr>
+        </p:nvSpPr>
+        <p:spPr>
+          <a:xfrm>
+            <a:off x="1154954" y="4350657"/>
+            <a:ext cx="8825659" cy="1676400"/>
+          </a:xfrm>
+        </p:spPr>
+        <p:txBody>
+          <a:bodyPr anchor="ctr">
+            <a:normAutofit/>
+          </a:bodyPr>
+          <a:lstStyle>
+            <a:lvl1pPr marL="0" indent="0">
+              <a:buNone/>
+              <a:defRPr sz="1800"/>
+            </a:lvl1pPr>
+            <a:lvl2pPr marL="457200" indent="0">
+              <a:buNone/>
+              <a:defRPr sz="1200"/>
+            </a:lvl2pPr>
+            <a:lvl3pPr marL="914400" indent="0">
+              <a:buNone/>
+              <a:defRPr sz="1000"/>
+            </a:lvl3pPr>
+            <a:lvl4pPr marL="1371600" indent="0">
+              <a:buNone/>
+              <a:defRPr sz="900"/>
+            </a:lvl4pPr>
+            <a:lvl5pPr marL="1828800" indent="0">
+              <a:buNone/>
+              <a:defRPr sz="900"/>
+            </a:lvl5pPr>
+            <a:lvl6pPr marL="2286000" indent="0">
+              <a:buNone/>
+              <a:defRPr sz="900"/>
+            </a:lvl6pPr>
+            <a:lvl7pPr marL="2743200" indent="0">
+              <a:buNone/>
+              <a:defRPr sz="900"/>
+            </a:lvl7pPr>
+            <a:lvl8pPr marL="3200400" indent="0">
+              <a:buNone/>
+              <a:defRPr sz="900"/>
+            </a:lvl8pPr>
+            <a:lvl9pPr marL="3657600" indent="0">
+              <a:buNone/>
+              <a:defRPr sz="900"/>
+            </a:lvl9pPr>
+          </a:lstStyle>
+          <a:p>
+            <a:pPr lvl="0"/>
+            <a:r>
+              <a:rPr lang="en-US"/>
+              <a:t>Edit Master text styles</a:t>
+            </a:r>
+          </a:p>
+        </p:txBody>
+      </p:sp>
+      <p:sp>
+        <p:nvSpPr>
+          <p:cNvPr id="4" name="Date Placeholder 3"/>
+          <p:cNvSpPr>
+            <a:spLocks noGrp="1"/>
+          </p:cNvSpPr>
+          <p:nvPr>
+            <p:ph type="dt" sz="half" idx="10"/>
+          </p:nvPr>
+        </p:nvSpPr>
+        <p:spPr/>
+        <p:txBody>
+          <a:bodyPr/>
+          <a:lstStyle/>
+          <a:p>
+            <a:fld id="{BE594A49-0664-4F98-B6CE-606FC87ECC01}" type="datetimeFigureOut">
+              <a:rPr lang="en-US" smtClean="0"/>
+              <a:t>9/22/2017</a:t>
+            </a:fld>
+            <a:endParaRPr lang="en-US"/>
+          </a:p>
+        </p:txBody>
+      </p:sp>
+      <p:sp>
+        <p:nvSpPr>
+          <p:cNvPr id="5" name="Footer Placeholder 4"/>
+          <p:cNvSpPr>
+            <a:spLocks noGrp="1"/>
+          </p:cNvSpPr>
+          <p:nvPr>
+            <p:ph type="ftr" sz="quarter" idx="11"/>
+          </p:nvPr>
+        </p:nvSpPr>
+        <p:spPr/>
+        <p:txBody>
+          <a:bodyPr/>
+          <a:lstStyle/>
+          <a:p>
+            <a:endParaRPr lang="en-US"/>
+          </a:p>
+        </p:txBody>
+      </p:sp>
+      <p:sp>
+        <p:nvSpPr>
+          <p:cNvPr id="6" name="Slide Number Placeholder 5"/>
+          <p:cNvSpPr>
+            <a:spLocks noGrp="1"/>
+          </p:cNvSpPr>
+          <p:nvPr>
+            <p:ph type="sldNum" sz="quarter" idx="12"/>
+          </p:nvPr>
+        </p:nvSpPr>
+        <p:spPr/>
+        <p:txBody>
+          <a:bodyPr/>
+          <a:lstStyle/>
+          <a:p>
+            <a:fld id="{EBB7A26B-6863-4AB1-A8E2-C872A0062DE8}" type="slidenum">
+              <a:rPr lang="en-US" smtClean="0"/>
+              <a:t>‹#›</a:t>
+            </a:fld>
+            <a:endParaRPr lang="en-US"/>
+          </a:p>
+        </p:txBody>
+      </p:sp>
+      <p:sp>
+        <p:nvSpPr>
+          <p:cNvPr id="12" name="TextBox 11"/>
+          <p:cNvSpPr txBox="1"/>
+          <p:nvPr/>
+        </p:nvSpPr>
+        <p:spPr>
+          <a:xfrm>
+            <a:off x="898295" y="971253"/>
+            <a:ext cx="801912" cy="1969770"/>
+          </a:xfrm>
+          <a:prstGeom prst="rect">
+            <a:avLst/>
+          </a:prstGeom>
+          <a:noFill/>
+        </p:spPr>
+        <p:txBody>
+          <a:bodyPr wrap="square" rtlCol="0">
+            <a:spAutoFit/>
+          </a:bodyPr>
+          <a:lstStyle>
+            <a:defPPr>
+              <a:defRPr lang="en-US"/>
+            </a:defPPr>
+            <a:lvl1pPr algn="r">
+              <a:defRPr sz="12200" b="0" i="0">
+                <a:solidFill>
+                  <a:schemeClr val="bg2">
+                    <a:lumMod val="40000"/>
+                    <a:lumOff val="60000"/>
+                  </a:schemeClr>
+                </a:solidFill>
+                <a:latin typeface="Arial"/>
+                <a:ea typeface="+mj-ea"/>
+                <a:cs typeface="+mj-cs"/>
+              </a:defRPr>
+            </a:lvl1pPr>
+          </a:lstStyle>
+          <a:p>
+            <a:pPr lvl="0"/>
+            <a:r>
+              <a:rPr lang="en-US" dirty="0"/>
+              <a:t>“</a:t>
+            </a:r>
+          </a:p>
+        </p:txBody>
+      </p:sp>
+      <p:sp>
+        <p:nvSpPr>
+          <p:cNvPr id="15" name="TextBox 14"/>
+          <p:cNvSpPr txBox="1"/>
+          <p:nvPr/>
+        </p:nvSpPr>
+        <p:spPr>
+          <a:xfrm>
+            <a:off x="9330490" y="2613787"/>
+            <a:ext cx="801912" cy="1969770"/>
+          </a:xfrm>
+          <a:prstGeom prst="rect">
+            <a:avLst/>
+          </a:prstGeom>
+          <a:noFill/>
+        </p:spPr>
+        <p:txBody>
+          <a:bodyPr wrap="square" rtlCol="0">
+            <a:spAutoFit/>
+          </a:bodyPr>
+          <a:lstStyle>
+            <a:defPPr>
+              <a:defRPr lang="en-US"/>
+            </a:defPPr>
+            <a:lvl1pPr algn="r">
+              <a:defRPr sz="12200" b="0" i="0">
+                <a:solidFill>
+                  <a:schemeClr val="bg2">
+                    <a:lumMod val="40000"/>
+                    <a:lumOff val="60000"/>
+                  </a:schemeClr>
+                </a:solidFill>
+                <a:latin typeface="Arial"/>
+                <a:ea typeface="+mj-ea"/>
+                <a:cs typeface="+mj-cs"/>
+              </a:defRPr>
+            </a:lvl1pPr>
+          </a:lstStyle>
+          <a:p>
+            <a:pPr lvl="0"/>
+            <a:r>
+              <a:rPr lang="en-US" dirty="0"/>
+              <a:t>”</a:t>
+            </a:r>
+          </a:p>
+        </p:txBody>
+      </p:sp>
+    </p:spTree>
+    <p:extLst>
+      <p:ext uri="{BB962C8B-B14F-4D97-AF65-F5344CB8AC3E}">
+        <p14:creationId xmlns:p14="http://schemas.microsoft.com/office/powerpoint/2010/main" val="2165839117"/>
+      </p:ext>
+    </p:extLst>
+  </p:cSld>
+  <p:clrMapOvr>
+    <a:masterClrMapping/>
+  </p:clrMapOvr>
+</p:sldLayout>
+</file>
+
+<file path=ppt/slideLayouts/slideLayout13.xml><?xml version="1.0" encoding="utf-8"?>
+<p:sldLayout xmlns:a="http://schemas.openxmlformats.org/drawingml/2006/main" xmlns:r="http://schemas.openxmlformats.org/officeDocument/2006/relationships" xmlns:p="http://schemas.openxmlformats.org/presentationml/2006/main" preserve="1">
+  <p:cSld name="Name Card">
+    <p:spTree>
+      <p:nvGrpSpPr>
+        <p:cNvPr id="1" name=""/>
+        <p:cNvGrpSpPr/>
+        <p:nvPr/>
+      </p:nvGrpSpPr>
+      <p:grpSpPr>
+        <a:xfrm>
+          <a:off x="0" y="0"/>
+          <a:ext cx="0" cy="0"/>
+          <a:chOff x="0" y="0"/>
+          <a:chExt cx="0" cy="0"/>
+        </a:xfrm>
+      </p:grpSpPr>
+      <p:sp>
+        <p:nvSpPr>
+          <p:cNvPr id="2" name="Title 1"/>
+          <p:cNvSpPr>
+            <a:spLocks noGrp="1"/>
+          </p:cNvSpPr>
+          <p:nvPr>
+            <p:ph type="title"/>
+          </p:nvPr>
+        </p:nvSpPr>
+        <p:spPr>
+          <a:xfrm>
+            <a:off x="1154954" y="3124201"/>
+            <a:ext cx="8825660" cy="1653180"/>
+          </a:xfrm>
+        </p:spPr>
+        <p:txBody>
+          <a:bodyPr anchor="b"/>
+          <a:lstStyle>
+            <a:lvl1pPr algn="l">
+              <a:defRPr sz="4000" b="0" cap="none"/>
+            </a:lvl1pPr>
+          </a:lstStyle>
+          <a:p>
+            <a:r>
+              <a:rPr lang="en-US"/>
+              <a:t>Click to edit Master title style</a:t>
+            </a:r>
+            <a:endParaRPr lang="en-US" dirty="0"/>
+          </a:p>
+        </p:txBody>
+      </p:sp>
+      <p:sp>
+        <p:nvSpPr>
+          <p:cNvPr id="3" name="Text Placeholder 2"/>
+          <p:cNvSpPr>
+            <a:spLocks noGrp="1"/>
+          </p:cNvSpPr>
+          <p:nvPr>
+            <p:ph type="body" idx="1"/>
+          </p:nvPr>
+        </p:nvSpPr>
+        <p:spPr>
+          <a:xfrm>
+            <a:off x="1154954" y="4777381"/>
+            <a:ext cx="8825659" cy="860400"/>
+          </a:xfrm>
+        </p:spPr>
+        <p:txBody>
+          <a:bodyPr anchor="t"/>
+          <a:lstStyle>
+            <a:lvl1pPr marL="0" indent="0" algn="l">
+              <a:buNone/>
+              <a:defRPr sz="2000" cap="none">
+                <a:solidFill>
+                  <a:schemeClr val="bg2">
+                    <a:lumMod val="40000"/>
+                    <a:lumOff val="60000"/>
+                  </a:schemeClr>
+                </a:solidFill>
+              </a:defRPr>
+            </a:lvl1pPr>
+            <a:lvl2pPr marL="457200" indent="0">
+              <a:buNone/>
+              <a:defRPr sz="1800">
+                <a:solidFill>
+                  <a:schemeClr val="tx1">
+                    <a:tint val="75000"/>
+                  </a:schemeClr>
+                </a:solidFill>
+              </a:defRPr>
+            </a:lvl2pPr>
+            <a:lvl3pPr marL="914400" indent="0">
+              <a:buNone/>
+              <a:defRPr sz="1600">
+                <a:solidFill>
+                  <a:schemeClr val="tx1">
+                    <a:tint val="75000"/>
+                  </a:schemeClr>
+                </a:solidFill>
+              </a:defRPr>
+            </a:lvl3pPr>
+            <a:lvl4pPr marL="1371600" indent="0">
+              <a:buNone/>
+              <a:defRPr sz="1400">
+                <a:solidFill>
+                  <a:schemeClr val="tx1">
+                    <a:tint val="75000"/>
+                  </a:schemeClr>
+                </a:solidFill>
+              </a:defRPr>
+            </a:lvl4pPr>
+            <a:lvl5pPr marL="1828800" indent="0">
+              <a:buNone/>
+              <a:defRPr sz="1400">
+                <a:solidFill>
+                  <a:schemeClr val="tx1">
+                    <a:tint val="75000"/>
+                  </a:schemeClr>
+                </a:solidFill>
+              </a:defRPr>
+            </a:lvl5pPr>
+            <a:lvl6pPr marL="2286000" indent="0">
+              <a:buNone/>
+              <a:defRPr sz="1400">
+                <a:solidFill>
+                  <a:schemeClr val="tx1">
+                    <a:tint val="75000"/>
+                  </a:schemeClr>
+                </a:solidFill>
+              </a:defRPr>
+            </a:lvl6pPr>
+            <a:lvl7pPr marL="2743200" indent="0">
+              <a:buNone/>
+              <a:defRPr sz="1400">
+                <a:solidFill>
+                  <a:schemeClr val="tx1">
+                    <a:tint val="75000"/>
+                  </a:schemeClr>
+                </a:solidFill>
+              </a:defRPr>
+            </a:lvl7pPr>
+            <a:lvl8pPr marL="3200400" indent="0">
+              <a:buNone/>
+              <a:defRPr sz="1400">
+                <a:solidFill>
+                  <a:schemeClr val="tx1">
+                    <a:tint val="75000"/>
+                  </a:schemeClr>
+                </a:solidFill>
+              </a:defRPr>
+            </a:lvl8pPr>
+            <a:lvl9pPr marL="3657600" indent="0">
+              <a:buNone/>
+              <a:defRPr sz="1400">
+                <a:solidFill>
+                  <a:schemeClr val="tx1">
+                    <a:tint val="75000"/>
+                  </a:schemeClr>
+                </a:solidFill>
+              </a:defRPr>
+            </a:lvl9pPr>
+          </a:lstStyle>
+          <a:p>
+            <a:pPr lvl="0"/>
+            <a:r>
+              <a:rPr lang="en-US"/>
+              <a:t>Edit Master text styles</a:t>
+            </a:r>
+          </a:p>
+        </p:txBody>
+      </p:sp>
+      <p:sp>
+        <p:nvSpPr>
+          <p:cNvPr id="4" name="Date Placeholder 3"/>
+          <p:cNvSpPr>
+            <a:spLocks noGrp="1"/>
+          </p:cNvSpPr>
+          <p:nvPr>
+            <p:ph type="dt" sz="half" idx="10"/>
+          </p:nvPr>
+        </p:nvSpPr>
+        <p:spPr/>
+        <p:txBody>
+          <a:bodyPr/>
+          <a:lstStyle/>
+          <a:p>
+            <a:fld id="{BE594A49-0664-4F98-B6CE-606FC87ECC01}" type="datetimeFigureOut">
+              <a:rPr lang="en-US" smtClean="0"/>
+              <a:t>9/22/2017</a:t>
+            </a:fld>
+            <a:endParaRPr lang="en-US"/>
+          </a:p>
+        </p:txBody>
+      </p:sp>
+      <p:sp>
+        <p:nvSpPr>
+          <p:cNvPr id="5" name="Footer Placeholder 4"/>
+          <p:cNvSpPr>
+            <a:spLocks noGrp="1"/>
+          </p:cNvSpPr>
+          <p:nvPr>
+            <p:ph type="ftr" sz="quarter" idx="11"/>
+          </p:nvPr>
+        </p:nvSpPr>
+        <p:spPr/>
+        <p:txBody>
+          <a:bodyPr/>
+          <a:lstStyle/>
+          <a:p>
+            <a:endParaRPr lang="en-US"/>
+          </a:p>
+        </p:txBody>
+      </p:sp>
+      <p:sp>
+        <p:nvSpPr>
+          <p:cNvPr id="6" name="Slide Number Placeholder 5"/>
+          <p:cNvSpPr>
+            <a:spLocks noGrp="1"/>
+          </p:cNvSpPr>
+          <p:nvPr>
+            <p:ph type="sldNum" sz="quarter" idx="12"/>
+          </p:nvPr>
+        </p:nvSpPr>
+        <p:spPr/>
+        <p:txBody>
+          <a:bodyPr/>
+          <a:lstStyle/>
+          <a:p>
+            <a:fld id="{EBB7A26B-6863-4AB1-A8E2-C872A0062DE8}" type="slidenum">
+              <a:rPr lang="en-US" smtClean="0"/>
+              <a:t>‹#›</a:t>
+            </a:fld>
+            <a:endParaRPr lang="en-US"/>
+          </a:p>
+        </p:txBody>
+      </p:sp>
+    </p:spTree>
+    <p:extLst>
+      <p:ext uri="{BB962C8B-B14F-4D97-AF65-F5344CB8AC3E}">
+        <p14:creationId xmlns:p14="http://schemas.microsoft.com/office/powerpoint/2010/main" val="1235614547"/>
+      </p:ext>
+    </p:extLst>
+  </p:cSld>
+  <p:clrMapOvr>
+    <a:masterClrMapping/>
+  </p:clrMapOvr>
+</p:sldLayout>
+</file>
+
+<file path=ppt/slideLayouts/slideLayout14.xml><?xml version="1.0" encoding="utf-8"?>
+<p:sldLayout xmlns:a="http://schemas.openxmlformats.org/drawingml/2006/main" xmlns:r="http://schemas.openxmlformats.org/officeDocument/2006/relationships" xmlns:p="http://schemas.openxmlformats.org/presentationml/2006/main" preserve="1">
+  <p:cSld name="3 Column">
+    <p:spTree>
+      <p:nvGrpSpPr>
+        <p:cNvPr id="1" name=""/>
+        <p:cNvGrpSpPr/>
+        <p:nvPr/>
+      </p:nvGrpSpPr>
+      <p:grpSpPr>
+        <a:xfrm>
+          <a:off x="0" y="0"/>
+          <a:ext cx="0" cy="0"/>
+          <a:chOff x="0" y="0"/>
+          <a:chExt cx="0" cy="0"/>
+        </a:xfrm>
+      </p:grpSpPr>
+      <p:sp>
+        <p:nvSpPr>
+          <p:cNvPr id="2" name="Title 1"/>
+          <p:cNvSpPr>
+            <a:spLocks noGrp="1"/>
+          </p:cNvSpPr>
+          <p:nvPr>
+            <p:ph type="title"/>
+          </p:nvPr>
+        </p:nvSpPr>
+        <p:spPr/>
+        <p:txBody>
+          <a:bodyPr/>
+          <a:lstStyle>
+            <a:lvl1pPr>
+              <a:defRPr sz="4200"/>
+            </a:lvl1pPr>
+          </a:lstStyle>
+          <a:p>
+            <a:r>
+              <a:rPr lang="en-US"/>
+              <a:t>Click to edit Master title style</a:t>
+            </a:r>
+            <a:endParaRPr lang="en-US" dirty="0"/>
+          </a:p>
+        </p:txBody>
+      </p:sp>
+      <p:sp>
+        <p:nvSpPr>
+          <p:cNvPr id="3" name="Text Placeholder 2"/>
+          <p:cNvSpPr>
+            <a:spLocks noGrp="1"/>
+          </p:cNvSpPr>
+          <p:nvPr>
+            <p:ph type="body" idx="1"/>
+          </p:nvPr>
+        </p:nvSpPr>
+        <p:spPr>
+          <a:xfrm>
+            <a:off x="632947" y="1981200"/>
+            <a:ext cx="2946866" cy="576262"/>
+          </a:xfrm>
+        </p:spPr>
+        <p:txBody>
+          <a:bodyPr anchor="b">
+            <a:noAutofit/>
+          </a:bodyPr>
+          <a:lstStyle>
+            <a:lvl1pPr marL="0" indent="0">
+              <a:buNone/>
+              <a:defRPr sz="2400" b="0">
+                <a:solidFill>
+                  <a:schemeClr val="bg2">
+                    <a:lumMod val="40000"/>
+                    <a:lumOff val="60000"/>
+                  </a:schemeClr>
+                </a:solidFill>
+              </a:defRPr>
+            </a:lvl1pPr>
+            <a:lvl2pPr marL="457200" indent="0">
+              <a:buNone/>
+              <a:defRPr sz="2000" b="1"/>
+            </a:lvl2pPr>
+            <a:lvl3pPr marL="914400" indent="0">
+              <a:buNone/>
+              <a:defRPr sz="1800" b="1"/>
+            </a:lvl3pPr>
+            <a:lvl4pPr marL="1371600" indent="0">
+              <a:buNone/>
+              <a:defRPr sz="1600" b="1"/>
+            </a:lvl4pPr>
+            <a:lvl5pPr marL="1828800" indent="0">
+              <a:buNone/>
+              <a:defRPr sz="1600" b="1"/>
+            </a:lvl5pPr>
+            <a:lvl6pPr marL="2286000" indent="0">
+              <a:buNone/>
+              <a:defRPr sz="1600" b="1"/>
+            </a:lvl6pPr>
+            <a:lvl7pPr marL="2743200" indent="0">
+              <a:buNone/>
+              <a:defRPr sz="1600" b="1"/>
+            </a:lvl7pPr>
+            <a:lvl8pPr marL="3200400" indent="0">
+              <a:buNone/>
+              <a:defRPr sz="1600" b="1"/>
+            </a:lvl8pPr>
+            <a:lvl9pPr marL="3657600" indent="0">
+              <a:buNone/>
+              <a:defRPr sz="1600" b="1"/>
+            </a:lvl9pPr>
+          </a:lstStyle>
+          <a:p>
+            <a:pPr lvl="0"/>
+            <a:r>
+              <a:rPr lang="en-US"/>
+              <a:t>Edit Master text styles</a:t>
+            </a:r>
+          </a:p>
+        </p:txBody>
+      </p:sp>
+      <p:sp>
+        <p:nvSpPr>
+          <p:cNvPr id="16" name="Text Placeholder 3"/>
+          <p:cNvSpPr>
+            <a:spLocks noGrp="1"/>
+          </p:cNvSpPr>
+          <p:nvPr>
+            <p:ph type="body" sz="half" idx="15"/>
+          </p:nvPr>
+        </p:nvSpPr>
+        <p:spPr>
+          <a:xfrm>
+            <a:off x="652463" y="2667000"/>
+            <a:ext cx="2927350" cy="3589338"/>
+          </a:xfrm>
+        </p:spPr>
+        <p:txBody>
+          <a:bodyPr anchor="t">
+            <a:normAutofit/>
+          </a:bodyPr>
+          <a:lstStyle>
+            <a:lvl1pPr marL="0" indent="0">
+              <a:buNone/>
+              <a:defRPr sz="1400"/>
+            </a:lvl1pPr>
+            <a:lvl2pPr marL="457200" indent="0">
+              <a:buNone/>
+              <a:defRPr sz="1200"/>
+            </a:lvl2pPr>
+            <a:lvl3pPr marL="914400" indent="0">
+              <a:buNone/>
+              <a:defRPr sz="1000"/>
+            </a:lvl3pPr>
+            <a:lvl4pPr marL="1371600" indent="0">
+              <a:buNone/>
+              <a:defRPr sz="900"/>
+            </a:lvl4pPr>
+            <a:lvl5pPr marL="1828800" indent="0">
+              <a:buNone/>
+              <a:defRPr sz="900"/>
+            </a:lvl5pPr>
+            <a:lvl6pPr marL="2286000" indent="0">
+              <a:buNone/>
+              <a:defRPr sz="900"/>
+            </a:lvl6pPr>
+            <a:lvl7pPr marL="2743200" indent="0">
+              <a:buNone/>
+              <a:defRPr sz="900"/>
+            </a:lvl7pPr>
+            <a:lvl8pPr marL="3200400" indent="0">
+              <a:buNone/>
+              <a:defRPr sz="900"/>
+            </a:lvl8pPr>
+            <a:lvl9pPr marL="3657600" indent="0">
+              <a:buNone/>
+              <a:defRPr sz="900"/>
+            </a:lvl9pPr>
+          </a:lstStyle>
+          <a:p>
+            <a:pPr lvl="0"/>
+            <a:r>
+              <a:rPr lang="en-US"/>
+              <a:t>Edit Master text styles</a:t>
+            </a:r>
+          </a:p>
+        </p:txBody>
+      </p:sp>
+      <p:sp>
+        <p:nvSpPr>
+          <p:cNvPr id="5" name="Text Placeholder 4"/>
+          <p:cNvSpPr>
+            <a:spLocks noGrp="1"/>
+          </p:cNvSpPr>
+          <p:nvPr>
+            <p:ph type="body" sz="quarter" idx="3"/>
+          </p:nvPr>
+        </p:nvSpPr>
+        <p:spPr>
+          <a:xfrm>
+            <a:off x="3883659" y="1981200"/>
+            <a:ext cx="2936241" cy="576262"/>
+          </a:xfrm>
+        </p:spPr>
+        <p:txBody>
+          <a:bodyPr anchor="b">
+            <a:noAutofit/>
+          </a:bodyPr>
+          <a:lstStyle>
+            <a:lvl1pPr marL="0" indent="0">
+              <a:buNone/>
+              <a:defRPr sz="2400" b="0">
+                <a:solidFill>
+                  <a:schemeClr val="bg2">
+                    <a:lumMod val="40000"/>
+                    <a:lumOff val="60000"/>
+                  </a:schemeClr>
+                </a:solidFill>
+              </a:defRPr>
+            </a:lvl1pPr>
+            <a:lvl2pPr marL="457200" indent="0">
+              <a:buNone/>
+              <a:defRPr sz="2000" b="1"/>
+            </a:lvl2pPr>
+            <a:lvl3pPr marL="914400" indent="0">
+              <a:buNone/>
+              <a:defRPr sz="1800" b="1"/>
+            </a:lvl3pPr>
+            <a:lvl4pPr marL="1371600" indent="0">
+              <a:buNone/>
+              <a:defRPr sz="1600" b="1"/>
+            </a:lvl4pPr>
+            <a:lvl5pPr marL="1828800" indent="0">
+              <a:buNone/>
+              <a:defRPr sz="1600" b="1"/>
+            </a:lvl5pPr>
+            <a:lvl6pPr marL="2286000" indent="0">
+              <a:buNone/>
+              <a:defRPr sz="1600" b="1"/>
+            </a:lvl6pPr>
+            <a:lvl7pPr marL="2743200" indent="0">
+              <a:buNone/>
+              <a:defRPr sz="1600" b="1"/>
+            </a:lvl7pPr>
+            <a:lvl8pPr marL="3200400" indent="0">
+              <a:buNone/>
+              <a:defRPr sz="1600" b="1"/>
+            </a:lvl8pPr>
+            <a:lvl9pPr marL="3657600" indent="0">
+              <a:buNone/>
+              <a:defRPr sz="1600" b="1"/>
+            </a:lvl9pPr>
+          </a:lstStyle>
+          <a:p>
+            <a:pPr lvl="0"/>
+            <a:r>
+              <a:rPr lang="en-US"/>
+              <a:t>Edit Master text styles</a:t>
+            </a:r>
+          </a:p>
+        </p:txBody>
+      </p:sp>
+      <p:sp>
+        <p:nvSpPr>
+          <p:cNvPr id="19" name="Text Placeholder 3"/>
+          <p:cNvSpPr>
+            <a:spLocks noGrp="1"/>
+          </p:cNvSpPr>
+          <p:nvPr>
+            <p:ph type="body" sz="half" idx="16"/>
+          </p:nvPr>
+        </p:nvSpPr>
+        <p:spPr>
+          <a:xfrm>
+            <a:off x="3873106" y="2667000"/>
+            <a:ext cx="2946794" cy="3589338"/>
+          </a:xfrm>
+        </p:spPr>
+        <p:txBody>
+          <a:bodyPr anchor="t">
+            <a:normAutofit/>
+          </a:bodyPr>
+          <a:lstStyle>
+            <a:lvl1pPr marL="0" indent="0">
+              <a:buNone/>
+              <a:defRPr sz="1400"/>
+            </a:lvl1pPr>
+            <a:lvl2pPr marL="457200" indent="0">
+              <a:buNone/>
+              <a:defRPr sz="1200"/>
+            </a:lvl2pPr>
+            <a:lvl3pPr marL="914400" indent="0">
+              <a:buNone/>
+              <a:defRPr sz="1000"/>
+            </a:lvl3pPr>
+            <a:lvl4pPr marL="1371600" indent="0">
+              <a:buNone/>
+              <a:defRPr sz="900"/>
+            </a:lvl4pPr>
+            <a:lvl5pPr marL="1828800" indent="0">
+              <a:buNone/>
+              <a:defRPr sz="900"/>
+            </a:lvl5pPr>
+            <a:lvl6pPr marL="2286000" indent="0">
+              <a:buNone/>
+              <a:defRPr sz="900"/>
+            </a:lvl6pPr>
+            <a:lvl7pPr marL="2743200" indent="0">
+              <a:buNone/>
+              <a:defRPr sz="900"/>
+            </a:lvl7pPr>
+            <a:lvl8pPr marL="3200400" indent="0">
+              <a:buNone/>
+              <a:defRPr sz="900"/>
+            </a:lvl8pPr>
+            <a:lvl9pPr marL="3657600" indent="0">
+              <a:buNone/>
+              <a:defRPr sz="900"/>
+            </a:lvl9pPr>
+          </a:lstStyle>
+          <a:p>
+            <a:pPr lvl="0"/>
+            <a:r>
+              <a:rPr lang="en-US"/>
+              <a:t>Edit Master text styles</a:t>
+            </a:r>
+          </a:p>
+        </p:txBody>
+      </p:sp>
+      <p:sp>
+        <p:nvSpPr>
+          <p:cNvPr id="14" name="Text Placeholder 4"/>
+          <p:cNvSpPr>
+            <a:spLocks noGrp="1"/>
+          </p:cNvSpPr>
+          <p:nvPr>
+            <p:ph type="body" sz="quarter" idx="13"/>
+          </p:nvPr>
+        </p:nvSpPr>
+        <p:spPr>
+          <a:xfrm>
+            <a:off x="7124700" y="1981200"/>
+            <a:ext cx="2932113" cy="576262"/>
+          </a:xfrm>
+        </p:spPr>
+        <p:txBody>
+          <a:bodyPr anchor="b">
+            <a:noAutofit/>
+          </a:bodyPr>
+          <a:lstStyle>
+            <a:lvl1pPr marL="0" indent="0">
+              <a:buNone/>
+              <a:defRPr sz="2400" b="0">
+                <a:solidFill>
+                  <a:schemeClr val="bg2">
+                    <a:lumMod val="40000"/>
+                    <a:lumOff val="60000"/>
+                  </a:schemeClr>
+                </a:solidFill>
+              </a:defRPr>
+            </a:lvl1pPr>
+            <a:lvl2pPr marL="457200" indent="0">
+              <a:buNone/>
+              <a:defRPr sz="2000" b="1"/>
+            </a:lvl2pPr>
+            <a:lvl3pPr marL="914400" indent="0">
+              <a:buNone/>
+              <a:defRPr sz="1800" b="1"/>
+            </a:lvl3pPr>
+            <a:lvl4pPr marL="1371600" indent="0">
+              <a:buNone/>
+              <a:defRPr sz="1600" b="1"/>
+            </a:lvl4pPr>
+            <a:lvl5pPr marL="1828800" indent="0">
+              <a:buNone/>
+              <a:defRPr sz="1600" b="1"/>
+            </a:lvl5pPr>
+            <a:lvl6pPr marL="2286000" indent="0">
+              <a:buNone/>
+              <a:defRPr sz="1600" b="1"/>
+            </a:lvl6pPr>
+            <a:lvl7pPr marL="2743200" indent="0">
+              <a:buNone/>
+              <a:defRPr sz="1600" b="1"/>
+            </a:lvl7pPr>
+            <a:lvl8pPr marL="3200400" indent="0">
+              <a:buNone/>
+              <a:defRPr sz="1600" b="1"/>
+            </a:lvl8pPr>
+            <a:lvl9pPr marL="3657600" indent="0">
+              <a:buNone/>
+              <a:defRPr sz="1600" b="1"/>
+            </a:lvl9pPr>
+          </a:lstStyle>
+          <a:p>
+            <a:pPr lvl="0"/>
+            <a:r>
+              <a:rPr lang="en-US"/>
+              <a:t>Edit Master text styles</a:t>
+            </a:r>
+          </a:p>
+        </p:txBody>
+      </p:sp>
+      <p:sp>
+        <p:nvSpPr>
+          <p:cNvPr id="20" name="Text Placeholder 3"/>
+          <p:cNvSpPr>
+            <a:spLocks noGrp="1"/>
+          </p:cNvSpPr>
+          <p:nvPr>
+            <p:ph type="body" sz="half" idx="17"/>
+          </p:nvPr>
+        </p:nvSpPr>
+        <p:spPr>
+          <a:xfrm>
+            <a:off x="7124700" y="2667000"/>
+            <a:ext cx="2932113" cy="3589338"/>
+          </a:xfrm>
+        </p:spPr>
+        <p:txBody>
+          <a:bodyPr anchor="t">
+            <a:normAutofit/>
+          </a:bodyPr>
+          <a:lstStyle>
+            <a:lvl1pPr marL="0" indent="0">
+              <a:buNone/>
+              <a:defRPr sz="1400"/>
+            </a:lvl1pPr>
+            <a:lvl2pPr marL="457200" indent="0">
+              <a:buNone/>
+              <a:defRPr sz="1200"/>
+            </a:lvl2pPr>
+            <a:lvl3pPr marL="914400" indent="0">
+              <a:buNone/>
+              <a:defRPr sz="1000"/>
+            </a:lvl3pPr>
+            <a:lvl4pPr marL="1371600" indent="0">
+              <a:buNone/>
+              <a:defRPr sz="900"/>
+            </a:lvl4pPr>
+            <a:lvl5pPr marL="1828800" indent="0">
+              <a:buNone/>
+              <a:defRPr sz="900"/>
+            </a:lvl5pPr>
+            <a:lvl6pPr marL="2286000" indent="0">
+              <a:buNone/>
+              <a:defRPr sz="900"/>
+            </a:lvl6pPr>
+            <a:lvl7pPr marL="2743200" indent="0">
+              <a:buNone/>
+              <a:defRPr sz="900"/>
+            </a:lvl7pPr>
+            <a:lvl8pPr marL="3200400" indent="0">
+              <a:buNone/>
+              <a:defRPr sz="900"/>
+            </a:lvl8pPr>
+            <a:lvl9pPr marL="3657600" indent="0">
+              <a:buNone/>
+              <a:defRPr sz="900"/>
+            </a:lvl9pPr>
+          </a:lstStyle>
+          <a:p>
+            <a:pPr lvl="0"/>
+            <a:r>
+              <a:rPr lang="en-US"/>
+              <a:t>Edit Master text styles</a:t>
+            </a:r>
+          </a:p>
+        </p:txBody>
+      </p:sp>
+      <p:cxnSp>
+        <p:nvCxnSpPr>
+          <p:cNvPr id="17" name="Straight Connector 16"/>
+          <p:cNvCxnSpPr/>
+          <p:nvPr/>
+        </p:nvCxnSpPr>
+        <p:spPr>
+          <a:xfrm>
+            <a:off x="3726142" y="2133600"/>
+            <a:ext cx="0" cy="3962400"/>
+          </a:xfrm>
+          <a:prstGeom prst="line">
+            <a:avLst/>
+          </a:prstGeom>
+          <a:ln w="12700" cmpd="sng">
+            <a:solidFill>
+              <a:schemeClr val="bg2">
+                <a:lumMod val="40000"/>
+                <a:lumOff val="60000"/>
+                <a:alpha val="40000"/>
+              </a:schemeClr>
+            </a:solidFill>
+          </a:ln>
+        </p:spPr>
+        <p:style>
+          <a:lnRef idx="2">
+            <a:schemeClr val="accent1"/>
+          </a:lnRef>
+          <a:fillRef idx="0">
+            <a:schemeClr val="accent1"/>
+          </a:fillRef>
+          <a:effectRef idx="1">
+            <a:schemeClr val="accent1"/>
+          </a:effectRef>
+          <a:fontRef idx="minor">
+            <a:schemeClr val="tx1"/>
+          </a:fontRef>
+        </p:style>
+      </p:cxnSp>
+      <p:cxnSp>
+        <p:nvCxnSpPr>
+          <p:cNvPr id="18" name="Straight Connector 17"/>
+          <p:cNvCxnSpPr/>
+          <p:nvPr/>
+        </p:nvCxnSpPr>
+        <p:spPr>
+          <a:xfrm>
+            <a:off x="6962227" y="2133600"/>
+            <a:ext cx="0" cy="3966882"/>
+          </a:xfrm>
+          <a:prstGeom prst="line">
+            <a:avLst/>
+          </a:prstGeom>
+          <a:ln w="12700" cmpd="sng">
+            <a:solidFill>
+              <a:schemeClr val="bg2">
+                <a:lumMod val="40000"/>
+                <a:lumOff val="60000"/>
+                <a:alpha val="40000"/>
+              </a:schemeClr>
+            </a:solidFill>
+          </a:ln>
+        </p:spPr>
+        <p:style>
+          <a:lnRef idx="2">
+            <a:schemeClr val="accent1"/>
+          </a:lnRef>
+          <a:fillRef idx="0">
+            <a:schemeClr val="accent1"/>
+          </a:fillRef>
+          <a:effectRef idx="1">
+            <a:schemeClr val="accent1"/>
+          </a:effectRef>
+          <a:fontRef idx="minor">
+            <a:schemeClr val="tx1"/>
+          </a:fontRef>
+        </p:style>
+      </p:cxnSp>
+      <p:sp>
+        <p:nvSpPr>
+          <p:cNvPr id="7" name="Date Placeholder 3"/>
+          <p:cNvSpPr>
+            <a:spLocks noGrp="1"/>
+          </p:cNvSpPr>
+          <p:nvPr>
+            <p:ph type="dt" sz="half" idx="10"/>
+          </p:nvPr>
+        </p:nvSpPr>
+        <p:spPr/>
+        <p:txBody>
+          <a:bodyPr/>
+          <a:lstStyle/>
+          <a:p>
+            <a:fld id="{BE594A49-0664-4F98-B6CE-606FC87ECC01}" type="datetimeFigureOut">
+              <a:rPr lang="en-US" smtClean="0"/>
+              <a:t>9/22/2017</a:t>
+            </a:fld>
+            <a:endParaRPr lang="en-US"/>
+          </a:p>
+        </p:txBody>
+      </p:sp>
+      <p:sp>
+        <p:nvSpPr>
+          <p:cNvPr id="4" name="Footer Placeholder 4"/>
+          <p:cNvSpPr>
+            <a:spLocks noGrp="1"/>
+          </p:cNvSpPr>
+          <p:nvPr>
+            <p:ph type="ftr" sz="quarter" idx="11"/>
+          </p:nvPr>
+        </p:nvSpPr>
+        <p:spPr/>
+        <p:txBody>
+          <a:bodyPr/>
+          <a:lstStyle/>
+          <a:p>
+            <a:endParaRPr lang="en-US"/>
+          </a:p>
+        </p:txBody>
+      </p:sp>
+      <p:sp>
+        <p:nvSpPr>
+          <p:cNvPr id="6" name="Slide Number Placeholder 5"/>
+          <p:cNvSpPr>
+            <a:spLocks noGrp="1"/>
+          </p:cNvSpPr>
+          <p:nvPr>
+            <p:ph type="sldNum" sz="quarter" idx="12"/>
+          </p:nvPr>
+        </p:nvSpPr>
+        <p:spPr/>
+        <p:txBody>
+          <a:bodyPr/>
+          <a:lstStyle/>
+          <a:p>
+            <a:fld id="{EBB7A26B-6863-4AB1-A8E2-C872A0062DE8}" type="slidenum">
+              <a:rPr lang="en-US" smtClean="0"/>
+              <a:t>‹#›</a:t>
+            </a:fld>
+            <a:endParaRPr lang="en-US"/>
+          </a:p>
+        </p:txBody>
+      </p:sp>
+    </p:spTree>
+    <p:extLst>
+      <p:ext uri="{BB962C8B-B14F-4D97-AF65-F5344CB8AC3E}">
+        <p14:creationId xmlns:p14="http://schemas.microsoft.com/office/powerpoint/2010/main" val="3022441595"/>
+      </p:ext>
+    </p:extLst>
+  </p:cSld>
+  <p:clrMapOvr>
+    <a:masterClrMapping/>
+  </p:clrMapOvr>
+</p:sldLayout>
+</file>
+
+<file path=ppt/slideLayouts/slideLayout15.xml><?xml version="1.0" encoding="utf-8"?>
+<p:sldLayout xmlns:a="http://schemas.openxmlformats.org/drawingml/2006/main" xmlns:r="http://schemas.openxmlformats.org/officeDocument/2006/relationships" xmlns:p="http://schemas.openxmlformats.org/presentationml/2006/main" preserve="1">
+  <p:cSld name="3 Picture Column">
+    <p:spTree>
+      <p:nvGrpSpPr>
+        <p:cNvPr id="1" name=""/>
+        <p:cNvGrpSpPr/>
+        <p:nvPr/>
+      </p:nvGrpSpPr>
+      <p:grpSpPr>
+        <a:xfrm>
+          <a:off x="0" y="0"/>
+          <a:ext cx="0" cy="0"/>
+          <a:chOff x="0" y="0"/>
+          <a:chExt cx="0" cy="0"/>
+        </a:xfrm>
+      </p:grpSpPr>
+      <p:sp>
+        <p:nvSpPr>
+          <p:cNvPr id="2" name="Title 1"/>
+          <p:cNvSpPr>
+            <a:spLocks noGrp="1"/>
+          </p:cNvSpPr>
+          <p:nvPr>
+            <p:ph type="title"/>
+          </p:nvPr>
+        </p:nvSpPr>
+        <p:spPr/>
+        <p:txBody>
+          <a:bodyPr/>
+          <a:lstStyle>
+            <a:lvl1pPr>
+              <a:defRPr sz="4200"/>
+            </a:lvl1pPr>
+          </a:lstStyle>
+          <a:p>
+            <a:r>
+              <a:rPr lang="en-US"/>
+              <a:t>Click to edit Master title style</a:t>
+            </a:r>
+            <a:endParaRPr lang="en-US" dirty="0"/>
+          </a:p>
+        </p:txBody>
+      </p:sp>
+      <p:sp>
+        <p:nvSpPr>
+          <p:cNvPr id="3" name="Text Placeholder 2"/>
+          <p:cNvSpPr>
+            <a:spLocks noGrp="1"/>
+          </p:cNvSpPr>
+          <p:nvPr>
+            <p:ph type="body" idx="1"/>
+          </p:nvPr>
+        </p:nvSpPr>
+        <p:spPr>
+          <a:xfrm>
+            <a:off x="652463" y="4250949"/>
+            <a:ext cx="2940050" cy="576262"/>
+          </a:xfrm>
+        </p:spPr>
+        <p:txBody>
+          <a:bodyPr anchor="b">
+            <a:noAutofit/>
+          </a:bodyPr>
+          <a:lstStyle>
+            <a:lvl1pPr marL="0" indent="0">
+              <a:buNone/>
+              <a:defRPr sz="2400" b="0">
+                <a:solidFill>
+                  <a:schemeClr val="bg2">
+                    <a:lumMod val="40000"/>
+                    <a:lumOff val="60000"/>
+                  </a:schemeClr>
+                </a:solidFill>
+              </a:defRPr>
+            </a:lvl1pPr>
+            <a:lvl2pPr marL="457200" indent="0">
+              <a:buNone/>
+              <a:defRPr sz="2000" b="1"/>
+            </a:lvl2pPr>
+            <a:lvl3pPr marL="914400" indent="0">
+              <a:buNone/>
+              <a:defRPr sz="1800" b="1"/>
+            </a:lvl3pPr>
+            <a:lvl4pPr marL="1371600" indent="0">
+              <a:buNone/>
+              <a:defRPr sz="1600" b="1"/>
+            </a:lvl4pPr>
+            <a:lvl5pPr marL="1828800" indent="0">
+              <a:buNone/>
+              <a:defRPr sz="1600" b="1"/>
+            </a:lvl5pPr>
+            <a:lvl6pPr marL="2286000" indent="0">
+              <a:buNone/>
+              <a:defRPr sz="1600" b="1"/>
+            </a:lvl6pPr>
+            <a:lvl7pPr marL="2743200" indent="0">
+              <a:buNone/>
+              <a:defRPr sz="1600" b="1"/>
+            </a:lvl7pPr>
+            <a:lvl8pPr marL="3200400" indent="0">
+              <a:buNone/>
+              <a:defRPr sz="1600" b="1"/>
+            </a:lvl8pPr>
+            <a:lvl9pPr marL="3657600" indent="0">
+              <a:buNone/>
+              <a:defRPr sz="1600" b="1"/>
+            </a:lvl9pPr>
+          </a:lstStyle>
+          <a:p>
+            <a:pPr lvl="0"/>
+            <a:r>
+              <a:rPr lang="en-US"/>
+              <a:t>Edit Master text styles</a:t>
+            </a:r>
+          </a:p>
+        </p:txBody>
+      </p:sp>
+      <p:sp>
+        <p:nvSpPr>
+          <p:cNvPr id="29" name="Picture Placeholder 2"/>
+          <p:cNvSpPr>
+            <a:spLocks noGrp="1" noChangeAspect="1"/>
+          </p:cNvSpPr>
+          <p:nvPr>
+            <p:ph type="pic" idx="15"/>
+          </p:nvPr>
+        </p:nvSpPr>
+        <p:spPr>
+          <a:xfrm>
+            <a:off x="652463" y="2209800"/>
+            <a:ext cx="2940050" cy="1524000"/>
+          </a:xfrm>
+          <a:prstGeom prst="roundRect">
+            <a:avLst>
+              <a:gd name="adj" fmla="val 1858"/>
+            </a:avLst>
+          </a:prstGeom>
+          <a:effectLst>
+            <a:outerShdw blurRad="50800" dist="50800" dir="5400000" algn="tl" rotWithShape="0">
+              <a:srgbClr val="000000">
+                <a:alpha val="43000"/>
+              </a:srgbClr>
+            </a:outerShdw>
+          </a:effectLst>
+        </p:spPr>
+        <p:txBody>
+          <a:bodyPr anchor="t">
+            <a:normAutofit/>
+          </a:bodyPr>
+          <a:lstStyle>
+            <a:lvl1pPr marL="0" indent="0" algn="ctr">
+              <a:buNone/>
+              <a:defRPr sz="1600"/>
+            </a:lvl1pPr>
+            <a:lvl2pPr marL="457200" indent="0">
+              <a:buNone/>
+              <a:defRPr sz="1600"/>
+            </a:lvl2pPr>
+            <a:lvl3pPr marL="914400" indent="0">
+              <a:buNone/>
+              <a:defRPr sz="1600"/>
+            </a:lvl3pPr>
+            <a:lvl4pPr marL="1371600" indent="0">
+              <a:buNone/>
+              <a:defRPr sz="1600"/>
+            </a:lvl4pPr>
+            <a:lvl5pPr marL="1828800" indent="0">
+              <a:buNone/>
+              <a:defRPr sz="1600"/>
+            </a:lvl5pPr>
+            <a:lvl6pPr marL="2286000" indent="0">
+              <a:buNone/>
+              <a:defRPr sz="1600"/>
+            </a:lvl6pPr>
+            <a:lvl7pPr marL="2743200" indent="0">
+              <a:buNone/>
+              <a:defRPr sz="1600"/>
+            </a:lvl7pPr>
+            <a:lvl8pPr marL="3200400" indent="0">
+              <a:buNone/>
+              <a:defRPr sz="1600"/>
+            </a:lvl8pPr>
+            <a:lvl9pPr marL="3657600" indent="0">
+              <a:buNone/>
+              <a:defRPr sz="1600"/>
+            </a:lvl9pPr>
+          </a:lstStyle>
+          <a:p>
+            <a:r>
+              <a:rPr lang="en-US"/>
+              <a:t>Click icon to add picture</a:t>
+            </a:r>
+            <a:endParaRPr lang="en-US" dirty="0"/>
+          </a:p>
+        </p:txBody>
+      </p:sp>
+      <p:sp>
+        <p:nvSpPr>
+          <p:cNvPr id="22" name="Text Placeholder 3"/>
+          <p:cNvSpPr>
+            <a:spLocks noGrp="1"/>
+          </p:cNvSpPr>
+          <p:nvPr>
+            <p:ph type="body" sz="half" idx="18"/>
+          </p:nvPr>
+        </p:nvSpPr>
+        <p:spPr>
+          <a:xfrm>
+            <a:off x="652463" y="4827211"/>
+            <a:ext cx="2940050" cy="659189"/>
+          </a:xfrm>
+        </p:spPr>
+        <p:txBody>
+          <a:bodyPr anchor="t">
+            <a:normAutofit/>
+          </a:bodyPr>
+          <a:lstStyle>
+            <a:lvl1pPr marL="0" indent="0">
+              <a:buNone/>
+              <a:defRPr sz="1400"/>
+            </a:lvl1pPr>
+            <a:lvl2pPr marL="457200" indent="0">
+              <a:buNone/>
+              <a:defRPr sz="1200"/>
+            </a:lvl2pPr>
+            <a:lvl3pPr marL="914400" indent="0">
+              <a:buNone/>
+              <a:defRPr sz="1000"/>
+            </a:lvl3pPr>
+            <a:lvl4pPr marL="1371600" indent="0">
+              <a:buNone/>
+              <a:defRPr sz="900"/>
+            </a:lvl4pPr>
+            <a:lvl5pPr marL="1828800" indent="0">
+              <a:buNone/>
+              <a:defRPr sz="900"/>
+            </a:lvl5pPr>
+            <a:lvl6pPr marL="2286000" indent="0">
+              <a:buNone/>
+              <a:defRPr sz="900"/>
+            </a:lvl6pPr>
+            <a:lvl7pPr marL="2743200" indent="0">
+              <a:buNone/>
+              <a:defRPr sz="900"/>
+            </a:lvl7pPr>
+            <a:lvl8pPr marL="3200400" indent="0">
+              <a:buNone/>
+              <a:defRPr sz="900"/>
+            </a:lvl8pPr>
+            <a:lvl9pPr marL="3657600" indent="0">
+              <a:buNone/>
+              <a:defRPr sz="900"/>
+            </a:lvl9pPr>
+          </a:lstStyle>
+          <a:p>
+            <a:pPr lvl="0"/>
+            <a:r>
+              <a:rPr lang="en-US"/>
+              <a:t>Edit Master text styles</a:t>
+            </a:r>
+          </a:p>
+        </p:txBody>
+      </p:sp>
+      <p:sp>
+        <p:nvSpPr>
+          <p:cNvPr id="5" name="Text Placeholder 4"/>
+          <p:cNvSpPr>
+            <a:spLocks noGrp="1"/>
+          </p:cNvSpPr>
+          <p:nvPr>
+            <p:ph type="body" sz="quarter" idx="3"/>
+          </p:nvPr>
+        </p:nvSpPr>
+        <p:spPr>
+          <a:xfrm>
+            <a:off x="3889375" y="4250949"/>
+            <a:ext cx="2930525" cy="576262"/>
+          </a:xfrm>
+        </p:spPr>
+        <p:txBody>
+          <a:bodyPr anchor="b">
+            <a:noAutofit/>
+          </a:bodyPr>
+          <a:lstStyle>
+            <a:lvl1pPr marL="0" indent="0">
+              <a:buNone/>
+              <a:defRPr sz="2400" b="0">
+                <a:solidFill>
+                  <a:schemeClr val="bg2">
+                    <a:lumMod val="40000"/>
+                    <a:lumOff val="60000"/>
+                  </a:schemeClr>
+                </a:solidFill>
+              </a:defRPr>
+            </a:lvl1pPr>
+            <a:lvl2pPr marL="457200" indent="0">
+              <a:buNone/>
+              <a:defRPr sz="2000" b="1"/>
+            </a:lvl2pPr>
+            <a:lvl3pPr marL="914400" indent="0">
+              <a:buNone/>
+              <a:defRPr sz="1800" b="1"/>
+            </a:lvl3pPr>
+            <a:lvl4pPr marL="1371600" indent="0">
+              <a:buNone/>
+              <a:defRPr sz="1600" b="1"/>
+            </a:lvl4pPr>
+            <a:lvl5pPr marL="1828800" indent="0">
+              <a:buNone/>
+              <a:defRPr sz="1600" b="1"/>
+            </a:lvl5pPr>
+            <a:lvl6pPr marL="2286000" indent="0">
+              <a:buNone/>
+              <a:defRPr sz="1600" b="1"/>
+            </a:lvl6pPr>
+            <a:lvl7pPr marL="2743200" indent="0">
+              <a:buNone/>
+              <a:defRPr sz="1600" b="1"/>
+            </a:lvl7pPr>
+            <a:lvl8pPr marL="3200400" indent="0">
+              <a:buNone/>
+              <a:defRPr sz="1600" b="1"/>
+            </a:lvl8pPr>
+            <a:lvl9pPr marL="3657600" indent="0">
+              <a:buNone/>
+              <a:defRPr sz="1600" b="1"/>
+            </a:lvl9pPr>
+          </a:lstStyle>
+          <a:p>
+            <a:pPr lvl="0"/>
+            <a:r>
+              <a:rPr lang="en-US"/>
+              <a:t>Edit Master text styles</a:t>
+            </a:r>
+          </a:p>
+        </p:txBody>
+      </p:sp>
+      <p:sp>
+        <p:nvSpPr>
+          <p:cNvPr id="30" name="Picture Placeholder 2"/>
+          <p:cNvSpPr>
+            <a:spLocks noGrp="1" noChangeAspect="1"/>
+          </p:cNvSpPr>
+          <p:nvPr>
+            <p:ph type="pic" idx="21"/>
+          </p:nvPr>
+        </p:nvSpPr>
+        <p:spPr>
+          <a:xfrm>
+            <a:off x="3889374" y="2209800"/>
+            <a:ext cx="2930525" cy="1524000"/>
+          </a:xfrm>
+          <a:prstGeom prst="roundRect">
+            <a:avLst>
+              <a:gd name="adj" fmla="val 1858"/>
+            </a:avLst>
+          </a:prstGeom>
+          <a:effectLst>
+            <a:outerShdw blurRad="50800" dist="50800" dir="5400000" algn="tl" rotWithShape="0">
+              <a:srgbClr val="000000">
+                <a:alpha val="43000"/>
+              </a:srgbClr>
+            </a:outerShdw>
+          </a:effectLst>
+        </p:spPr>
+        <p:txBody>
+          <a:bodyPr anchor="t">
+            <a:normAutofit/>
+          </a:bodyPr>
+          <a:lstStyle>
+            <a:lvl1pPr marL="0" indent="0" algn="ctr">
+              <a:buNone/>
+              <a:defRPr sz="1600"/>
+            </a:lvl1pPr>
+            <a:lvl2pPr marL="457200" indent="0">
+              <a:buNone/>
+              <a:defRPr sz="1600"/>
+            </a:lvl2pPr>
+            <a:lvl3pPr marL="914400" indent="0">
+              <a:buNone/>
+              <a:defRPr sz="1600"/>
+            </a:lvl3pPr>
+            <a:lvl4pPr marL="1371600" indent="0">
+              <a:buNone/>
+              <a:defRPr sz="1600"/>
+            </a:lvl4pPr>
+            <a:lvl5pPr marL="1828800" indent="0">
+              <a:buNone/>
+              <a:defRPr sz="1600"/>
+            </a:lvl5pPr>
+            <a:lvl6pPr marL="2286000" indent="0">
+              <a:buNone/>
+              <a:defRPr sz="1600"/>
+            </a:lvl6pPr>
+            <a:lvl7pPr marL="2743200" indent="0">
+              <a:buNone/>
+              <a:defRPr sz="1600"/>
+            </a:lvl7pPr>
+            <a:lvl8pPr marL="3200400" indent="0">
+              <a:buNone/>
+              <a:defRPr sz="1600"/>
+            </a:lvl8pPr>
+            <a:lvl9pPr marL="3657600" indent="0">
+              <a:buNone/>
+              <a:defRPr sz="1600"/>
+            </a:lvl9pPr>
+          </a:lstStyle>
+          <a:p>
+            <a:r>
+              <a:rPr lang="en-US"/>
+              <a:t>Click icon to add picture</a:t>
+            </a:r>
+            <a:endParaRPr lang="en-US" dirty="0"/>
+          </a:p>
+        </p:txBody>
+      </p:sp>
+      <p:sp>
+        <p:nvSpPr>
+          <p:cNvPr id="23" name="Text Placeholder 3"/>
+          <p:cNvSpPr>
+            <a:spLocks noGrp="1"/>
+          </p:cNvSpPr>
+          <p:nvPr>
+            <p:ph type="body" sz="half" idx="19"/>
+          </p:nvPr>
+        </p:nvSpPr>
+        <p:spPr>
+          <a:xfrm>
+            <a:off x="3888022" y="4827210"/>
+            <a:ext cx="2934406" cy="659189"/>
+          </a:xfrm>
+        </p:spPr>
+        <p:txBody>
+          <a:bodyPr anchor="t">
+            <a:normAutofit/>
+          </a:bodyPr>
+          <a:lstStyle>
+            <a:lvl1pPr marL="0" indent="0">
+              <a:buNone/>
+              <a:defRPr sz="1400"/>
+            </a:lvl1pPr>
+            <a:lvl2pPr marL="457200" indent="0">
+              <a:buNone/>
+              <a:defRPr sz="1200"/>
+            </a:lvl2pPr>
+            <a:lvl3pPr marL="914400" indent="0">
+              <a:buNone/>
+              <a:defRPr sz="1000"/>
+            </a:lvl3pPr>
+            <a:lvl4pPr marL="1371600" indent="0">
+              <a:buNone/>
+              <a:defRPr sz="900"/>
+            </a:lvl4pPr>
+            <a:lvl5pPr marL="1828800" indent="0">
+              <a:buNone/>
+              <a:defRPr sz="900"/>
+            </a:lvl5pPr>
+            <a:lvl6pPr marL="2286000" indent="0">
+              <a:buNone/>
+              <a:defRPr sz="900"/>
+            </a:lvl6pPr>
+            <a:lvl7pPr marL="2743200" indent="0">
+              <a:buNone/>
+              <a:defRPr sz="900"/>
+            </a:lvl7pPr>
+            <a:lvl8pPr marL="3200400" indent="0">
+              <a:buNone/>
+              <a:defRPr sz="900"/>
+            </a:lvl8pPr>
+            <a:lvl9pPr marL="3657600" indent="0">
+              <a:buNone/>
+              <a:defRPr sz="900"/>
+            </a:lvl9pPr>
+          </a:lstStyle>
+          <a:p>
+            <a:pPr lvl="0"/>
+            <a:r>
+              <a:rPr lang="en-US"/>
+              <a:t>Edit Master text styles</a:t>
+            </a:r>
+          </a:p>
+        </p:txBody>
+      </p:sp>
+      <p:sp>
+        <p:nvSpPr>
+          <p:cNvPr id="14" name="Text Placeholder 4"/>
+          <p:cNvSpPr>
+            <a:spLocks noGrp="1"/>
+          </p:cNvSpPr>
+          <p:nvPr>
+            <p:ph type="body" sz="quarter" idx="13"/>
+          </p:nvPr>
+        </p:nvSpPr>
+        <p:spPr>
+          <a:xfrm>
+            <a:off x="7124700" y="4250949"/>
+            <a:ext cx="2932113" cy="576262"/>
+          </a:xfrm>
+        </p:spPr>
+        <p:txBody>
+          <a:bodyPr anchor="b">
+            <a:noAutofit/>
+          </a:bodyPr>
+          <a:lstStyle>
+            <a:lvl1pPr marL="0" indent="0">
+              <a:buNone/>
+              <a:defRPr sz="2400" b="0">
+                <a:solidFill>
+                  <a:schemeClr val="bg2">
+                    <a:lumMod val="40000"/>
+                    <a:lumOff val="60000"/>
+                  </a:schemeClr>
+                </a:solidFill>
+              </a:defRPr>
+            </a:lvl1pPr>
+            <a:lvl2pPr marL="457200" indent="0">
+              <a:buNone/>
+              <a:defRPr sz="2000" b="1"/>
+            </a:lvl2pPr>
+            <a:lvl3pPr marL="914400" indent="0">
+              <a:buNone/>
+              <a:defRPr sz="1800" b="1"/>
+            </a:lvl3pPr>
+            <a:lvl4pPr marL="1371600" indent="0">
+              <a:buNone/>
+              <a:defRPr sz="1600" b="1"/>
+            </a:lvl4pPr>
+            <a:lvl5pPr marL="1828800" indent="0">
+              <a:buNone/>
+              <a:defRPr sz="1600" b="1"/>
+            </a:lvl5pPr>
+            <a:lvl6pPr marL="2286000" indent="0">
+              <a:buNone/>
+              <a:defRPr sz="1600" b="1"/>
+            </a:lvl6pPr>
+            <a:lvl7pPr marL="2743200" indent="0">
+              <a:buNone/>
+              <a:defRPr sz="1600" b="1"/>
+            </a:lvl7pPr>
+            <a:lvl8pPr marL="3200400" indent="0">
+              <a:buNone/>
+              <a:defRPr sz="1600" b="1"/>
+            </a:lvl8pPr>
+            <a:lvl9pPr marL="3657600" indent="0">
+              <a:buNone/>
+              <a:defRPr sz="1600" b="1"/>
+            </a:lvl9pPr>
+          </a:lstStyle>
+          <a:p>
+            <a:pPr lvl="0"/>
+            <a:r>
+              <a:rPr lang="en-US"/>
+              <a:t>Edit Master text styles</a:t>
+            </a:r>
+          </a:p>
+        </p:txBody>
+      </p:sp>
+      <p:sp>
+        <p:nvSpPr>
+          <p:cNvPr id="31" name="Picture Placeholder 2"/>
+          <p:cNvSpPr>
+            <a:spLocks noGrp="1" noChangeAspect="1"/>
+          </p:cNvSpPr>
+          <p:nvPr>
+            <p:ph type="pic" idx="22"/>
+          </p:nvPr>
+        </p:nvSpPr>
+        <p:spPr>
+          <a:xfrm>
+            <a:off x="7124699" y="2209800"/>
+            <a:ext cx="2932113" cy="1524000"/>
+          </a:xfrm>
+          <a:prstGeom prst="roundRect">
+            <a:avLst>
+              <a:gd name="adj" fmla="val 1858"/>
+            </a:avLst>
+          </a:prstGeom>
+          <a:effectLst>
+            <a:outerShdw blurRad="50800" dist="50800" dir="5400000" algn="tl" rotWithShape="0">
+              <a:srgbClr val="000000">
+                <a:alpha val="43000"/>
+              </a:srgbClr>
+            </a:outerShdw>
+          </a:effectLst>
+        </p:spPr>
+        <p:txBody>
+          <a:bodyPr anchor="t">
+            <a:normAutofit/>
+          </a:bodyPr>
+          <a:lstStyle>
+            <a:lvl1pPr marL="0" indent="0" algn="ctr">
+              <a:buNone/>
+              <a:defRPr sz="1600"/>
+            </a:lvl1pPr>
+            <a:lvl2pPr marL="457200" indent="0">
+              <a:buNone/>
+              <a:defRPr sz="1600"/>
+            </a:lvl2pPr>
+            <a:lvl3pPr marL="914400" indent="0">
+              <a:buNone/>
+              <a:defRPr sz="1600"/>
+            </a:lvl3pPr>
+            <a:lvl4pPr marL="1371600" indent="0">
+              <a:buNone/>
+              <a:defRPr sz="1600"/>
+            </a:lvl4pPr>
+            <a:lvl5pPr marL="1828800" indent="0">
+              <a:buNone/>
+              <a:defRPr sz="1600"/>
+            </a:lvl5pPr>
+            <a:lvl6pPr marL="2286000" indent="0">
+              <a:buNone/>
+              <a:defRPr sz="1600"/>
+            </a:lvl6pPr>
+            <a:lvl7pPr marL="2743200" indent="0">
+              <a:buNone/>
+              <a:defRPr sz="1600"/>
+            </a:lvl7pPr>
+            <a:lvl8pPr marL="3200400" indent="0">
+              <a:buNone/>
+              <a:defRPr sz="1600"/>
+            </a:lvl8pPr>
+            <a:lvl9pPr marL="3657600" indent="0">
+              <a:buNone/>
+              <a:defRPr sz="1600"/>
+            </a:lvl9pPr>
+          </a:lstStyle>
+          <a:p>
+            <a:r>
+              <a:rPr lang="en-US"/>
+              <a:t>Click icon to add picture</a:t>
+            </a:r>
+            <a:endParaRPr lang="en-US" dirty="0"/>
+          </a:p>
+        </p:txBody>
+      </p:sp>
+      <p:sp>
+        <p:nvSpPr>
+          <p:cNvPr id="24" name="Text Placeholder 3"/>
+          <p:cNvSpPr>
+            <a:spLocks noGrp="1"/>
+          </p:cNvSpPr>
+          <p:nvPr>
+            <p:ph type="body" sz="half" idx="20"/>
+          </p:nvPr>
+        </p:nvSpPr>
+        <p:spPr>
+          <a:xfrm>
+            <a:off x="7124575" y="4827208"/>
+            <a:ext cx="2935997" cy="659189"/>
+          </a:xfrm>
+        </p:spPr>
+        <p:txBody>
+          <a:bodyPr anchor="t">
+            <a:normAutofit/>
+          </a:bodyPr>
+          <a:lstStyle>
+            <a:lvl1pPr marL="0" indent="0">
+              <a:buNone/>
+              <a:defRPr sz="1400"/>
+            </a:lvl1pPr>
+            <a:lvl2pPr marL="457200" indent="0">
+              <a:buNone/>
+              <a:defRPr sz="1200"/>
+            </a:lvl2pPr>
+            <a:lvl3pPr marL="914400" indent="0">
+              <a:buNone/>
+              <a:defRPr sz="1000"/>
+            </a:lvl3pPr>
+            <a:lvl4pPr marL="1371600" indent="0">
+              <a:buNone/>
+              <a:defRPr sz="900"/>
+            </a:lvl4pPr>
+            <a:lvl5pPr marL="1828800" indent="0">
+              <a:buNone/>
+              <a:defRPr sz="900"/>
+            </a:lvl5pPr>
+            <a:lvl6pPr marL="2286000" indent="0">
+              <a:buNone/>
+              <a:defRPr sz="900"/>
+            </a:lvl6pPr>
+            <a:lvl7pPr marL="2743200" indent="0">
+              <a:buNone/>
+              <a:defRPr sz="900"/>
+            </a:lvl7pPr>
+            <a:lvl8pPr marL="3200400" indent="0">
+              <a:buNone/>
+              <a:defRPr sz="900"/>
+            </a:lvl8pPr>
+            <a:lvl9pPr marL="3657600" indent="0">
+              <a:buNone/>
+              <a:defRPr sz="900"/>
+            </a:lvl9pPr>
+          </a:lstStyle>
+          <a:p>
+            <a:pPr lvl="0"/>
+            <a:r>
+              <a:rPr lang="en-US"/>
+              <a:t>Edit Master text styles</a:t>
+            </a:r>
+          </a:p>
+        </p:txBody>
+      </p:sp>
+      <p:cxnSp>
+        <p:nvCxnSpPr>
+          <p:cNvPr id="19" name="Straight Connector 18"/>
+          <p:cNvCxnSpPr/>
+          <p:nvPr/>
+        </p:nvCxnSpPr>
+        <p:spPr>
+          <a:xfrm>
+            <a:off x="3726142" y="2133600"/>
+            <a:ext cx="0" cy="3962400"/>
+          </a:xfrm>
+          <a:prstGeom prst="line">
+            <a:avLst/>
+          </a:prstGeom>
+          <a:ln w="12700" cmpd="sng">
+            <a:solidFill>
+              <a:schemeClr val="bg2">
+                <a:lumMod val="40000"/>
+                <a:lumOff val="60000"/>
+                <a:alpha val="40000"/>
+              </a:schemeClr>
+            </a:solidFill>
+          </a:ln>
+        </p:spPr>
+        <p:style>
+          <a:lnRef idx="2">
+            <a:schemeClr val="accent1"/>
+          </a:lnRef>
+          <a:fillRef idx="0">
+            <a:schemeClr val="accent1"/>
+          </a:fillRef>
+          <a:effectRef idx="1">
+            <a:schemeClr val="accent1"/>
+          </a:effectRef>
+          <a:fontRef idx="minor">
+            <a:schemeClr val="tx1"/>
+          </a:fontRef>
+        </p:style>
+      </p:cxnSp>
+      <p:cxnSp>
+        <p:nvCxnSpPr>
+          <p:cNvPr id="20" name="Straight Connector 19"/>
+          <p:cNvCxnSpPr/>
+          <p:nvPr/>
+        </p:nvCxnSpPr>
+        <p:spPr>
+          <a:xfrm>
+            <a:off x="6962227" y="2133600"/>
+            <a:ext cx="0" cy="3966882"/>
+          </a:xfrm>
+          <a:prstGeom prst="line">
+            <a:avLst/>
+          </a:prstGeom>
+          <a:ln w="12700" cmpd="sng">
+            <a:solidFill>
+              <a:schemeClr val="bg2">
+                <a:lumMod val="40000"/>
+                <a:lumOff val="60000"/>
+                <a:alpha val="40000"/>
+              </a:schemeClr>
+            </a:solidFill>
+          </a:ln>
+        </p:spPr>
+        <p:style>
+          <a:lnRef idx="2">
+            <a:schemeClr val="accent1"/>
+          </a:lnRef>
+          <a:fillRef idx="0">
+            <a:schemeClr val="accent1"/>
+          </a:fillRef>
+          <a:effectRef idx="1">
+            <a:schemeClr val="accent1"/>
+          </a:effectRef>
+          <a:fontRef idx="minor">
+            <a:schemeClr val="tx1"/>
+          </a:fontRef>
+        </p:style>
+      </p:cxnSp>
+      <p:sp>
+        <p:nvSpPr>
+          <p:cNvPr id="7" name="Date Placeholder 3"/>
+          <p:cNvSpPr>
+            <a:spLocks noGrp="1"/>
+          </p:cNvSpPr>
+          <p:nvPr>
+            <p:ph type="dt" sz="half" idx="10"/>
+          </p:nvPr>
+        </p:nvSpPr>
+        <p:spPr/>
+        <p:txBody>
+          <a:bodyPr/>
+          <a:lstStyle/>
+          <a:p>
+            <a:fld id="{BE594A49-0664-4F98-B6CE-606FC87ECC01}" type="datetimeFigureOut">
+              <a:rPr lang="en-US" smtClean="0"/>
+              <a:t>9/22/2017</a:t>
+            </a:fld>
+            <a:endParaRPr lang="en-US"/>
+          </a:p>
+        </p:txBody>
+      </p:sp>
+      <p:sp>
+        <p:nvSpPr>
+          <p:cNvPr id="4" name="Footer Placeholder 4"/>
+          <p:cNvSpPr>
+            <a:spLocks noGrp="1"/>
+          </p:cNvSpPr>
+          <p:nvPr>
+            <p:ph type="ftr" sz="quarter" idx="11"/>
+          </p:nvPr>
+        </p:nvSpPr>
+        <p:spPr/>
+        <p:txBody>
+          <a:bodyPr/>
+          <a:lstStyle/>
+          <a:p>
+            <a:endParaRPr lang="en-US"/>
+          </a:p>
+        </p:txBody>
+      </p:sp>
+      <p:sp>
+        <p:nvSpPr>
+          <p:cNvPr id="6" name="Slide Number Placeholder 5"/>
+          <p:cNvSpPr>
+            <a:spLocks noGrp="1"/>
+          </p:cNvSpPr>
+          <p:nvPr>
+            <p:ph type="sldNum" sz="quarter" idx="12"/>
+          </p:nvPr>
+        </p:nvSpPr>
+        <p:spPr/>
+        <p:txBody>
+          <a:bodyPr/>
+          <a:lstStyle/>
+          <a:p>
+            <a:fld id="{EBB7A26B-6863-4AB1-A8E2-C872A0062DE8}" type="slidenum">
+              <a:rPr lang="en-US" smtClean="0"/>
+              <a:t>‹#›</a:t>
+            </a:fld>
+            <a:endParaRPr lang="en-US"/>
+          </a:p>
+        </p:txBody>
+      </p:sp>
+    </p:spTree>
+    <p:extLst>
+      <p:ext uri="{BB962C8B-B14F-4D97-AF65-F5344CB8AC3E}">
+        <p14:creationId xmlns:p14="http://schemas.microsoft.com/office/powerpoint/2010/main" val="1564315838"/>
+      </p:ext>
+    </p:extLst>
+  </p:cSld>
+  <p:clrMapOvr>
+    <a:masterClrMapping/>
+  </p:clrMapOvr>
+</p:sldLayout>
+</file>
+
+<file path=ppt/slideLayouts/slideLayout16.xml><?xml version="1.0" encoding="utf-8"?>
 <p:sldLayout xmlns:a="http://schemas.openxmlformats.org/drawingml/2006/main" xmlns:r="http://schemas.openxmlformats.org/officeDocument/2006/relationships" xmlns:p="http://schemas.openxmlformats.org/presentationml/2006/main" type="vertTx" preserve="1">
   <p:cSld name="Title and Vertical Text">
     <p:spTree>
@@ -1051,13 +3648,7 @@
       </p:grpSpPr>
       <p:sp>
         <p:nvSpPr>
-          <p:cNvPr id="2" name="Title 1">
-            <a:extLst>
-              <a:ext uri="{FF2B5EF4-FFF2-40B4-BE49-F238E27FC236}">
-                <a16:creationId xmlns:a16="http://schemas.microsoft.com/office/drawing/2014/main" id="{2F32C054-FCDC-4098-9CB3-D8DD3533FFDF}"/>
-              </a:ext>
-            </a:extLst>
-          </p:cNvPr>
+          <p:cNvPr id="2" name="Title 1"/>
           <p:cNvSpPr>
             <a:spLocks noGrp="1"/>
           </p:cNvSpPr>
@@ -1074,18 +3665,13 @@
               <a:rPr lang="en-US"/>
               <a:t>Click to edit Master title style</a:t>
             </a:r>
-          </a:p>
-        </p:txBody>
-      </p:sp>
-      <p:sp>
-        <p:nvSpPr>
-          <p:cNvPr id="3" name="Vertical Text Placeholder 2">
-            <a:extLst>
-              <a:ext uri="{FF2B5EF4-FFF2-40B4-BE49-F238E27FC236}">
-                <a16:creationId xmlns:a16="http://schemas.microsoft.com/office/drawing/2014/main" id="{1EDB9B05-E281-4918-A22E-526AE1B0FB37}"/>
-              </a:ext>
-            </a:extLst>
-          </p:cNvPr>
+            <a:endParaRPr lang="en-US" dirty="0"/>
+          </a:p>
+        </p:txBody>
+      </p:sp>
+      <p:sp>
+        <p:nvSpPr>
+          <p:cNvPr id="3" name="Vertical Text Placeholder 2"/>
           <p:cNvSpPr>
             <a:spLocks noGrp="1"/>
           </p:cNvSpPr>
@@ -1095,7 +3681,7 @@
         </p:nvSpPr>
         <p:spPr/>
         <p:txBody>
-          <a:bodyPr vert="eaVert"/>
+          <a:bodyPr vert="eaVert" anchor="t" anchorCtr="0"/>
           <a:lstStyle/>
           <a:p>
             <a:pPr lvl="0"/>
@@ -1131,18 +3717,13 @@
               <a:rPr lang="en-US"/>
               <a:t>Fifth level</a:t>
             </a:r>
-          </a:p>
-        </p:txBody>
-      </p:sp>
-      <p:sp>
-        <p:nvSpPr>
-          <p:cNvPr id="4" name="Date Placeholder 3">
-            <a:extLst>
-              <a:ext uri="{FF2B5EF4-FFF2-40B4-BE49-F238E27FC236}">
-                <a16:creationId xmlns:a16="http://schemas.microsoft.com/office/drawing/2014/main" id="{8EED8605-A859-4601-83C8-32754A322D43}"/>
-              </a:ext>
-            </a:extLst>
-          </p:cNvPr>
+            <a:endParaRPr lang="en-US" dirty="0"/>
+          </a:p>
+        </p:txBody>
+      </p:sp>
+      <p:sp>
+        <p:nvSpPr>
+          <p:cNvPr id="4" name="Date Placeholder 3"/>
           <p:cNvSpPr>
             <a:spLocks noGrp="1"/>
           </p:cNvSpPr>
@@ -1165,13 +3746,7 @@
       </p:sp>
       <p:sp>
         <p:nvSpPr>
-          <p:cNvPr id="5" name="Footer Placeholder 4">
-            <a:extLst>
-              <a:ext uri="{FF2B5EF4-FFF2-40B4-BE49-F238E27FC236}">
-                <a16:creationId xmlns:a16="http://schemas.microsoft.com/office/drawing/2014/main" id="{4C2D36A8-6010-4674-87B6-454E03301C42}"/>
-              </a:ext>
-            </a:extLst>
-          </p:cNvPr>
+          <p:cNvPr id="5" name="Footer Placeholder 4"/>
           <p:cNvSpPr>
             <a:spLocks noGrp="1"/>
           </p:cNvSpPr>
@@ -1190,13 +3765,7 @@
       </p:sp>
       <p:sp>
         <p:nvSpPr>
-          <p:cNvPr id="6" name="Slide Number Placeholder 5">
-            <a:extLst>
-              <a:ext uri="{FF2B5EF4-FFF2-40B4-BE49-F238E27FC236}">
-                <a16:creationId xmlns:a16="http://schemas.microsoft.com/office/drawing/2014/main" id="{A21C599C-9032-4F0B-8432-87453EAF19B0}"/>
-              </a:ext>
-            </a:extLst>
-          </p:cNvPr>
+          <p:cNvPr id="6" name="Slide Number Placeholder 5"/>
           <p:cNvSpPr>
             <a:spLocks noGrp="1"/>
           </p:cNvSpPr>
@@ -1220,7 +3789,7 @@
     </p:spTree>
     <p:extLst>
       <p:ext uri="{BB962C8B-B14F-4D97-AF65-F5344CB8AC3E}">
-        <p14:creationId xmlns:p14="http://schemas.microsoft.com/office/powerpoint/2010/main" val="473347544"/>
+        <p14:creationId xmlns:p14="http://schemas.microsoft.com/office/powerpoint/2010/main" val="3247666426"/>
       </p:ext>
     </p:extLst>
   </p:cSld>
@@ -1230,7 +3799,7 @@
 </p:sldLayout>
 </file>
 
-<file path=ppt/slideLayouts/slideLayout11.xml><?xml version="1.0" encoding="utf-8"?>
+<file path=ppt/slideLayouts/slideLayout17.xml><?xml version="1.0" encoding="utf-8"?>
 <p:sldLayout xmlns:a="http://schemas.openxmlformats.org/drawingml/2006/main" xmlns:r="http://schemas.openxmlformats.org/officeDocument/2006/relationships" xmlns:p="http://schemas.openxmlformats.org/presentationml/2006/main" type="vertTitleAndTx" preserve="1">
   <p:cSld name="Vertical Title and Text">
     <p:spTree>
@@ -1249,13 +3818,7 @@
       </p:grpSpPr>
       <p:sp>
         <p:nvSpPr>
-          <p:cNvPr id="2" name="Vertical Title 1">
-            <a:extLst>
-              <a:ext uri="{FF2B5EF4-FFF2-40B4-BE49-F238E27FC236}">
-                <a16:creationId xmlns:a16="http://schemas.microsoft.com/office/drawing/2014/main" id="{B1F41BD3-D0D6-4BE8-A9A5-7EEA88623A8A}"/>
-              </a:ext>
-            </a:extLst>
-          </p:cNvPr>
+          <p:cNvPr id="2" name="Vertical Title 1"/>
           <p:cNvSpPr>
             <a:spLocks noGrp="1"/>
           </p:cNvSpPr>
@@ -1265,47 +3828,42 @@
         </p:nvSpPr>
         <p:spPr>
           <a:xfrm>
-            <a:off x="8724900" y="365125"/>
-            <a:ext cx="2628900" cy="5811838"/>
+            <a:off x="8304212" y="430213"/>
+            <a:ext cx="1752601" cy="5826125"/>
           </a:xfrm>
         </p:spPr>
         <p:txBody>
+          <a:bodyPr vert="eaVert" anchor="b" anchorCtr="0"/>
+          <a:lstStyle/>
+          <a:p>
+            <a:r>
+              <a:rPr lang="en-US"/>
+              <a:t>Click to edit Master title style</a:t>
+            </a:r>
+            <a:endParaRPr lang="en-US" dirty="0"/>
+          </a:p>
+        </p:txBody>
+      </p:sp>
+      <p:sp>
+        <p:nvSpPr>
+          <p:cNvPr id="3" name="Vertical Text Placeholder 2"/>
+          <p:cNvSpPr>
+            <a:spLocks noGrp="1"/>
+          </p:cNvSpPr>
+          <p:nvPr>
+            <p:ph type="body" orient="vert" idx="1"/>
+          </p:nvPr>
+        </p:nvSpPr>
+        <p:spPr>
+          <a:xfrm>
+            <a:off x="652463" y="887414"/>
+            <a:ext cx="7423149" cy="5368924"/>
+          </a:xfrm>
+        </p:spPr>
+        <p:txBody>
           <a:bodyPr vert="eaVert"/>
           <a:lstStyle/>
           <a:p>
-            <a:r>
-              <a:rPr lang="en-US"/>
-              <a:t>Click to edit Master title style</a:t>
-            </a:r>
-          </a:p>
-        </p:txBody>
-      </p:sp>
-      <p:sp>
-        <p:nvSpPr>
-          <p:cNvPr id="3" name="Vertical Text Placeholder 2">
-            <a:extLst>
-              <a:ext uri="{FF2B5EF4-FFF2-40B4-BE49-F238E27FC236}">
-                <a16:creationId xmlns:a16="http://schemas.microsoft.com/office/drawing/2014/main" id="{93418D6C-EB2C-4416-8DA2-86B7921C7E83}"/>
-              </a:ext>
-            </a:extLst>
-          </p:cNvPr>
-          <p:cNvSpPr>
-            <a:spLocks noGrp="1"/>
-          </p:cNvSpPr>
-          <p:nvPr>
-            <p:ph type="body" orient="vert" idx="1"/>
-          </p:nvPr>
-        </p:nvSpPr>
-        <p:spPr>
-          <a:xfrm>
-            <a:off x="838200" y="365125"/>
-            <a:ext cx="7734300" cy="5811838"/>
-          </a:xfrm>
-        </p:spPr>
-        <p:txBody>
-          <a:bodyPr vert="eaVert"/>
-          <a:lstStyle/>
-          <a:p>
             <a:pPr lvl="0"/>
             <a:r>
               <a:rPr lang="en-US"/>
@@ -1339,18 +3897,13 @@
               <a:rPr lang="en-US"/>
               <a:t>Fifth level</a:t>
             </a:r>
-          </a:p>
-        </p:txBody>
-      </p:sp>
-      <p:sp>
-        <p:nvSpPr>
-          <p:cNvPr id="4" name="Date Placeholder 3">
-            <a:extLst>
-              <a:ext uri="{FF2B5EF4-FFF2-40B4-BE49-F238E27FC236}">
-                <a16:creationId xmlns:a16="http://schemas.microsoft.com/office/drawing/2014/main" id="{7F1D0557-FDD8-4558-9D9A-93E425ECF1AE}"/>
-              </a:ext>
-            </a:extLst>
-          </p:cNvPr>
+            <a:endParaRPr lang="en-US" dirty="0"/>
+          </a:p>
+        </p:txBody>
+      </p:sp>
+      <p:sp>
+        <p:nvSpPr>
+          <p:cNvPr id="4" name="Date Placeholder 3"/>
           <p:cNvSpPr>
             <a:spLocks noGrp="1"/>
           </p:cNvSpPr>
@@ -1373,13 +3926,7 @@
       </p:sp>
       <p:sp>
         <p:nvSpPr>
-          <p:cNvPr id="5" name="Footer Placeholder 4">
-            <a:extLst>
-              <a:ext uri="{FF2B5EF4-FFF2-40B4-BE49-F238E27FC236}">
-                <a16:creationId xmlns:a16="http://schemas.microsoft.com/office/drawing/2014/main" id="{208005D4-D7D3-4845-AED3-931C0238A2A1}"/>
-              </a:ext>
-            </a:extLst>
-          </p:cNvPr>
+          <p:cNvPr id="5" name="Footer Placeholder 4"/>
           <p:cNvSpPr>
             <a:spLocks noGrp="1"/>
           </p:cNvSpPr>
@@ -1398,13 +3945,7 @@
       </p:sp>
       <p:sp>
         <p:nvSpPr>
-          <p:cNvPr id="6" name="Slide Number Placeholder 5">
-            <a:extLst>
-              <a:ext uri="{FF2B5EF4-FFF2-40B4-BE49-F238E27FC236}">
-                <a16:creationId xmlns:a16="http://schemas.microsoft.com/office/drawing/2014/main" id="{E52EF81D-E7FB-4A3C-8610-2DD37F2CD995}"/>
-              </a:ext>
-            </a:extLst>
-          </p:cNvPr>
+          <p:cNvPr id="6" name="Slide Number Placeholder 5"/>
           <p:cNvSpPr>
             <a:spLocks noGrp="1"/>
           </p:cNvSpPr>
@@ -1428,7 +3969,7 @@
     </p:spTree>
     <p:extLst>
       <p:ext uri="{BB962C8B-B14F-4D97-AF65-F5344CB8AC3E}">
-        <p14:creationId xmlns:p14="http://schemas.microsoft.com/office/powerpoint/2010/main" val="3888775537"/>
+        <p14:creationId xmlns:p14="http://schemas.microsoft.com/office/powerpoint/2010/main" val="2007038605"/>
       </p:ext>
     </p:extLst>
   </p:cSld>
@@ -1457,13 +3998,7 @@
       </p:grpSpPr>
       <p:sp>
         <p:nvSpPr>
-          <p:cNvPr id="2" name="Title 1">
-            <a:extLst>
-              <a:ext uri="{FF2B5EF4-FFF2-40B4-BE49-F238E27FC236}">
-                <a16:creationId xmlns:a16="http://schemas.microsoft.com/office/drawing/2014/main" id="{DF6C400F-7330-4E39-84B1-CC8D5C48D5D6}"/>
-              </a:ext>
-            </a:extLst>
-          </p:cNvPr>
+          <p:cNvPr id="2" name="Title 1"/>
           <p:cNvSpPr>
             <a:spLocks noGrp="1"/>
           </p:cNvSpPr>
@@ -1480,18 +4015,13 @@
               <a:rPr lang="en-US"/>
               <a:t>Click to edit Master title style</a:t>
             </a:r>
-          </a:p>
-        </p:txBody>
-      </p:sp>
-      <p:sp>
-        <p:nvSpPr>
-          <p:cNvPr id="3" name="Content Placeholder 2">
-            <a:extLst>
-              <a:ext uri="{FF2B5EF4-FFF2-40B4-BE49-F238E27FC236}">
-                <a16:creationId xmlns:a16="http://schemas.microsoft.com/office/drawing/2014/main" id="{2A06008D-95F1-4A5F-BA3C-A3F3E1A6EAD2}"/>
-              </a:ext>
-            </a:extLst>
-          </p:cNvPr>
+            <a:endParaRPr lang="en-US" dirty="0"/>
+          </a:p>
+        </p:txBody>
+      </p:sp>
+      <p:sp>
+        <p:nvSpPr>
+          <p:cNvPr id="3" name="Content Placeholder 2"/>
           <p:cNvSpPr>
             <a:spLocks noGrp="1"/>
           </p:cNvSpPr>
@@ -1537,18 +4067,13 @@
               <a:rPr lang="en-US"/>
               <a:t>Fifth level</a:t>
             </a:r>
-          </a:p>
-        </p:txBody>
-      </p:sp>
-      <p:sp>
-        <p:nvSpPr>
-          <p:cNvPr id="4" name="Date Placeholder 3">
-            <a:extLst>
-              <a:ext uri="{FF2B5EF4-FFF2-40B4-BE49-F238E27FC236}">
-                <a16:creationId xmlns:a16="http://schemas.microsoft.com/office/drawing/2014/main" id="{B152BCA8-7F52-4D84-A757-62352ED70C6C}"/>
-              </a:ext>
-            </a:extLst>
-          </p:cNvPr>
+            <a:endParaRPr lang="en-US" dirty="0"/>
+          </a:p>
+        </p:txBody>
+      </p:sp>
+      <p:sp>
+        <p:nvSpPr>
+          <p:cNvPr id="7" name="Date Placeholder 3"/>
           <p:cNvSpPr>
             <a:spLocks noGrp="1"/>
           </p:cNvSpPr>
@@ -1571,13 +4096,7 @@
       </p:sp>
       <p:sp>
         <p:nvSpPr>
-          <p:cNvPr id="5" name="Footer Placeholder 4">
-            <a:extLst>
-              <a:ext uri="{FF2B5EF4-FFF2-40B4-BE49-F238E27FC236}">
-                <a16:creationId xmlns:a16="http://schemas.microsoft.com/office/drawing/2014/main" id="{46853587-D462-408A-A1F0-A758DF5DFB31}"/>
-              </a:ext>
-            </a:extLst>
-          </p:cNvPr>
+          <p:cNvPr id="5" name="Footer Placeholder 4"/>
           <p:cNvSpPr>
             <a:spLocks noGrp="1"/>
           </p:cNvSpPr>
@@ -1596,13 +4115,7 @@
       </p:sp>
       <p:sp>
         <p:nvSpPr>
-          <p:cNvPr id="6" name="Slide Number Placeholder 5">
-            <a:extLst>
-              <a:ext uri="{FF2B5EF4-FFF2-40B4-BE49-F238E27FC236}">
-                <a16:creationId xmlns:a16="http://schemas.microsoft.com/office/drawing/2014/main" id="{0AFDE7EE-210B-4E21-83D8-1A237C3D5A55}"/>
-              </a:ext>
-            </a:extLst>
-          </p:cNvPr>
+          <p:cNvPr id="6" name="Slide Number Placeholder 5"/>
           <p:cNvSpPr>
             <a:spLocks noGrp="1"/>
           </p:cNvSpPr>
@@ -1626,7 +4139,7 @@
     </p:spTree>
     <p:extLst>
       <p:ext uri="{BB962C8B-B14F-4D97-AF65-F5344CB8AC3E}">
-        <p14:creationId xmlns:p14="http://schemas.microsoft.com/office/powerpoint/2010/main" val="1292447555"/>
+        <p14:creationId xmlns:p14="http://schemas.microsoft.com/office/powerpoint/2010/main" val="1385488320"/>
       </p:ext>
     </p:extLst>
   </p:cSld>
@@ -1655,13 +4168,7 @@
       </p:grpSpPr>
       <p:sp>
         <p:nvSpPr>
-          <p:cNvPr id="2" name="Title 1">
-            <a:extLst>
-              <a:ext uri="{FF2B5EF4-FFF2-40B4-BE49-F238E27FC236}">
-                <a16:creationId xmlns:a16="http://schemas.microsoft.com/office/drawing/2014/main" id="{88399861-2A3A-436C-9485-0FB04096815E}"/>
-              </a:ext>
-            </a:extLst>
-          </p:cNvPr>
+          <p:cNvPr id="2" name="Title 1"/>
           <p:cNvSpPr>
             <a:spLocks noGrp="1"/>
           </p:cNvSpPr>
@@ -1671,15 +4178,15 @@
         </p:nvSpPr>
         <p:spPr>
           <a:xfrm>
-            <a:off x="831850" y="1709738"/>
-            <a:ext cx="10515600" cy="2852737"/>
+            <a:off x="1154956" y="2861733"/>
+            <a:ext cx="8825657" cy="1915647"/>
           </a:xfrm>
         </p:spPr>
         <p:txBody>
           <a:bodyPr anchor="b"/>
           <a:lstStyle>
-            <a:lvl1pPr>
-              <a:defRPr sz="6000"/>
+            <a:lvl1pPr algn="l">
+              <a:defRPr sz="4000" b="0" cap="none"/>
             </a:lvl1pPr>
           </a:lstStyle>
           <a:p>
@@ -1687,18 +4194,13 @@
               <a:rPr lang="en-US"/>
               <a:t>Click to edit Master title style</a:t>
             </a:r>
-          </a:p>
-        </p:txBody>
-      </p:sp>
-      <p:sp>
-        <p:nvSpPr>
-          <p:cNvPr id="3" name="Text Placeholder 2">
-            <a:extLst>
-              <a:ext uri="{FF2B5EF4-FFF2-40B4-BE49-F238E27FC236}">
-                <a16:creationId xmlns:a16="http://schemas.microsoft.com/office/drawing/2014/main" id="{2954E40E-3361-46F2-8454-40ABD44C4583}"/>
-              </a:ext>
-            </a:extLst>
-          </p:cNvPr>
+            <a:endParaRPr lang="en-US" dirty="0"/>
+          </a:p>
+        </p:txBody>
+      </p:sp>
+      <p:sp>
+        <p:nvSpPr>
+          <p:cNvPr id="3" name="Text Placeholder 2"/>
           <p:cNvSpPr>
             <a:spLocks noGrp="1"/>
           </p:cNvSpPr>
@@ -1708,26 +4210,27 @@
         </p:nvSpPr>
         <p:spPr>
           <a:xfrm>
-            <a:off x="831850" y="4589463"/>
-            <a:ext cx="10515600" cy="1500187"/>
+            <a:off x="1154955" y="4777381"/>
+            <a:ext cx="8825658" cy="860400"/>
           </a:xfrm>
         </p:spPr>
         <p:txBody>
-          <a:bodyPr/>
+          <a:bodyPr anchor="t"/>
           <a:lstStyle>
-            <a:lvl1pPr marL="0" indent="0">
-              <a:buNone/>
-              <a:defRPr sz="2400">
+            <a:lvl1pPr marL="0" indent="0" algn="l">
+              <a:buNone/>
+              <a:defRPr sz="2000" cap="all">
                 <a:solidFill>
-                  <a:schemeClr val="tx1">
-                    <a:tint val="75000"/>
+                  <a:schemeClr val="bg2">
+                    <a:lumMod val="40000"/>
+                    <a:lumOff val="60000"/>
                   </a:schemeClr>
                 </a:solidFill>
               </a:defRPr>
             </a:lvl1pPr>
             <a:lvl2pPr marL="457200" indent="0">
               <a:buNone/>
-              <a:defRPr sz="2000">
+              <a:defRPr sz="1800">
                 <a:solidFill>
                   <a:schemeClr val="tx1">
                     <a:tint val="75000"/>
@@ -1737,7 +4240,7 @@
             </a:lvl2pPr>
             <a:lvl3pPr marL="914400" indent="0">
               <a:buNone/>
-              <a:defRPr sz="1800">
+              <a:defRPr sz="1600">
                 <a:solidFill>
                   <a:schemeClr val="tx1">
                     <a:tint val="75000"/>
@@ -1747,7 +4250,7 @@
             </a:lvl3pPr>
             <a:lvl4pPr marL="1371600" indent="0">
               <a:buNone/>
-              <a:defRPr sz="1600">
+              <a:defRPr sz="1400">
                 <a:solidFill>
                   <a:schemeClr val="tx1">
                     <a:tint val="75000"/>
@@ -1757,7 +4260,7 @@
             </a:lvl4pPr>
             <a:lvl5pPr marL="1828800" indent="0">
               <a:buNone/>
-              <a:defRPr sz="1600">
+              <a:defRPr sz="1400">
                 <a:solidFill>
                   <a:schemeClr val="tx1">
                     <a:tint val="75000"/>
@@ -1767,7 +4270,7 @@
             </a:lvl5pPr>
             <a:lvl6pPr marL="2286000" indent="0">
               <a:buNone/>
-              <a:defRPr sz="1600">
+              <a:defRPr sz="1400">
                 <a:solidFill>
                   <a:schemeClr val="tx1">
                     <a:tint val="75000"/>
@@ -1777,7 +4280,7 @@
             </a:lvl6pPr>
             <a:lvl7pPr marL="2743200" indent="0">
               <a:buNone/>
-              <a:defRPr sz="1600">
+              <a:defRPr sz="1400">
                 <a:solidFill>
                   <a:schemeClr val="tx1">
                     <a:tint val="75000"/>
@@ -1787,7 +4290,7 @@
             </a:lvl7pPr>
             <a:lvl8pPr marL="3200400" indent="0">
               <a:buNone/>
-              <a:defRPr sz="1600">
+              <a:defRPr sz="1400">
                 <a:solidFill>
                   <a:schemeClr val="tx1">
                     <a:tint val="75000"/>
@@ -1797,7 +4300,7 @@
             </a:lvl8pPr>
             <a:lvl9pPr marL="3657600" indent="0">
               <a:buNone/>
-              <a:defRPr sz="1600">
+              <a:defRPr sz="1400">
                 <a:solidFill>
                   <a:schemeClr val="tx1">
                     <a:tint val="75000"/>
@@ -1817,13 +4320,7 @@
       </p:sp>
       <p:sp>
         <p:nvSpPr>
-          <p:cNvPr id="4" name="Date Placeholder 3">
-            <a:extLst>
-              <a:ext uri="{FF2B5EF4-FFF2-40B4-BE49-F238E27FC236}">
-                <a16:creationId xmlns:a16="http://schemas.microsoft.com/office/drawing/2014/main" id="{94B97DE1-C988-4BC4-BDB0-2EE80C4BD1F3}"/>
-              </a:ext>
-            </a:extLst>
-          </p:cNvPr>
+          <p:cNvPr id="4" name="Date Placeholder 3"/>
           <p:cNvSpPr>
             <a:spLocks noGrp="1"/>
           </p:cNvSpPr>
@@ -1846,13 +4343,7 @@
       </p:sp>
       <p:sp>
         <p:nvSpPr>
-          <p:cNvPr id="5" name="Footer Placeholder 4">
-            <a:extLst>
-              <a:ext uri="{FF2B5EF4-FFF2-40B4-BE49-F238E27FC236}">
-                <a16:creationId xmlns:a16="http://schemas.microsoft.com/office/drawing/2014/main" id="{00606622-97DF-4304-A822-40435A56CC82}"/>
-              </a:ext>
-            </a:extLst>
-          </p:cNvPr>
+          <p:cNvPr id="5" name="Footer Placeholder 4"/>
           <p:cNvSpPr>
             <a:spLocks noGrp="1"/>
           </p:cNvSpPr>
@@ -1871,13 +4362,7 @@
       </p:sp>
       <p:sp>
         <p:nvSpPr>
-          <p:cNvPr id="6" name="Slide Number Placeholder 5">
-            <a:extLst>
-              <a:ext uri="{FF2B5EF4-FFF2-40B4-BE49-F238E27FC236}">
-                <a16:creationId xmlns:a16="http://schemas.microsoft.com/office/drawing/2014/main" id="{D51DCF79-846A-4C64-A5FA-7041565961CB}"/>
-              </a:ext>
-            </a:extLst>
-          </p:cNvPr>
+          <p:cNvPr id="6" name="Slide Number Placeholder 5"/>
           <p:cNvSpPr>
             <a:spLocks noGrp="1"/>
           </p:cNvSpPr>
@@ -1901,7 +4386,7 @@
     </p:spTree>
     <p:extLst>
       <p:ext uri="{BB962C8B-B14F-4D97-AF65-F5344CB8AC3E}">
-        <p14:creationId xmlns:p14="http://schemas.microsoft.com/office/powerpoint/2010/main" val="989584859"/>
+        <p14:creationId xmlns:p14="http://schemas.microsoft.com/office/powerpoint/2010/main" val="1576492710"/>
       </p:ext>
     </p:extLst>
   </p:cSld>
@@ -1930,13 +4415,7 @@
       </p:grpSpPr>
       <p:sp>
         <p:nvSpPr>
-          <p:cNvPr id="2" name="Title 1">
-            <a:extLst>
-              <a:ext uri="{FF2B5EF4-FFF2-40B4-BE49-F238E27FC236}">
-                <a16:creationId xmlns:a16="http://schemas.microsoft.com/office/drawing/2014/main" id="{8BFB6F99-4649-42E8-8318-ECBF2E8C85AD}"/>
-              </a:ext>
-            </a:extLst>
-          </p:cNvPr>
+          <p:cNvPr id="2" name="Title 1"/>
           <p:cNvSpPr>
             <a:spLocks noGrp="1"/>
           </p:cNvSpPr>
@@ -1953,18 +4432,13 @@
               <a:rPr lang="en-US"/>
               <a:t>Click to edit Master title style</a:t>
             </a:r>
-          </a:p>
-        </p:txBody>
-      </p:sp>
-      <p:sp>
-        <p:nvSpPr>
-          <p:cNvPr id="3" name="Content Placeholder 2">
-            <a:extLst>
-              <a:ext uri="{FF2B5EF4-FFF2-40B4-BE49-F238E27FC236}">
-                <a16:creationId xmlns:a16="http://schemas.microsoft.com/office/drawing/2014/main" id="{7996D6DF-E94B-4508-942C-51F4AC495BDE}"/>
-              </a:ext>
-            </a:extLst>
-          </p:cNvPr>
+            <a:endParaRPr lang="en-US" dirty="0"/>
+          </a:p>
+        </p:txBody>
+      </p:sp>
+      <p:sp>
+        <p:nvSpPr>
+          <p:cNvPr id="3" name="Content Placeholder 2"/>
           <p:cNvSpPr>
             <a:spLocks noGrp="1"/>
           </p:cNvSpPr>
@@ -1974,13 +4448,43 @@
         </p:nvSpPr>
         <p:spPr>
           <a:xfrm>
-            <a:off x="838200" y="1825625"/>
-            <a:ext cx="5181600" cy="4351338"/>
+            <a:off x="1103312" y="2060575"/>
+            <a:ext cx="4396339" cy="4195763"/>
           </a:xfrm>
         </p:spPr>
         <p:txBody>
-          <a:bodyPr/>
-          <a:lstStyle/>
+          <a:bodyPr>
+            <a:normAutofit/>
+          </a:bodyPr>
+          <a:lstStyle>
+            <a:lvl1pPr>
+              <a:defRPr sz="1800"/>
+            </a:lvl1pPr>
+            <a:lvl2pPr>
+              <a:defRPr sz="1600"/>
+            </a:lvl2pPr>
+            <a:lvl3pPr>
+              <a:defRPr sz="1400"/>
+            </a:lvl3pPr>
+            <a:lvl4pPr>
+              <a:defRPr sz="1200"/>
+            </a:lvl4pPr>
+            <a:lvl5pPr>
+              <a:defRPr sz="1200"/>
+            </a:lvl5pPr>
+            <a:lvl6pPr>
+              <a:defRPr sz="1200"/>
+            </a:lvl6pPr>
+            <a:lvl7pPr>
+              <a:defRPr sz="1200"/>
+            </a:lvl7pPr>
+            <a:lvl8pPr>
+              <a:defRPr sz="1200"/>
+            </a:lvl8pPr>
+            <a:lvl9pPr>
+              <a:defRPr sz="1200"/>
+            </a:lvl9pPr>
+          </a:lstStyle>
           <a:p>
             <a:pPr lvl="0"/>
             <a:r>
@@ -2015,18 +4519,13 @@
               <a:rPr lang="en-US"/>
               <a:t>Fifth level</a:t>
             </a:r>
-          </a:p>
-        </p:txBody>
-      </p:sp>
-      <p:sp>
-        <p:nvSpPr>
-          <p:cNvPr id="4" name="Content Placeholder 3">
-            <a:extLst>
-              <a:ext uri="{FF2B5EF4-FFF2-40B4-BE49-F238E27FC236}">
-                <a16:creationId xmlns:a16="http://schemas.microsoft.com/office/drawing/2014/main" id="{F2C2247A-304A-4141-8E13-57A838AFEC83}"/>
-              </a:ext>
-            </a:extLst>
-          </p:cNvPr>
+            <a:endParaRPr lang="en-US" dirty="0"/>
+          </a:p>
+        </p:txBody>
+      </p:sp>
+      <p:sp>
+        <p:nvSpPr>
+          <p:cNvPr id="4" name="Content Placeholder 3"/>
           <p:cNvSpPr>
             <a:spLocks noGrp="1"/>
           </p:cNvSpPr>
@@ -2036,13 +4535,43 @@
         </p:nvSpPr>
         <p:spPr>
           <a:xfrm>
-            <a:off x="6172200" y="1825625"/>
-            <a:ext cx="5181600" cy="4351338"/>
+            <a:off x="5654493" y="2056092"/>
+            <a:ext cx="4396341" cy="4200245"/>
           </a:xfrm>
         </p:spPr>
         <p:txBody>
-          <a:bodyPr/>
-          <a:lstStyle/>
+          <a:bodyPr>
+            <a:normAutofit/>
+          </a:bodyPr>
+          <a:lstStyle>
+            <a:lvl1pPr>
+              <a:defRPr sz="1800"/>
+            </a:lvl1pPr>
+            <a:lvl2pPr>
+              <a:defRPr sz="1600"/>
+            </a:lvl2pPr>
+            <a:lvl3pPr>
+              <a:defRPr sz="1400"/>
+            </a:lvl3pPr>
+            <a:lvl4pPr>
+              <a:defRPr sz="1200"/>
+            </a:lvl4pPr>
+            <a:lvl5pPr>
+              <a:defRPr sz="1200"/>
+            </a:lvl5pPr>
+            <a:lvl6pPr>
+              <a:defRPr sz="1200"/>
+            </a:lvl6pPr>
+            <a:lvl7pPr>
+              <a:defRPr sz="1200"/>
+            </a:lvl7pPr>
+            <a:lvl8pPr>
+              <a:defRPr sz="1200"/>
+            </a:lvl8pPr>
+            <a:lvl9pPr>
+              <a:defRPr sz="1200"/>
+            </a:lvl9pPr>
+          </a:lstStyle>
           <a:p>
             <a:pPr lvl="0"/>
             <a:r>
@@ -2077,18 +4606,13 @@
               <a:rPr lang="en-US"/>
               <a:t>Fifth level</a:t>
             </a:r>
-          </a:p>
-        </p:txBody>
-      </p:sp>
-      <p:sp>
-        <p:nvSpPr>
-          <p:cNvPr id="5" name="Date Placeholder 4">
-            <a:extLst>
-              <a:ext uri="{FF2B5EF4-FFF2-40B4-BE49-F238E27FC236}">
-                <a16:creationId xmlns:a16="http://schemas.microsoft.com/office/drawing/2014/main" id="{E042823D-8623-4819-AD87-EA190ACAC6FB}"/>
-              </a:ext>
-            </a:extLst>
-          </p:cNvPr>
+            <a:endParaRPr lang="en-US" dirty="0"/>
+          </a:p>
+        </p:txBody>
+      </p:sp>
+      <p:sp>
+        <p:nvSpPr>
+          <p:cNvPr id="5" name="Date Placeholder 4"/>
           <p:cNvSpPr>
             <a:spLocks noGrp="1"/>
           </p:cNvSpPr>
@@ -2111,13 +4635,7 @@
       </p:sp>
       <p:sp>
         <p:nvSpPr>
-          <p:cNvPr id="6" name="Footer Placeholder 5">
-            <a:extLst>
-              <a:ext uri="{FF2B5EF4-FFF2-40B4-BE49-F238E27FC236}">
-                <a16:creationId xmlns:a16="http://schemas.microsoft.com/office/drawing/2014/main" id="{2346AB26-4A35-4CC1-A826-7B423CC11072}"/>
-              </a:ext>
-            </a:extLst>
-          </p:cNvPr>
+          <p:cNvPr id="6" name="Footer Placeholder 5"/>
           <p:cNvSpPr>
             <a:spLocks noGrp="1"/>
           </p:cNvSpPr>
@@ -2136,13 +4654,7 @@
       </p:sp>
       <p:sp>
         <p:nvSpPr>
-          <p:cNvPr id="7" name="Slide Number Placeholder 6">
-            <a:extLst>
-              <a:ext uri="{FF2B5EF4-FFF2-40B4-BE49-F238E27FC236}">
-                <a16:creationId xmlns:a16="http://schemas.microsoft.com/office/drawing/2014/main" id="{57C63759-09EF-4458-AA93-AFA95B88CB71}"/>
-              </a:ext>
-            </a:extLst>
-          </p:cNvPr>
+          <p:cNvPr id="7" name="Slide Number Placeholder 6"/>
           <p:cNvSpPr>
             <a:spLocks noGrp="1"/>
           </p:cNvSpPr>
@@ -2166,7 +4678,7 @@
     </p:spTree>
     <p:extLst>
       <p:ext uri="{BB962C8B-B14F-4D97-AF65-F5344CB8AC3E}">
-        <p14:creationId xmlns:p14="http://schemas.microsoft.com/office/powerpoint/2010/main" val="696118927"/>
+        <p14:creationId xmlns:p14="http://schemas.microsoft.com/office/powerpoint/2010/main" val="124519499"/>
       </p:ext>
     </p:extLst>
   </p:cSld>
@@ -2195,65 +4707,62 @@
       </p:grpSpPr>
       <p:sp>
         <p:nvSpPr>
-          <p:cNvPr id="2" name="Title 1">
-            <a:extLst>
-              <a:ext uri="{FF2B5EF4-FFF2-40B4-BE49-F238E27FC236}">
-                <a16:creationId xmlns:a16="http://schemas.microsoft.com/office/drawing/2014/main" id="{48E5BE9F-5418-47DF-9176-51F84E80D276}"/>
-              </a:ext>
-            </a:extLst>
-          </p:cNvPr>
+          <p:cNvPr id="2" name="Title 1"/>
           <p:cNvSpPr>
             <a:spLocks noGrp="1"/>
           </p:cNvSpPr>
           <p:nvPr>
             <p:ph type="title"/>
+          </p:nvPr>
+        </p:nvSpPr>
+        <p:spPr/>
+        <p:txBody>
+          <a:bodyPr/>
+          <a:lstStyle>
+            <a:lvl1pPr>
+              <a:defRPr/>
+            </a:lvl1pPr>
+          </a:lstStyle>
+          <a:p>
+            <a:r>
+              <a:rPr lang="en-US"/>
+              <a:t>Click to edit Master title style</a:t>
+            </a:r>
+            <a:endParaRPr lang="en-US" dirty="0"/>
+          </a:p>
+        </p:txBody>
+      </p:sp>
+      <p:sp>
+        <p:nvSpPr>
+          <p:cNvPr id="3" name="Text Placeholder 2"/>
+          <p:cNvSpPr>
+            <a:spLocks noGrp="1"/>
+          </p:cNvSpPr>
+          <p:nvPr>
+            <p:ph type="body" idx="1"/>
           </p:nvPr>
         </p:nvSpPr>
         <p:spPr>
           <a:xfrm>
-            <a:off x="839788" y="365125"/>
-            <a:ext cx="10515600" cy="1325563"/>
+            <a:off x="1103313" y="1905000"/>
+            <a:ext cx="4396338" cy="576262"/>
           </a:xfrm>
         </p:spPr>
         <p:txBody>
-          <a:bodyPr/>
-          <a:lstStyle/>
-          <a:p>
-            <a:r>
-              <a:rPr lang="en-US"/>
-              <a:t>Click to edit Master title style</a:t>
-            </a:r>
-          </a:p>
-        </p:txBody>
-      </p:sp>
-      <p:sp>
-        <p:nvSpPr>
-          <p:cNvPr id="3" name="Text Placeholder 2">
-            <a:extLst>
-              <a:ext uri="{FF2B5EF4-FFF2-40B4-BE49-F238E27FC236}">
-                <a16:creationId xmlns:a16="http://schemas.microsoft.com/office/drawing/2014/main" id="{272AD1E3-C70C-44AA-859B-2DE8A5408152}"/>
-              </a:ext>
-            </a:extLst>
-          </p:cNvPr>
-          <p:cNvSpPr>
-            <a:spLocks noGrp="1"/>
-          </p:cNvSpPr>
-          <p:nvPr>
-            <p:ph type="body" idx="1"/>
-          </p:nvPr>
-        </p:nvSpPr>
-        <p:spPr>
-          <a:xfrm>
-            <a:off x="839788" y="1681163"/>
-            <a:ext cx="5157787" cy="823912"/>
-          </a:xfrm>
-        </p:spPr>
-        <p:txBody>
-          <a:bodyPr anchor="b"/>
+          <a:bodyPr anchor="b">
+            <a:noAutofit/>
+          </a:bodyPr>
           <a:lstStyle>
             <a:lvl1pPr marL="0" indent="0">
               <a:buNone/>
-              <a:defRPr sz="2400" b="1"/>
+              <a:defRPr sz="2400" b="0">
+                <a:solidFill>
+                  <a:schemeClr val="bg2">
+                    <a:lumMod val="40000"/>
+                    <a:lumOff val="60000"/>
+                  </a:schemeClr>
+                </a:solidFill>
+              </a:defRPr>
             </a:lvl1pPr>
             <a:lvl2pPr marL="457200" indent="0">
               <a:buNone/>
@@ -2299,13 +4808,7 @@
       </p:sp>
       <p:sp>
         <p:nvSpPr>
-          <p:cNvPr id="4" name="Content Placeholder 3">
-            <a:extLst>
-              <a:ext uri="{FF2B5EF4-FFF2-40B4-BE49-F238E27FC236}">
-                <a16:creationId xmlns:a16="http://schemas.microsoft.com/office/drawing/2014/main" id="{9DA30EFD-6B0A-48EC-89D3-9966A923180D}"/>
-              </a:ext>
-            </a:extLst>
-          </p:cNvPr>
+          <p:cNvPr id="4" name="Content Placeholder 3"/>
           <p:cNvSpPr>
             <a:spLocks noGrp="1"/>
           </p:cNvSpPr>
@@ -2315,13 +4818,43 @@
         </p:nvSpPr>
         <p:spPr>
           <a:xfrm>
-            <a:off x="839788" y="2505075"/>
-            <a:ext cx="5157787" cy="3684588"/>
+            <a:off x="1103312" y="2514600"/>
+            <a:ext cx="4396339" cy="3741738"/>
           </a:xfrm>
         </p:spPr>
         <p:txBody>
-          <a:bodyPr/>
-          <a:lstStyle/>
+          <a:bodyPr>
+            <a:normAutofit/>
+          </a:bodyPr>
+          <a:lstStyle>
+            <a:lvl1pPr>
+              <a:defRPr sz="1800"/>
+            </a:lvl1pPr>
+            <a:lvl2pPr>
+              <a:defRPr sz="1600"/>
+            </a:lvl2pPr>
+            <a:lvl3pPr>
+              <a:defRPr sz="1400"/>
+            </a:lvl3pPr>
+            <a:lvl4pPr>
+              <a:defRPr sz="1200"/>
+            </a:lvl4pPr>
+            <a:lvl5pPr>
+              <a:defRPr sz="1200"/>
+            </a:lvl5pPr>
+            <a:lvl6pPr>
+              <a:defRPr sz="1200"/>
+            </a:lvl6pPr>
+            <a:lvl7pPr>
+              <a:defRPr sz="1200"/>
+            </a:lvl7pPr>
+            <a:lvl8pPr>
+              <a:defRPr sz="1200"/>
+            </a:lvl8pPr>
+            <a:lvl9pPr>
+              <a:defRPr sz="1200"/>
+            </a:lvl9pPr>
+          </a:lstStyle>
           <a:p>
             <a:pPr lvl="0"/>
             <a:r>
@@ -2356,18 +4889,13 @@
               <a:rPr lang="en-US"/>
               <a:t>Fifth level</a:t>
             </a:r>
-          </a:p>
-        </p:txBody>
-      </p:sp>
-      <p:sp>
-        <p:nvSpPr>
-          <p:cNvPr id="5" name="Text Placeholder 4">
-            <a:extLst>
-              <a:ext uri="{FF2B5EF4-FFF2-40B4-BE49-F238E27FC236}">
-                <a16:creationId xmlns:a16="http://schemas.microsoft.com/office/drawing/2014/main" id="{4F4801F0-4466-4BF5-858B-1ABEBB6F5144}"/>
-              </a:ext>
-            </a:extLst>
-          </p:cNvPr>
+            <a:endParaRPr lang="en-US" dirty="0"/>
+          </a:p>
+        </p:txBody>
+      </p:sp>
+      <p:sp>
+        <p:nvSpPr>
+          <p:cNvPr id="5" name="Text Placeholder 4"/>
           <p:cNvSpPr>
             <a:spLocks noGrp="1"/>
           </p:cNvSpPr>
@@ -2377,16 +4905,25 @@
         </p:nvSpPr>
         <p:spPr>
           <a:xfrm>
-            <a:off x="6172200" y="1681163"/>
-            <a:ext cx="5183188" cy="823912"/>
+            <a:off x="5654495" y="1905000"/>
+            <a:ext cx="4396339" cy="576262"/>
           </a:xfrm>
         </p:spPr>
         <p:txBody>
-          <a:bodyPr anchor="b"/>
+          <a:bodyPr anchor="b">
+            <a:noAutofit/>
+          </a:bodyPr>
           <a:lstStyle>
             <a:lvl1pPr marL="0" indent="0">
               <a:buNone/>
-              <a:defRPr sz="2400" b="1"/>
+              <a:defRPr sz="2400" b="0">
+                <a:solidFill>
+                  <a:schemeClr val="bg2">
+                    <a:lumMod val="40000"/>
+                    <a:lumOff val="60000"/>
+                  </a:schemeClr>
+                </a:solidFill>
+              </a:defRPr>
             </a:lvl1pPr>
             <a:lvl2pPr marL="457200" indent="0">
               <a:buNone/>
@@ -2432,13 +4969,7 @@
       </p:sp>
       <p:sp>
         <p:nvSpPr>
-          <p:cNvPr id="6" name="Content Placeholder 5">
-            <a:extLst>
-              <a:ext uri="{FF2B5EF4-FFF2-40B4-BE49-F238E27FC236}">
-                <a16:creationId xmlns:a16="http://schemas.microsoft.com/office/drawing/2014/main" id="{C95C914D-9592-408A-B008-C9E865DEDDBF}"/>
-              </a:ext>
-            </a:extLst>
-          </p:cNvPr>
+          <p:cNvPr id="6" name="Content Placeholder 5"/>
           <p:cNvSpPr>
             <a:spLocks noGrp="1"/>
           </p:cNvSpPr>
@@ -2448,13 +4979,43 @@
         </p:nvSpPr>
         <p:spPr>
           <a:xfrm>
-            <a:off x="6172200" y="2505075"/>
-            <a:ext cx="5183188" cy="3684588"/>
+            <a:off x="5654495" y="2514600"/>
+            <a:ext cx="4396339" cy="3741738"/>
           </a:xfrm>
         </p:spPr>
         <p:txBody>
-          <a:bodyPr/>
-          <a:lstStyle/>
+          <a:bodyPr>
+            <a:normAutofit/>
+          </a:bodyPr>
+          <a:lstStyle>
+            <a:lvl1pPr>
+              <a:defRPr sz="1800"/>
+            </a:lvl1pPr>
+            <a:lvl2pPr>
+              <a:defRPr sz="1600"/>
+            </a:lvl2pPr>
+            <a:lvl3pPr>
+              <a:defRPr sz="1400"/>
+            </a:lvl3pPr>
+            <a:lvl4pPr>
+              <a:defRPr sz="1200"/>
+            </a:lvl4pPr>
+            <a:lvl5pPr>
+              <a:defRPr sz="1200"/>
+            </a:lvl5pPr>
+            <a:lvl6pPr>
+              <a:defRPr sz="1200"/>
+            </a:lvl6pPr>
+            <a:lvl7pPr>
+              <a:defRPr sz="1200"/>
+            </a:lvl7pPr>
+            <a:lvl8pPr>
+              <a:defRPr sz="1200"/>
+            </a:lvl8pPr>
+            <a:lvl9pPr>
+              <a:defRPr sz="1200"/>
+            </a:lvl9pPr>
+          </a:lstStyle>
           <a:p>
             <a:pPr lvl="0"/>
             <a:r>
@@ -2489,18 +5050,13 @@
               <a:rPr lang="en-US"/>
               <a:t>Fifth level</a:t>
             </a:r>
-          </a:p>
-        </p:txBody>
-      </p:sp>
-      <p:sp>
-        <p:nvSpPr>
-          <p:cNvPr id="7" name="Date Placeholder 6">
-            <a:extLst>
-              <a:ext uri="{FF2B5EF4-FFF2-40B4-BE49-F238E27FC236}">
-                <a16:creationId xmlns:a16="http://schemas.microsoft.com/office/drawing/2014/main" id="{E227B61A-2E53-47F0-AD07-945A1AB6A57A}"/>
-              </a:ext>
-            </a:extLst>
-          </p:cNvPr>
+            <a:endParaRPr lang="en-US" dirty="0"/>
+          </a:p>
+        </p:txBody>
+      </p:sp>
+      <p:sp>
+        <p:nvSpPr>
+          <p:cNvPr id="7" name="Date Placeholder 6"/>
           <p:cNvSpPr>
             <a:spLocks noGrp="1"/>
           </p:cNvSpPr>
@@ -2523,13 +5079,7 @@
       </p:sp>
       <p:sp>
         <p:nvSpPr>
-          <p:cNvPr id="8" name="Footer Placeholder 7">
-            <a:extLst>
-              <a:ext uri="{FF2B5EF4-FFF2-40B4-BE49-F238E27FC236}">
-                <a16:creationId xmlns:a16="http://schemas.microsoft.com/office/drawing/2014/main" id="{7CA169F4-939A-42A3-BC3C-7051DBC004D3}"/>
-              </a:ext>
-            </a:extLst>
-          </p:cNvPr>
+          <p:cNvPr id="8" name="Footer Placeholder 7"/>
           <p:cNvSpPr>
             <a:spLocks noGrp="1"/>
           </p:cNvSpPr>
@@ -2548,13 +5098,7 @@
       </p:sp>
       <p:sp>
         <p:nvSpPr>
-          <p:cNvPr id="9" name="Slide Number Placeholder 8">
-            <a:extLst>
-              <a:ext uri="{FF2B5EF4-FFF2-40B4-BE49-F238E27FC236}">
-                <a16:creationId xmlns:a16="http://schemas.microsoft.com/office/drawing/2014/main" id="{C543572B-CB8A-4DFC-AF72-1DD352A7C76B}"/>
-              </a:ext>
-            </a:extLst>
-          </p:cNvPr>
+          <p:cNvPr id="9" name="Slide Number Placeholder 8"/>
           <p:cNvSpPr>
             <a:spLocks noGrp="1"/>
           </p:cNvSpPr>
@@ -2578,7 +5122,7 @@
     </p:spTree>
     <p:extLst>
       <p:ext uri="{BB962C8B-B14F-4D97-AF65-F5344CB8AC3E}">
-        <p14:creationId xmlns:p14="http://schemas.microsoft.com/office/powerpoint/2010/main" val="680417067"/>
+        <p14:creationId xmlns:p14="http://schemas.microsoft.com/office/powerpoint/2010/main" val="867128508"/>
       </p:ext>
     </p:extLst>
   </p:cSld>
@@ -2607,13 +5151,7 @@
       </p:grpSpPr>
       <p:sp>
         <p:nvSpPr>
-          <p:cNvPr id="2" name="Title 1">
-            <a:extLst>
-              <a:ext uri="{FF2B5EF4-FFF2-40B4-BE49-F238E27FC236}">
-                <a16:creationId xmlns:a16="http://schemas.microsoft.com/office/drawing/2014/main" id="{2678C24D-055B-454F-A0F0-A11F6F85CC7D}"/>
-              </a:ext>
-            </a:extLst>
-          </p:cNvPr>
+          <p:cNvPr id="2" name="Title 1"/>
           <p:cNvSpPr>
             <a:spLocks noGrp="1"/>
           </p:cNvSpPr>
@@ -2630,18 +5168,13 @@
               <a:rPr lang="en-US"/>
               <a:t>Click to edit Master title style</a:t>
             </a:r>
-          </a:p>
-        </p:txBody>
-      </p:sp>
-      <p:sp>
-        <p:nvSpPr>
-          <p:cNvPr id="3" name="Date Placeholder 2">
-            <a:extLst>
-              <a:ext uri="{FF2B5EF4-FFF2-40B4-BE49-F238E27FC236}">
-                <a16:creationId xmlns:a16="http://schemas.microsoft.com/office/drawing/2014/main" id="{4EBE5F6F-4940-4001-8B39-78CC382CAAED}"/>
-              </a:ext>
-            </a:extLst>
-          </p:cNvPr>
+            <a:endParaRPr lang="en-US" dirty="0"/>
+          </a:p>
+        </p:txBody>
+      </p:sp>
+      <p:sp>
+        <p:nvSpPr>
+          <p:cNvPr id="7" name="Date Placeholder 2"/>
           <p:cNvSpPr>
             <a:spLocks noGrp="1"/>
           </p:cNvSpPr>
@@ -2664,13 +5197,7 @@
       </p:sp>
       <p:sp>
         <p:nvSpPr>
-          <p:cNvPr id="4" name="Footer Placeholder 3">
-            <a:extLst>
-              <a:ext uri="{FF2B5EF4-FFF2-40B4-BE49-F238E27FC236}">
-                <a16:creationId xmlns:a16="http://schemas.microsoft.com/office/drawing/2014/main" id="{DB6627D5-03AE-470F-84B0-F4BC0CFFA06F}"/>
-              </a:ext>
-            </a:extLst>
-          </p:cNvPr>
+          <p:cNvPr id="5" name="Footer Placeholder 3"/>
           <p:cNvSpPr>
             <a:spLocks noGrp="1"/>
           </p:cNvSpPr>
@@ -2689,13 +5216,7 @@
       </p:sp>
       <p:sp>
         <p:nvSpPr>
-          <p:cNvPr id="5" name="Slide Number Placeholder 4">
-            <a:extLst>
-              <a:ext uri="{FF2B5EF4-FFF2-40B4-BE49-F238E27FC236}">
-                <a16:creationId xmlns:a16="http://schemas.microsoft.com/office/drawing/2014/main" id="{01F2DA11-1177-45C2-BFB3-EBC8A9273AFB}"/>
-              </a:ext>
-            </a:extLst>
-          </p:cNvPr>
+          <p:cNvPr id="6" name="Slide Number Placeholder 4"/>
           <p:cNvSpPr>
             <a:spLocks noGrp="1"/>
           </p:cNvSpPr>
@@ -2719,7 +5240,7 @@
     </p:spTree>
     <p:extLst>
       <p:ext uri="{BB962C8B-B14F-4D97-AF65-F5344CB8AC3E}">
-        <p14:creationId xmlns:p14="http://schemas.microsoft.com/office/powerpoint/2010/main" val="3927078312"/>
+        <p14:creationId xmlns:p14="http://schemas.microsoft.com/office/powerpoint/2010/main" val="3208704325"/>
       </p:ext>
     </p:extLst>
   </p:cSld>
@@ -2748,13 +5269,7 @@
       </p:grpSpPr>
       <p:sp>
         <p:nvSpPr>
-          <p:cNvPr id="2" name="Date Placeholder 1">
-            <a:extLst>
-              <a:ext uri="{FF2B5EF4-FFF2-40B4-BE49-F238E27FC236}">
-                <a16:creationId xmlns:a16="http://schemas.microsoft.com/office/drawing/2014/main" id="{880A4F4D-0F46-42DA-A1F7-3B3658FDC624}"/>
-              </a:ext>
-            </a:extLst>
-          </p:cNvPr>
+          <p:cNvPr id="7" name="Date Placeholder 1"/>
           <p:cNvSpPr>
             <a:spLocks noGrp="1"/>
           </p:cNvSpPr>
@@ -2777,13 +5292,7 @@
       </p:sp>
       <p:sp>
         <p:nvSpPr>
-          <p:cNvPr id="3" name="Footer Placeholder 2">
-            <a:extLst>
-              <a:ext uri="{FF2B5EF4-FFF2-40B4-BE49-F238E27FC236}">
-                <a16:creationId xmlns:a16="http://schemas.microsoft.com/office/drawing/2014/main" id="{B724F04B-54B0-498F-86FB-579305F5F0C7}"/>
-              </a:ext>
-            </a:extLst>
-          </p:cNvPr>
+          <p:cNvPr id="5" name="Footer Placeholder 2"/>
           <p:cNvSpPr>
             <a:spLocks noGrp="1"/>
           </p:cNvSpPr>
@@ -2802,13 +5311,7 @@
       </p:sp>
       <p:sp>
         <p:nvSpPr>
-          <p:cNvPr id="4" name="Slide Number Placeholder 3">
-            <a:extLst>
-              <a:ext uri="{FF2B5EF4-FFF2-40B4-BE49-F238E27FC236}">
-                <a16:creationId xmlns:a16="http://schemas.microsoft.com/office/drawing/2014/main" id="{5CDD6A46-5FBE-4832-9A13-D832F4C6D792}"/>
-              </a:ext>
-            </a:extLst>
-          </p:cNvPr>
+          <p:cNvPr id="6" name="Slide Number Placeholder 3"/>
           <p:cNvSpPr>
             <a:spLocks noGrp="1"/>
           </p:cNvSpPr>
@@ -2832,7 +5335,7 @@
     </p:spTree>
     <p:extLst>
       <p:ext uri="{BB962C8B-B14F-4D97-AF65-F5344CB8AC3E}">
-        <p14:creationId xmlns:p14="http://schemas.microsoft.com/office/powerpoint/2010/main" val="2227389914"/>
+        <p14:creationId xmlns:p14="http://schemas.microsoft.com/office/powerpoint/2010/main" val="2841755914"/>
       </p:ext>
     </p:extLst>
   </p:cSld>
@@ -2861,13 +5364,7 @@
       </p:grpSpPr>
       <p:sp>
         <p:nvSpPr>
-          <p:cNvPr id="2" name="Title 1">
-            <a:extLst>
-              <a:ext uri="{FF2B5EF4-FFF2-40B4-BE49-F238E27FC236}">
-                <a16:creationId xmlns:a16="http://schemas.microsoft.com/office/drawing/2014/main" id="{293D1FDD-3000-4B18-9FF2-51C09518F80A}"/>
-              </a:ext>
-            </a:extLst>
-          </p:cNvPr>
+          <p:cNvPr id="2" name="Title 1"/>
           <p:cNvSpPr>
             <a:spLocks noGrp="1"/>
           </p:cNvSpPr>
@@ -2877,15 +5374,15 @@
         </p:nvSpPr>
         <p:spPr>
           <a:xfrm>
-            <a:off x="839788" y="457200"/>
-            <a:ext cx="3932237" cy="1600200"/>
+            <a:off x="1154953" y="1447800"/>
+            <a:ext cx="3401064" cy="1447800"/>
           </a:xfrm>
         </p:spPr>
         <p:txBody>
           <a:bodyPr anchor="b"/>
           <a:lstStyle>
-            <a:lvl1pPr>
-              <a:defRPr sz="3200"/>
+            <a:lvl1pPr algn="l">
+              <a:defRPr sz="2400" b="0"/>
             </a:lvl1pPr>
           </a:lstStyle>
           <a:p>
@@ -2893,18 +5390,13 @@
               <a:rPr lang="en-US"/>
               <a:t>Click to edit Master title style</a:t>
             </a:r>
-          </a:p>
-        </p:txBody>
-      </p:sp>
-      <p:sp>
-        <p:nvSpPr>
-          <p:cNvPr id="3" name="Content Placeholder 2">
-            <a:extLst>
-              <a:ext uri="{FF2B5EF4-FFF2-40B4-BE49-F238E27FC236}">
-                <a16:creationId xmlns:a16="http://schemas.microsoft.com/office/drawing/2014/main" id="{78CA263A-C3FE-47BE-ADEC-47998C635ED5}"/>
-              </a:ext>
-            </a:extLst>
-          </p:cNvPr>
+            <a:endParaRPr lang="en-US" dirty="0"/>
+          </a:p>
+        </p:txBody>
+      </p:sp>
+      <p:sp>
+        <p:nvSpPr>
+          <p:cNvPr id="3" name="Content Placeholder 2"/>
           <p:cNvSpPr>
             <a:spLocks noGrp="1"/>
           </p:cNvSpPr>
@@ -2914,39 +5406,41 @@
         </p:nvSpPr>
         <p:spPr>
           <a:xfrm>
-            <a:off x="5183188" y="987425"/>
-            <a:ext cx="6172200" cy="4873625"/>
+            <a:off x="4784616" y="1447800"/>
+            <a:ext cx="5195997" cy="4572000"/>
           </a:xfrm>
         </p:spPr>
         <p:txBody>
-          <a:bodyPr/>
+          <a:bodyPr anchor="ctr">
+            <a:normAutofit/>
+          </a:bodyPr>
           <a:lstStyle>
             <a:lvl1pPr>
-              <a:defRPr sz="3200"/>
+              <a:defRPr sz="2000"/>
             </a:lvl1pPr>
             <a:lvl2pPr>
-              <a:defRPr sz="2800"/>
+              <a:defRPr sz="1800"/>
             </a:lvl2pPr>
             <a:lvl3pPr>
-              <a:defRPr sz="2400"/>
+              <a:defRPr sz="1600"/>
             </a:lvl3pPr>
             <a:lvl4pPr>
-              <a:defRPr sz="2000"/>
+              <a:defRPr sz="1400"/>
             </a:lvl4pPr>
             <a:lvl5pPr>
-              <a:defRPr sz="2000"/>
+              <a:defRPr sz="1400"/>
             </a:lvl5pPr>
             <a:lvl6pPr>
-              <a:defRPr sz="2000"/>
+              <a:defRPr sz="1400"/>
             </a:lvl6pPr>
             <a:lvl7pPr>
-              <a:defRPr sz="2000"/>
+              <a:defRPr sz="1400"/>
             </a:lvl7pPr>
             <a:lvl8pPr>
-              <a:defRPr sz="2000"/>
+              <a:defRPr sz="1400"/>
             </a:lvl8pPr>
             <a:lvl9pPr>
-              <a:defRPr sz="2000"/>
+              <a:defRPr sz="1400"/>
             </a:lvl9pPr>
           </a:lstStyle>
           <a:p>
@@ -2983,18 +5477,13 @@
               <a:rPr lang="en-US"/>
               <a:t>Fifth level</a:t>
             </a:r>
-          </a:p>
-        </p:txBody>
-      </p:sp>
-      <p:sp>
-        <p:nvSpPr>
-          <p:cNvPr id="4" name="Text Placeholder 3">
-            <a:extLst>
-              <a:ext uri="{FF2B5EF4-FFF2-40B4-BE49-F238E27FC236}">
-                <a16:creationId xmlns:a16="http://schemas.microsoft.com/office/drawing/2014/main" id="{80D79893-8437-4AC7-B258-E7DCFC1F960D}"/>
-              </a:ext>
-            </a:extLst>
-          </p:cNvPr>
+            <a:endParaRPr lang="en-US" dirty="0"/>
+          </a:p>
+        </p:txBody>
+      </p:sp>
+      <p:sp>
+        <p:nvSpPr>
+          <p:cNvPr id="4" name="Text Placeholder 3"/>
           <p:cNvSpPr>
             <a:spLocks noGrp="1"/>
           </p:cNvSpPr>
@@ -3004,8 +5493,8 @@
         </p:nvSpPr>
         <p:spPr>
           <a:xfrm>
-            <a:off x="839788" y="2057400"/>
-            <a:ext cx="3932237" cy="3811588"/>
+            <a:off x="1154953" y="3129280"/>
+            <a:ext cx="3401063" cy="2895599"/>
           </a:xfrm>
         </p:spPr>
         <p:txBody>
@@ -3013,39 +5502,39 @@
           <a:lstStyle>
             <a:lvl1pPr marL="0" indent="0">
               <a:buNone/>
-              <a:defRPr sz="1600"/>
+              <a:defRPr sz="1400"/>
             </a:lvl1pPr>
             <a:lvl2pPr marL="457200" indent="0">
               <a:buNone/>
-              <a:defRPr sz="1400"/>
+              <a:defRPr sz="1200"/>
             </a:lvl2pPr>
             <a:lvl3pPr marL="914400" indent="0">
               <a:buNone/>
-              <a:defRPr sz="1200"/>
+              <a:defRPr sz="1000"/>
             </a:lvl3pPr>
             <a:lvl4pPr marL="1371600" indent="0">
               <a:buNone/>
-              <a:defRPr sz="1000"/>
+              <a:defRPr sz="900"/>
             </a:lvl4pPr>
             <a:lvl5pPr marL="1828800" indent="0">
               <a:buNone/>
-              <a:defRPr sz="1000"/>
+              <a:defRPr sz="900"/>
             </a:lvl5pPr>
             <a:lvl6pPr marL="2286000" indent="0">
               <a:buNone/>
-              <a:defRPr sz="1000"/>
+              <a:defRPr sz="900"/>
             </a:lvl6pPr>
             <a:lvl7pPr marL="2743200" indent="0">
               <a:buNone/>
-              <a:defRPr sz="1000"/>
+              <a:defRPr sz="900"/>
             </a:lvl7pPr>
             <a:lvl8pPr marL="3200400" indent="0">
               <a:buNone/>
-              <a:defRPr sz="1000"/>
+              <a:defRPr sz="900"/>
             </a:lvl8pPr>
             <a:lvl9pPr marL="3657600" indent="0">
               <a:buNone/>
-              <a:defRPr sz="1000"/>
+              <a:defRPr sz="900"/>
             </a:lvl9pPr>
           </a:lstStyle>
           <a:p>
@@ -3059,13 +5548,7 @@
       </p:sp>
       <p:sp>
         <p:nvSpPr>
-          <p:cNvPr id="5" name="Date Placeholder 4">
-            <a:extLst>
-              <a:ext uri="{FF2B5EF4-FFF2-40B4-BE49-F238E27FC236}">
-                <a16:creationId xmlns:a16="http://schemas.microsoft.com/office/drawing/2014/main" id="{1CA57962-CB16-48B3-9B54-6DC89848880E}"/>
-              </a:ext>
-            </a:extLst>
-          </p:cNvPr>
+          <p:cNvPr id="7" name="Date Placeholder 4"/>
           <p:cNvSpPr>
             <a:spLocks noGrp="1"/>
           </p:cNvSpPr>
@@ -3088,13 +5571,7 @@
       </p:sp>
       <p:sp>
         <p:nvSpPr>
-          <p:cNvPr id="6" name="Footer Placeholder 5">
-            <a:extLst>
-              <a:ext uri="{FF2B5EF4-FFF2-40B4-BE49-F238E27FC236}">
-                <a16:creationId xmlns:a16="http://schemas.microsoft.com/office/drawing/2014/main" id="{0960FBFF-A507-4540-B3CD-357C26E3818B}"/>
-              </a:ext>
-            </a:extLst>
-          </p:cNvPr>
+          <p:cNvPr id="5" name="Footer Placeholder 5"/>
           <p:cNvSpPr>
             <a:spLocks noGrp="1"/>
           </p:cNvSpPr>
@@ -3113,13 +5590,7 @@
       </p:sp>
       <p:sp>
         <p:nvSpPr>
-          <p:cNvPr id="7" name="Slide Number Placeholder 6">
-            <a:extLst>
-              <a:ext uri="{FF2B5EF4-FFF2-40B4-BE49-F238E27FC236}">
-                <a16:creationId xmlns:a16="http://schemas.microsoft.com/office/drawing/2014/main" id="{8B33600C-0B02-4E67-8850-19EB29E3F2AC}"/>
-              </a:ext>
-            </a:extLst>
-          </p:cNvPr>
+          <p:cNvPr id="6" name="Slide Number Placeholder 6"/>
           <p:cNvSpPr>
             <a:spLocks noGrp="1"/>
           </p:cNvSpPr>
@@ -3143,7 +5614,7 @@
     </p:spTree>
     <p:extLst>
       <p:ext uri="{BB962C8B-B14F-4D97-AF65-F5344CB8AC3E}">
-        <p14:creationId xmlns:p14="http://schemas.microsoft.com/office/powerpoint/2010/main" val="3530923714"/>
+        <p14:creationId xmlns:p14="http://schemas.microsoft.com/office/powerpoint/2010/main" val="1820270679"/>
       </p:ext>
     </p:extLst>
   </p:cSld>
@@ -3172,13 +5643,7 @@
       </p:grpSpPr>
       <p:sp>
         <p:nvSpPr>
-          <p:cNvPr id="2" name="Title 1">
-            <a:extLst>
-              <a:ext uri="{FF2B5EF4-FFF2-40B4-BE49-F238E27FC236}">
-                <a16:creationId xmlns:a16="http://schemas.microsoft.com/office/drawing/2014/main" id="{E551C25B-23A8-486D-8BA8-9FD903A7BBD7}"/>
-              </a:ext>
-            </a:extLst>
-          </p:cNvPr>
+          <p:cNvPr id="2" name="Title 1"/>
           <p:cNvSpPr>
             <a:spLocks noGrp="1"/>
           </p:cNvSpPr>
@@ -3188,15 +5653,17 @@
         </p:nvSpPr>
         <p:spPr>
           <a:xfrm>
-            <a:off x="839788" y="457200"/>
-            <a:ext cx="3932237" cy="1600200"/>
+            <a:off x="1153907" y="1854192"/>
+            <a:ext cx="5092906" cy="1574808"/>
           </a:xfrm>
         </p:spPr>
         <p:txBody>
-          <a:bodyPr anchor="b"/>
+          <a:bodyPr anchor="b">
+            <a:normAutofit/>
+          </a:bodyPr>
           <a:lstStyle>
-            <a:lvl1pPr>
-              <a:defRPr sz="3200"/>
+            <a:lvl1pPr algn="l">
+              <a:defRPr sz="3600" b="0"/>
             </a:lvl1pPr>
           </a:lstStyle>
           <a:p>
@@ -3204,20 +5671,15 @@
               <a:rPr lang="en-US"/>
               <a:t>Click to edit Master title style</a:t>
             </a:r>
-          </a:p>
-        </p:txBody>
-      </p:sp>
-      <p:sp>
-        <p:nvSpPr>
-          <p:cNvPr id="3" name="Picture Placeholder 2">
-            <a:extLst>
-              <a:ext uri="{FF2B5EF4-FFF2-40B4-BE49-F238E27FC236}">
-                <a16:creationId xmlns:a16="http://schemas.microsoft.com/office/drawing/2014/main" id="{F579E02B-2226-407C-9EFF-5EA0A1DB28D7}"/>
-              </a:ext>
-            </a:extLst>
-          </p:cNvPr>
-          <p:cNvSpPr>
-            <a:spLocks noGrp="1"/>
+            <a:endParaRPr lang="en-US" dirty="0"/>
+          </a:p>
+        </p:txBody>
+      </p:sp>
+      <p:sp>
+        <p:nvSpPr>
+          <p:cNvPr id="3" name="Picture Placeholder 2"/>
+          <p:cNvSpPr>
+            <a:spLocks noGrp="1" noChangeAspect="1"/>
           </p:cNvSpPr>
           <p:nvPr>
             <p:ph type="pic" idx="1"/>
@@ -3225,118 +5687,132 @@
         </p:nvSpPr>
         <p:spPr>
           <a:xfrm>
-            <a:off x="5183188" y="987425"/>
-            <a:ext cx="6172200" cy="4873625"/>
+            <a:off x="6949546" y="1143000"/>
+            <a:ext cx="3200400" cy="4572000"/>
           </a:xfrm>
+          <a:prstGeom prst="roundRect">
+            <a:avLst>
+              <a:gd name="adj" fmla="val 1858"/>
+            </a:avLst>
+          </a:prstGeom>
+          <a:effectLst>
+            <a:outerShdw blurRad="50800" dist="50800" dir="5400000" algn="tl" rotWithShape="0">
+              <a:srgbClr val="000000">
+                <a:alpha val="43000"/>
+              </a:srgbClr>
+            </a:outerShdw>
+          </a:effectLst>
         </p:spPr>
         <p:txBody>
-          <a:bodyPr/>
+          <a:bodyPr anchor="t">
+            <a:normAutofit/>
+          </a:bodyPr>
           <a:lstStyle>
-            <a:lvl1pPr marL="0" indent="0">
-              <a:buNone/>
-              <a:defRPr sz="3200"/>
-            </a:lvl1pPr>
-            <a:lvl2pPr marL="457200" indent="0">
-              <a:buNone/>
-              <a:defRPr sz="2800"/>
-            </a:lvl2pPr>
-            <a:lvl3pPr marL="914400" indent="0">
-              <a:buNone/>
-              <a:defRPr sz="2400"/>
-            </a:lvl3pPr>
-            <a:lvl4pPr marL="1371600" indent="0">
-              <a:buNone/>
-              <a:defRPr sz="2000"/>
-            </a:lvl4pPr>
-            <a:lvl5pPr marL="1828800" indent="0">
-              <a:buNone/>
-              <a:defRPr sz="2000"/>
-            </a:lvl5pPr>
-            <a:lvl6pPr marL="2286000" indent="0">
-              <a:buNone/>
-              <a:defRPr sz="2000"/>
-            </a:lvl6pPr>
-            <a:lvl7pPr marL="2743200" indent="0">
-              <a:buNone/>
-              <a:defRPr sz="2000"/>
-            </a:lvl7pPr>
-            <a:lvl8pPr marL="3200400" indent="0">
-              <a:buNone/>
-              <a:defRPr sz="2000"/>
-            </a:lvl8pPr>
-            <a:lvl9pPr marL="3657600" indent="0">
-              <a:buNone/>
-              <a:defRPr sz="2000"/>
-            </a:lvl9pPr>
-          </a:lstStyle>
-          <a:p>
-            <a:endParaRPr lang="en-US"/>
-          </a:p>
-        </p:txBody>
-      </p:sp>
-      <p:sp>
-        <p:nvSpPr>
-          <p:cNvPr id="4" name="Text Placeholder 3">
-            <a:extLst>
-              <a:ext uri="{FF2B5EF4-FFF2-40B4-BE49-F238E27FC236}">
-                <a16:creationId xmlns:a16="http://schemas.microsoft.com/office/drawing/2014/main" id="{21DCB025-75C9-4D61-AFDB-6A15510FA164}"/>
-              </a:ext>
-            </a:extLst>
-          </p:cNvPr>
-          <p:cNvSpPr>
-            <a:spLocks noGrp="1"/>
-          </p:cNvSpPr>
-          <p:nvPr>
-            <p:ph type="body" sz="half" idx="2"/>
-          </p:nvPr>
-        </p:nvSpPr>
-        <p:spPr>
-          <a:xfrm>
-            <a:off x="839788" y="2057400"/>
-            <a:ext cx="3932237" cy="3811588"/>
-          </a:xfrm>
-        </p:spPr>
-        <p:txBody>
-          <a:bodyPr/>
-          <a:lstStyle>
-            <a:lvl1pPr marL="0" indent="0">
+            <a:lvl1pPr marL="0" indent="0" algn="ctr">
               <a:buNone/>
               <a:defRPr sz="1600"/>
             </a:lvl1pPr>
             <a:lvl2pPr marL="457200" indent="0">
               <a:buNone/>
-              <a:defRPr sz="1400"/>
+              <a:defRPr sz="1600"/>
             </a:lvl2pPr>
             <a:lvl3pPr marL="914400" indent="0">
               <a:buNone/>
-              <a:defRPr sz="1200"/>
+              <a:defRPr sz="1600"/>
             </a:lvl3pPr>
             <a:lvl4pPr marL="1371600" indent="0">
               <a:buNone/>
-              <a:defRPr sz="1000"/>
+              <a:defRPr sz="1600"/>
             </a:lvl4pPr>
             <a:lvl5pPr marL="1828800" indent="0">
               <a:buNone/>
-              <a:defRPr sz="1000"/>
+              <a:defRPr sz="1600"/>
             </a:lvl5pPr>
             <a:lvl6pPr marL="2286000" indent="0">
               <a:buNone/>
-              <a:defRPr sz="1000"/>
+              <a:defRPr sz="1600"/>
             </a:lvl6pPr>
             <a:lvl7pPr marL="2743200" indent="0">
               <a:buNone/>
-              <a:defRPr sz="1000"/>
+              <a:defRPr sz="1600"/>
             </a:lvl7pPr>
             <a:lvl8pPr marL="3200400" indent="0">
               <a:buNone/>
-              <a:defRPr sz="1000"/>
+              <a:defRPr sz="1600"/>
             </a:lvl8pPr>
             <a:lvl9pPr marL="3657600" indent="0">
               <a:buNone/>
-              <a:defRPr sz="1000"/>
+              <a:defRPr sz="1600"/>
             </a:lvl9pPr>
           </a:lstStyle>
           <a:p>
+            <a:r>
+              <a:rPr lang="en-US"/>
+              <a:t>Click icon to add picture</a:t>
+            </a:r>
+            <a:endParaRPr lang="en-US" dirty="0"/>
+          </a:p>
+        </p:txBody>
+      </p:sp>
+      <p:sp>
+        <p:nvSpPr>
+          <p:cNvPr id="4" name="Text Placeholder 3"/>
+          <p:cNvSpPr>
+            <a:spLocks noGrp="1"/>
+          </p:cNvSpPr>
+          <p:nvPr>
+            <p:ph type="body" sz="half" idx="2"/>
+          </p:nvPr>
+        </p:nvSpPr>
+        <p:spPr>
+          <a:xfrm>
+            <a:off x="1154954" y="3657600"/>
+            <a:ext cx="5084979" cy="1371600"/>
+          </a:xfrm>
+        </p:spPr>
+        <p:txBody>
+          <a:bodyPr>
+            <a:normAutofit/>
+          </a:bodyPr>
+          <a:lstStyle>
+            <a:lvl1pPr marL="0" indent="0">
+              <a:buNone/>
+              <a:defRPr sz="1400"/>
+            </a:lvl1pPr>
+            <a:lvl2pPr marL="457200" indent="0">
+              <a:buNone/>
+              <a:defRPr sz="1200"/>
+            </a:lvl2pPr>
+            <a:lvl3pPr marL="914400" indent="0">
+              <a:buNone/>
+              <a:defRPr sz="1000"/>
+            </a:lvl3pPr>
+            <a:lvl4pPr marL="1371600" indent="0">
+              <a:buNone/>
+              <a:defRPr sz="900"/>
+            </a:lvl4pPr>
+            <a:lvl5pPr marL="1828800" indent="0">
+              <a:buNone/>
+              <a:defRPr sz="900"/>
+            </a:lvl5pPr>
+            <a:lvl6pPr marL="2286000" indent="0">
+              <a:buNone/>
+              <a:defRPr sz="900"/>
+            </a:lvl6pPr>
+            <a:lvl7pPr marL="2743200" indent="0">
+              <a:buNone/>
+              <a:defRPr sz="900"/>
+            </a:lvl7pPr>
+            <a:lvl8pPr marL="3200400" indent="0">
+              <a:buNone/>
+              <a:defRPr sz="900"/>
+            </a:lvl8pPr>
+            <a:lvl9pPr marL="3657600" indent="0">
+              <a:buNone/>
+              <a:defRPr sz="900"/>
+            </a:lvl9pPr>
+          </a:lstStyle>
+          <a:p>
             <a:pPr lvl="0"/>
             <a:r>
               <a:rPr lang="en-US"/>
@@ -3347,13 +5823,7 @@
       </p:sp>
       <p:sp>
         <p:nvSpPr>
-          <p:cNvPr id="5" name="Date Placeholder 4">
-            <a:extLst>
-              <a:ext uri="{FF2B5EF4-FFF2-40B4-BE49-F238E27FC236}">
-                <a16:creationId xmlns:a16="http://schemas.microsoft.com/office/drawing/2014/main" id="{812390FD-A489-4F7B-9FBF-3345F2AD3B92}"/>
-              </a:ext>
-            </a:extLst>
-          </p:cNvPr>
+          <p:cNvPr id="5" name="Date Placeholder 4"/>
           <p:cNvSpPr>
             <a:spLocks noGrp="1"/>
           </p:cNvSpPr>
@@ -3376,13 +5846,7 @@
       </p:sp>
       <p:sp>
         <p:nvSpPr>
-          <p:cNvPr id="6" name="Footer Placeholder 5">
-            <a:extLst>
-              <a:ext uri="{FF2B5EF4-FFF2-40B4-BE49-F238E27FC236}">
-                <a16:creationId xmlns:a16="http://schemas.microsoft.com/office/drawing/2014/main" id="{014623F9-EFF8-4431-BEFB-DBB4074D3520}"/>
-              </a:ext>
-            </a:extLst>
-          </p:cNvPr>
+          <p:cNvPr id="6" name="Footer Placeholder 5"/>
           <p:cNvSpPr>
             <a:spLocks noGrp="1"/>
           </p:cNvSpPr>
@@ -3401,13 +5865,7 @@
       </p:sp>
       <p:sp>
         <p:nvSpPr>
-          <p:cNvPr id="7" name="Slide Number Placeholder 6">
-            <a:extLst>
-              <a:ext uri="{FF2B5EF4-FFF2-40B4-BE49-F238E27FC236}">
-                <a16:creationId xmlns:a16="http://schemas.microsoft.com/office/drawing/2014/main" id="{A52A53E5-7BFC-4F46-AE13-0266EB2A2FF3}"/>
-              </a:ext>
-            </a:extLst>
-          </p:cNvPr>
+          <p:cNvPr id="7" name="Slide Number Placeholder 6"/>
           <p:cNvSpPr>
             <a:spLocks noGrp="1"/>
           </p:cNvSpPr>
@@ -3431,7 +5889,7 @@
     </p:spTree>
     <p:extLst>
       <p:ext uri="{BB962C8B-B14F-4D97-AF65-F5344CB8AC3E}">
-        <p14:creationId xmlns:p14="http://schemas.microsoft.com/office/powerpoint/2010/main" val="1377084288"/>
+        <p14:creationId xmlns:p14="http://schemas.microsoft.com/office/powerpoint/2010/main" val="413649075"/>
       </p:ext>
     </p:extLst>
   </p:cSld>
@@ -3445,8 +5903,8 @@
 <p:sldMaster xmlns:a="http://schemas.openxmlformats.org/drawingml/2006/main" xmlns:r="http://schemas.openxmlformats.org/officeDocument/2006/relationships" xmlns:p="http://schemas.openxmlformats.org/presentationml/2006/main">
   <p:cSld>
     <p:bg>
-      <p:bgRef idx="1001">
-        <a:schemeClr val="bg1"/>
+      <p:bgRef idx="1003">
+        <a:schemeClr val="bg2"/>
       </p:bgRef>
     </p:bg>
     <p:spTree>
@@ -3463,141 +5921,420 @@
           <a:chExt cx="0" cy="0"/>
         </a:xfrm>
       </p:grpSpPr>
-      <p:sp>
-        <p:nvSpPr>
-          <p:cNvPr id="2" name="Title Placeholder 1">
+      <p:pic>
+        <p:nvPicPr>
+          <p:cNvPr id="8" name="Picture 7"/>
+          <p:cNvPicPr>
+            <a:picLocks noChangeAspect="1"/>
+          </p:cNvPicPr>
+          <p:nvPr/>
+        </p:nvPicPr>
+        <p:blipFill rotWithShape="1">
+          <a:blip r:embed="rId19">
             <a:extLst>
-              <a:ext uri="{FF2B5EF4-FFF2-40B4-BE49-F238E27FC236}">
-                <a16:creationId xmlns:a16="http://schemas.microsoft.com/office/drawing/2014/main" id="{BF5DBAFC-D15B-4E04-AFCD-487DCAE1CCAE}"/>
+              <a:ext uri="{28A0092B-C50C-407E-A947-70E740481C1C}">
+                <a14:useLocalDpi xmlns:a14="http://schemas.microsoft.com/office/drawing/2010/main" val="0"/>
               </a:ext>
             </a:extLst>
-          </p:cNvPr>
-          <p:cNvSpPr>
-            <a:spLocks noGrp="1"/>
-          </p:cNvSpPr>
-          <p:nvPr>
-            <p:ph type="title"/>
-          </p:nvPr>
-        </p:nvSpPr>
+          </a:blip>
+          <a:srcRect l="3613"/>
+          <a:stretch/>
+        </p:blipFill>
         <p:spPr>
           <a:xfrm>
-            <a:off x="838200" y="365125"/>
-            <a:ext cx="10515600" cy="1325563"/>
+            <a:off x="0" y="2669685"/>
+            <a:ext cx="4037012" cy="4188315"/>
           </a:xfrm>
           <a:prstGeom prst="rect">
             <a:avLst/>
           </a:prstGeom>
         </p:spPr>
-        <p:txBody>
-          <a:bodyPr vert="horz" lIns="91440" tIns="45720" rIns="91440" bIns="45720" rtlCol="0" anchor="ctr">
-            <a:normAutofit/>
-          </a:bodyPr>
-          <a:lstStyle/>
-          <a:p>
-            <a:r>
-              <a:rPr lang="en-US"/>
-              <a:t>Click to edit Master title style</a:t>
-            </a:r>
-          </a:p>
-        </p:txBody>
-      </p:sp>
-      <p:sp>
-        <p:nvSpPr>
-          <p:cNvPr id="3" name="Text Placeholder 2">
+      </p:pic>
+      <p:pic>
+        <p:nvPicPr>
+          <p:cNvPr id="7" name="Picture 6"/>
+          <p:cNvPicPr>
+            <a:picLocks noChangeAspect="1"/>
+          </p:cNvPicPr>
+          <p:nvPr/>
+        </p:nvPicPr>
+        <p:blipFill rotWithShape="1">
+          <a:blip r:embed="rId20">
             <a:extLst>
-              <a:ext uri="{FF2B5EF4-FFF2-40B4-BE49-F238E27FC236}">
-                <a16:creationId xmlns:a16="http://schemas.microsoft.com/office/drawing/2014/main" id="{3710DB1E-A306-4FB4-A057-79FD4208CC75}"/>
+              <a:ext uri="{28A0092B-C50C-407E-A947-70E740481C1C}">
+                <a14:useLocalDpi xmlns:a14="http://schemas.microsoft.com/office/drawing/2010/main" val="0"/>
               </a:ext>
             </a:extLst>
-          </p:cNvPr>
-          <p:cNvSpPr>
-            <a:spLocks noGrp="1"/>
-          </p:cNvSpPr>
-          <p:nvPr>
-            <p:ph type="body" idx="1"/>
-          </p:nvPr>
-        </p:nvSpPr>
+          </a:blip>
+          <a:srcRect l="35640"/>
+          <a:stretch/>
+        </p:blipFill>
         <p:spPr>
           <a:xfrm>
-            <a:off x="838200" y="1825625"/>
-            <a:ext cx="10515600" cy="4351338"/>
+            <a:off x="0" y="2892347"/>
+            <a:ext cx="1522412" cy="2365453"/>
           </a:xfrm>
           <a:prstGeom prst="rect">
             <a:avLst/>
           </a:prstGeom>
         </p:spPr>
-        <p:txBody>
-          <a:bodyPr vert="horz" lIns="91440" tIns="45720" rIns="91440" bIns="45720" rtlCol="0">
-            <a:normAutofit/>
-          </a:bodyPr>
-          <a:lstStyle/>
-          <a:p>
-            <a:pPr lvl="0"/>
-            <a:r>
-              <a:rPr lang="en-US"/>
-              <a:t>Edit Master text styles</a:t>
-            </a:r>
-          </a:p>
-          <a:p>
-            <a:pPr lvl="1"/>
-            <a:r>
-              <a:rPr lang="en-US"/>
-              <a:t>Second level</a:t>
-            </a:r>
-          </a:p>
-          <a:p>
-            <a:pPr lvl="2"/>
-            <a:r>
-              <a:rPr lang="en-US"/>
-              <a:t>Third level</a:t>
-            </a:r>
-          </a:p>
-          <a:p>
-            <a:pPr lvl="3"/>
-            <a:r>
-              <a:rPr lang="en-US"/>
-              <a:t>Fourth level</a:t>
-            </a:r>
-          </a:p>
-          <a:p>
-            <a:pPr lvl="4"/>
-            <a:r>
-              <a:rPr lang="en-US"/>
-              <a:t>Fifth level</a:t>
-            </a:r>
-          </a:p>
-        </p:txBody>
-      </p:sp>
-      <p:sp>
-        <p:nvSpPr>
-          <p:cNvPr id="4" name="Date Placeholder 3">
+      </p:pic>
+      <p:sp>
+        <p:nvSpPr>
+          <p:cNvPr id="16" name="Oval 15"/>
+          <p:cNvSpPr/>
+          <p:nvPr/>
+        </p:nvSpPr>
+        <p:spPr>
+          <a:xfrm>
+            <a:off x="8609012" y="1676400"/>
+            <a:ext cx="2819400" cy="2819400"/>
+          </a:xfrm>
+          <a:prstGeom prst="ellipse">
+            <a:avLst/>
+          </a:prstGeom>
+          <a:gradFill flip="none" rotWithShape="1">
+            <a:gsLst>
+              <a:gs pos="0">
+                <a:schemeClr val="bg2">
+                  <a:lumMod val="60000"/>
+                  <a:lumOff val="40000"/>
+                  <a:alpha val="7000"/>
+                </a:schemeClr>
+              </a:gs>
+              <a:gs pos="69000">
+                <a:schemeClr val="bg2">
+                  <a:lumMod val="60000"/>
+                  <a:lumOff val="40000"/>
+                  <a:alpha val="0"/>
+                </a:schemeClr>
+              </a:gs>
+              <a:gs pos="36000">
+                <a:schemeClr val="bg2">
+                  <a:lumMod val="60000"/>
+                  <a:lumOff val="40000"/>
+                  <a:alpha val="6000"/>
+                </a:schemeClr>
+              </a:gs>
+            </a:gsLst>
+            <a:path path="circle">
+              <a:fillToRect l="50000" t="50000" r="50000" b="50000"/>
+            </a:path>
+            <a:tileRect/>
+          </a:gradFill>
+          <a:ln>
+            <a:noFill/>
+          </a:ln>
+          <a:effectLst/>
+        </p:spPr>
+        <p:style>
+          <a:lnRef idx="1">
+            <a:schemeClr val="accent1"/>
+          </a:lnRef>
+          <a:fillRef idx="3">
+            <a:schemeClr val="accent1"/>
+          </a:fillRef>
+          <a:effectRef idx="2">
+            <a:schemeClr val="accent1"/>
+          </a:effectRef>
+          <a:fontRef idx="minor">
+            <a:schemeClr val="lt1"/>
+          </a:fontRef>
+        </p:style>
+      </p:sp>
+      <p:pic>
+        <p:nvPicPr>
+          <p:cNvPr id="9" name="Picture 8"/>
+          <p:cNvPicPr>
+            <a:picLocks noChangeAspect="1"/>
+          </p:cNvPicPr>
+          <p:nvPr/>
+        </p:nvPicPr>
+        <p:blipFill rotWithShape="1">
+          <a:blip r:embed="rId21">
             <a:extLst>
-              <a:ext uri="{FF2B5EF4-FFF2-40B4-BE49-F238E27FC236}">
-                <a16:creationId xmlns:a16="http://schemas.microsoft.com/office/drawing/2014/main" id="{C3062C77-9FBC-44DD-9B20-7A7CE59C4662}"/>
+              <a:ext uri="{28A0092B-C50C-407E-A947-70E740481C1C}">
+                <a14:useLocalDpi xmlns:a14="http://schemas.microsoft.com/office/drawing/2010/main" val="0"/>
               </a:ext>
             </a:extLst>
-          </p:cNvPr>
-          <p:cNvSpPr>
-            <a:spLocks noGrp="1"/>
-          </p:cNvSpPr>
-          <p:nvPr>
-            <p:ph type="dt" sz="half" idx="2"/>
-          </p:nvPr>
-        </p:nvSpPr>
+          </a:blip>
+          <a:srcRect t="28813"/>
+          <a:stretch/>
+        </p:blipFill>
         <p:spPr>
           <a:xfrm>
-            <a:off x="838200" y="6356350"/>
-            <a:ext cx="2743200" cy="365125"/>
+            <a:off x="7999412" y="0"/>
+            <a:ext cx="1603387" cy="1141407"/>
           </a:xfrm>
           <a:prstGeom prst="rect">
             <a:avLst/>
           </a:prstGeom>
         </p:spPr>
-        <p:txBody>
-          <a:bodyPr vert="horz" lIns="91440" tIns="45720" rIns="91440" bIns="45720" rtlCol="0" anchor="ctr"/>
+      </p:pic>
+      <p:pic>
+        <p:nvPicPr>
+          <p:cNvPr id="10" name="Picture 9"/>
+          <p:cNvPicPr>
+            <a:picLocks noChangeAspect="1"/>
+          </p:cNvPicPr>
+          <p:nvPr/>
+        </p:nvPicPr>
+        <p:blipFill rotWithShape="1">
+          <a:blip r:embed="rId22">
+            <a:extLst>
+              <a:ext uri="{28A0092B-C50C-407E-A947-70E740481C1C}">
+                <a14:useLocalDpi xmlns:a14="http://schemas.microsoft.com/office/drawing/2010/main" val="0"/>
+              </a:ext>
+            </a:extLst>
+          </a:blip>
+          <a:srcRect b="23320"/>
+          <a:stretch/>
+        </p:blipFill>
+        <p:spPr>
+          <a:xfrm>
+            <a:off x="8605878" y="6096000"/>
+            <a:ext cx="993734" cy="762000"/>
+          </a:xfrm>
+          <a:prstGeom prst="rect">
+            <a:avLst/>
+          </a:prstGeom>
+        </p:spPr>
+      </p:pic>
+      <p:sp>
+        <p:nvSpPr>
+          <p:cNvPr id="14" name="Rectangle 13"/>
+          <p:cNvSpPr/>
+          <p:nvPr/>
+        </p:nvSpPr>
+        <p:spPr>
+          <a:xfrm>
+            <a:off x="10437812" y="0"/>
+            <a:ext cx="685800" cy="1143000"/>
+          </a:xfrm>
+          <a:prstGeom prst="rect">
+            <a:avLst/>
+          </a:prstGeom>
+          <a:solidFill>
+            <a:schemeClr val="accent1"/>
+          </a:solidFill>
+          <a:ln>
+            <a:noFill/>
+          </a:ln>
+        </p:spPr>
+        <p:style>
+          <a:lnRef idx="1">
+            <a:schemeClr val="accent1"/>
+          </a:lnRef>
+          <a:fillRef idx="3">
+            <a:schemeClr val="accent1"/>
+          </a:fillRef>
+          <a:effectRef idx="2">
+            <a:schemeClr val="accent1"/>
+          </a:effectRef>
+          <a:fontRef idx="minor">
+            <a:schemeClr val="lt1"/>
+          </a:fontRef>
+        </p:style>
+      </p:sp>
+      <p:sp>
+        <p:nvSpPr>
+          <p:cNvPr id="2" name="Title Placeholder 1"/>
+          <p:cNvSpPr>
+            <a:spLocks noGrp="1"/>
+          </p:cNvSpPr>
+          <p:nvPr>
+            <p:ph type="title"/>
+          </p:nvPr>
+        </p:nvSpPr>
+        <p:spPr>
+          <a:xfrm>
+            <a:off x="646111" y="452718"/>
+            <a:ext cx="9404723" cy="1400530"/>
+          </a:xfrm>
+          <a:prstGeom prst="rect">
+            <a:avLst/>
+          </a:prstGeom>
+        </p:spPr>
+        <p:txBody>
+          <a:bodyPr vert="horz" lIns="91440" tIns="45720" rIns="91440" bIns="45720" rtlCol="0" anchor="t">
+            <a:noAutofit/>
+          </a:bodyPr>
+          <a:lstStyle/>
+          <a:p>
+            <a:r>
+              <a:rPr lang="en-US"/>
+              <a:t>Click to edit Master title style</a:t>
+            </a:r>
+            <a:endParaRPr lang="en-US" dirty="0"/>
+          </a:p>
+        </p:txBody>
+      </p:sp>
+      <p:sp>
+        <p:nvSpPr>
+          <p:cNvPr id="3" name="Text Placeholder 2"/>
+          <p:cNvSpPr>
+            <a:spLocks noGrp="1"/>
+          </p:cNvSpPr>
+          <p:nvPr>
+            <p:ph type="body" idx="1"/>
+          </p:nvPr>
+        </p:nvSpPr>
+        <p:spPr>
+          <a:xfrm>
+            <a:off x="1103312" y="2052918"/>
+            <a:ext cx="8946541" cy="4195481"/>
+          </a:xfrm>
+          <a:prstGeom prst="rect">
+            <a:avLst/>
+          </a:prstGeom>
+        </p:spPr>
+        <p:txBody>
+          <a:bodyPr vert="horz" lIns="91440" tIns="45720" rIns="91440" bIns="45720" rtlCol="0">
+            <a:normAutofit/>
+          </a:bodyPr>
+          <a:lstStyle/>
+          <a:p>
+            <a:pPr lvl="0"/>
+            <a:r>
+              <a:rPr lang="en-US"/>
+              <a:t>Edit Master text styles</a:t>
+            </a:r>
+          </a:p>
+          <a:p>
+            <a:pPr lvl="1"/>
+            <a:r>
+              <a:rPr lang="en-US"/>
+              <a:t>Second level</a:t>
+            </a:r>
+          </a:p>
+          <a:p>
+            <a:pPr lvl="2"/>
+            <a:r>
+              <a:rPr lang="en-US"/>
+              <a:t>Third level</a:t>
+            </a:r>
+          </a:p>
+          <a:p>
+            <a:pPr lvl="3"/>
+            <a:r>
+              <a:rPr lang="en-US"/>
+              <a:t>Fourth level</a:t>
+            </a:r>
+          </a:p>
+          <a:p>
+            <a:pPr lvl="4"/>
+            <a:r>
+              <a:rPr lang="en-US"/>
+              <a:t>Fifth level</a:t>
+            </a:r>
+            <a:endParaRPr lang="en-US" dirty="0"/>
+          </a:p>
+        </p:txBody>
+      </p:sp>
+      <p:sp>
+        <p:nvSpPr>
+          <p:cNvPr id="4" name="Date Placeholder 3"/>
+          <p:cNvSpPr>
+            <a:spLocks noGrp="1"/>
+          </p:cNvSpPr>
+          <p:nvPr>
+            <p:ph type="dt" sz="half" idx="2"/>
+          </p:nvPr>
+        </p:nvSpPr>
+        <p:spPr>
+          <a:xfrm rot="5400000">
+            <a:off x="10155639" y="1790701"/>
+            <a:ext cx="990599" cy="304799"/>
+          </a:xfrm>
+          <a:prstGeom prst="rect">
+            <a:avLst/>
+          </a:prstGeom>
+        </p:spPr>
+        <p:txBody>
+          <a:bodyPr vert="horz" lIns="91440" tIns="45720" rIns="91440" bIns="45720" rtlCol="0" anchor="t"/>
           <a:lstStyle>
             <a:lvl1pPr algn="l">
-              <a:defRPr sz="1200">
+              <a:defRPr sz="1100" b="0" i="0">
+                <a:solidFill>
+                  <a:schemeClr val="tx1">
+                    <a:tint val="75000"/>
+                    <a:alpha val="60000"/>
+                  </a:schemeClr>
+                </a:solidFill>
+              </a:defRPr>
+            </a:lvl1pPr>
+          </a:lstStyle>
+          <a:p>
+            <a:fld id="{BE594A49-0664-4F98-B6CE-606FC87ECC01}" type="datetimeFigureOut">
+              <a:rPr lang="en-US" smtClean="0"/>
+              <a:t>9/22/2017</a:t>
+            </a:fld>
+            <a:endParaRPr lang="en-US"/>
+          </a:p>
+        </p:txBody>
+      </p:sp>
+      <p:sp>
+        <p:nvSpPr>
+          <p:cNvPr id="5" name="Footer Placeholder 4"/>
+          <p:cNvSpPr>
+            <a:spLocks noGrp="1"/>
+          </p:cNvSpPr>
+          <p:nvPr>
+            <p:ph type="ftr" sz="quarter" idx="3"/>
+          </p:nvPr>
+        </p:nvSpPr>
+        <p:spPr>
+          <a:xfrm rot="5400000">
+            <a:off x="8951573" y="3225297"/>
+            <a:ext cx="3859795" cy="304801"/>
+          </a:xfrm>
+          <a:prstGeom prst="rect">
+            <a:avLst/>
+          </a:prstGeom>
+        </p:spPr>
+        <p:txBody>
+          <a:bodyPr vert="horz" lIns="91440" tIns="45720" rIns="91440" bIns="45720" rtlCol="0" anchor="b"/>
+          <a:lstStyle>
+            <a:lvl1pPr algn="l">
+              <a:defRPr sz="1100" b="0" i="0">
+                <a:solidFill>
+                  <a:schemeClr val="tx1">
+                    <a:tint val="75000"/>
+                    <a:alpha val="60000"/>
+                  </a:schemeClr>
+                </a:solidFill>
+              </a:defRPr>
+            </a:lvl1pPr>
+          </a:lstStyle>
+          <a:p>
+            <a:endParaRPr lang="en-US"/>
+          </a:p>
+        </p:txBody>
+      </p:sp>
+      <p:sp>
+        <p:nvSpPr>
+          <p:cNvPr id="6" name="Slide Number Placeholder 5"/>
+          <p:cNvSpPr>
+            <a:spLocks noGrp="1"/>
+          </p:cNvSpPr>
+          <p:nvPr>
+            <p:ph type="sldNum" sz="quarter" idx="4"/>
+          </p:nvPr>
+        </p:nvSpPr>
+        <p:spPr bwMode="gray">
+          <a:xfrm>
+            <a:off x="10352540" y="295729"/>
+            <a:ext cx="838199" cy="767687"/>
+          </a:xfrm>
+          <a:prstGeom prst="rect">
+            <a:avLst/>
+          </a:prstGeom>
+        </p:spPr>
+        <p:txBody>
+          <a:bodyPr vert="horz" lIns="91440" tIns="45720" rIns="91440" bIns="45720" rtlCol="0" anchor="b"/>
+          <a:lstStyle>
+            <a:lvl1pPr algn="ctr">
+              <a:defRPr sz="2800" b="0" i="0">
                 <a:solidFill>
                   <a:schemeClr val="tx1">
                     <a:tint val="75000"/>
@@ -3607,96 +6344,6 @@
             </a:lvl1pPr>
           </a:lstStyle>
           <a:p>
-            <a:fld id="{BE594A49-0664-4F98-B6CE-606FC87ECC01}" type="datetimeFigureOut">
-              <a:rPr lang="en-US" smtClean="0"/>
-              <a:t>9/22/2017</a:t>
-            </a:fld>
-            <a:endParaRPr lang="en-US"/>
-          </a:p>
-        </p:txBody>
-      </p:sp>
-      <p:sp>
-        <p:nvSpPr>
-          <p:cNvPr id="5" name="Footer Placeholder 4">
-            <a:extLst>
-              <a:ext uri="{FF2B5EF4-FFF2-40B4-BE49-F238E27FC236}">
-                <a16:creationId xmlns:a16="http://schemas.microsoft.com/office/drawing/2014/main" id="{50632CE5-28DF-4C7A-8110-65E2BC2439AA}"/>
-              </a:ext>
-            </a:extLst>
-          </p:cNvPr>
-          <p:cNvSpPr>
-            <a:spLocks noGrp="1"/>
-          </p:cNvSpPr>
-          <p:nvPr>
-            <p:ph type="ftr" sz="quarter" idx="3"/>
-          </p:nvPr>
-        </p:nvSpPr>
-        <p:spPr>
-          <a:xfrm>
-            <a:off x="4038600" y="6356350"/>
-            <a:ext cx="4114800" cy="365125"/>
-          </a:xfrm>
-          <a:prstGeom prst="rect">
-            <a:avLst/>
-          </a:prstGeom>
-        </p:spPr>
-        <p:txBody>
-          <a:bodyPr vert="horz" lIns="91440" tIns="45720" rIns="91440" bIns="45720" rtlCol="0" anchor="ctr"/>
-          <a:lstStyle>
-            <a:lvl1pPr algn="ctr">
-              <a:defRPr sz="1200">
-                <a:solidFill>
-                  <a:schemeClr val="tx1">
-                    <a:tint val="75000"/>
-                  </a:schemeClr>
-                </a:solidFill>
-              </a:defRPr>
-            </a:lvl1pPr>
-          </a:lstStyle>
-          <a:p>
-            <a:endParaRPr lang="en-US"/>
-          </a:p>
-        </p:txBody>
-      </p:sp>
-      <p:sp>
-        <p:nvSpPr>
-          <p:cNvPr id="6" name="Slide Number Placeholder 5">
-            <a:extLst>
-              <a:ext uri="{FF2B5EF4-FFF2-40B4-BE49-F238E27FC236}">
-                <a16:creationId xmlns:a16="http://schemas.microsoft.com/office/drawing/2014/main" id="{51E86967-CB82-4126-9C9F-C1330879EC91}"/>
-              </a:ext>
-            </a:extLst>
-          </p:cNvPr>
-          <p:cNvSpPr>
-            <a:spLocks noGrp="1"/>
-          </p:cNvSpPr>
-          <p:nvPr>
-            <p:ph type="sldNum" sz="quarter" idx="4"/>
-          </p:nvPr>
-        </p:nvSpPr>
-        <p:spPr>
-          <a:xfrm>
-            <a:off x="8610600" y="6356350"/>
-            <a:ext cx="2743200" cy="365125"/>
-          </a:xfrm>
-          <a:prstGeom prst="rect">
-            <a:avLst/>
-          </a:prstGeom>
-        </p:spPr>
-        <p:txBody>
-          <a:bodyPr vert="horz" lIns="91440" tIns="45720" rIns="91440" bIns="45720" rtlCol="0" anchor="ctr"/>
-          <a:lstStyle>
-            <a:lvl1pPr algn="r">
-              <a:defRPr sz="1200">
-                <a:solidFill>
-                  <a:schemeClr val="tx1">
-                    <a:tint val="75000"/>
-                  </a:schemeClr>
-                </a:solidFill>
-              </a:defRPr>
-            </a:lvl1pPr>
-          </a:lstStyle>
-          <a:p>
             <a:fld id="{EBB7A26B-6863-4AB1-A8E2-C872A0062DE8}" type="slidenum">
               <a:rPr lang="en-US" smtClean="0"/>
               <a:t>‹#›</a:t>
@@ -3708,35 +6355,121 @@
     </p:spTree>
     <p:extLst>
       <p:ext uri="{BB962C8B-B14F-4D97-AF65-F5344CB8AC3E}">
-        <p14:creationId xmlns:p14="http://schemas.microsoft.com/office/powerpoint/2010/main" val="3180778464"/>
+        <p14:creationId xmlns:p14="http://schemas.microsoft.com/office/powerpoint/2010/main" val="2449290738"/>
       </p:ext>
     </p:extLst>
   </p:cSld>
-  <p:clrMap bg1="lt1" tx1="dk1" bg2="lt2" tx2="dk2" accent1="accent1" accent2="accent2" accent3="accent3" accent4="accent4" accent5="accent5" accent6="accent6" hlink="hlink" folHlink="folHlink"/>
+  <p:clrMap bg1="dk1" tx1="lt1" bg2="dk2" tx2="lt2" accent1="accent1" accent2="accent2" accent3="accent3" accent4="accent4" accent5="accent5" accent6="accent6" hlink="hlink" folHlink="folHlink"/>
   <p:sldLayoutIdLst>
-    <p:sldLayoutId id="2147483649" r:id="rId1"/>
-    <p:sldLayoutId id="2147483650" r:id="rId2"/>
-    <p:sldLayoutId id="2147483651" r:id="rId3"/>
-    <p:sldLayoutId id="2147483652" r:id="rId4"/>
-    <p:sldLayoutId id="2147483653" r:id="rId5"/>
-    <p:sldLayoutId id="2147483654" r:id="rId6"/>
-    <p:sldLayoutId id="2147483655" r:id="rId7"/>
-    <p:sldLayoutId id="2147483656" r:id="rId8"/>
-    <p:sldLayoutId id="2147483657" r:id="rId9"/>
-    <p:sldLayoutId id="2147483658" r:id="rId10"/>
-    <p:sldLayoutId id="2147483659" r:id="rId11"/>
+    <p:sldLayoutId id="2147483727" r:id="rId1"/>
+    <p:sldLayoutId id="2147483728" r:id="rId2"/>
+    <p:sldLayoutId id="2147483729" r:id="rId3"/>
+    <p:sldLayoutId id="2147483730" r:id="rId4"/>
+    <p:sldLayoutId id="2147483731" r:id="rId5"/>
+    <p:sldLayoutId id="2147483732" r:id="rId6"/>
+    <p:sldLayoutId id="2147483733" r:id="rId7"/>
+    <p:sldLayoutId id="2147483734" r:id="rId8"/>
+    <p:sldLayoutId id="2147483735" r:id="rId9"/>
+    <p:sldLayoutId id="2147483736" r:id="rId10"/>
+    <p:sldLayoutId id="2147483737" r:id="rId11"/>
+    <p:sldLayoutId id="2147483738" r:id="rId12"/>
+    <p:sldLayoutId id="2147483739" r:id="rId13"/>
+    <p:sldLayoutId id="2147483740" r:id="rId14"/>
+    <p:sldLayoutId id="2147483741" r:id="rId15"/>
+    <p:sldLayoutId id="2147483742" r:id="rId16"/>
+    <p:sldLayoutId id="2147483743" r:id="rId17"/>
   </p:sldLayoutIdLst>
   <p:txStyles>
     <p:titleStyle>
-      <a:lvl1pPr algn="l" defTabSz="914400" rtl="0" eaLnBrk="1" latinLnBrk="0" hangingPunct="1">
-        <a:lnSpc>
-          <a:spcPct val="90000"/>
-        </a:lnSpc>
+      <a:lvl1pPr algn="l" defTabSz="457200" rtl="0" eaLnBrk="1" latinLnBrk="0" hangingPunct="1">
         <a:spcBef>
           <a:spcPct val="0"/>
         </a:spcBef>
         <a:buNone/>
-        <a:defRPr sz="4400" kern="1200">
+        <a:defRPr sz="4200" b="0" i="0" kern="1200">
+          <a:solidFill>
+            <a:schemeClr val="tx2"/>
+          </a:solidFill>
+          <a:latin typeface="+mj-lt"/>
+          <a:ea typeface="+mj-ea"/>
+          <a:cs typeface="+mj-cs"/>
+        </a:defRPr>
+      </a:lvl1pPr>
+      <a:lvl2pPr eaLnBrk="1" hangingPunct="1">
+        <a:defRPr>
+          <a:solidFill>
+            <a:schemeClr val="tx2"/>
+          </a:solidFill>
+        </a:defRPr>
+      </a:lvl2pPr>
+      <a:lvl3pPr eaLnBrk="1" hangingPunct="1">
+        <a:defRPr>
+          <a:solidFill>
+            <a:schemeClr val="tx2"/>
+          </a:solidFill>
+        </a:defRPr>
+      </a:lvl3pPr>
+      <a:lvl4pPr eaLnBrk="1" hangingPunct="1">
+        <a:defRPr>
+          <a:solidFill>
+            <a:schemeClr val="tx2"/>
+          </a:solidFill>
+        </a:defRPr>
+      </a:lvl4pPr>
+      <a:lvl5pPr eaLnBrk="1" hangingPunct="1">
+        <a:defRPr>
+          <a:solidFill>
+            <a:schemeClr val="tx2"/>
+          </a:solidFill>
+        </a:defRPr>
+      </a:lvl5pPr>
+      <a:lvl6pPr eaLnBrk="1" hangingPunct="1">
+        <a:defRPr>
+          <a:solidFill>
+            <a:schemeClr val="tx2"/>
+          </a:solidFill>
+        </a:defRPr>
+      </a:lvl6pPr>
+      <a:lvl7pPr eaLnBrk="1" hangingPunct="1">
+        <a:defRPr>
+          <a:solidFill>
+            <a:schemeClr val="tx2"/>
+          </a:solidFill>
+        </a:defRPr>
+      </a:lvl7pPr>
+      <a:lvl8pPr eaLnBrk="1" hangingPunct="1">
+        <a:defRPr>
+          <a:solidFill>
+            <a:schemeClr val="tx2"/>
+          </a:solidFill>
+        </a:defRPr>
+      </a:lvl8pPr>
+      <a:lvl9pPr eaLnBrk="1" hangingPunct="1">
+        <a:defRPr>
+          <a:solidFill>
+            <a:schemeClr val="tx2"/>
+          </a:solidFill>
+        </a:defRPr>
+      </a:lvl9pPr>
+    </p:titleStyle>
+    <p:bodyStyle>
+      <a:lvl1pPr marL="342900" indent="-342900" algn="l" defTabSz="457200" rtl="0" eaLnBrk="1" latinLnBrk="0" hangingPunct="1">
+        <a:spcBef>
+          <a:spcPts val="1000"/>
+        </a:spcBef>
+        <a:spcAft>
+          <a:spcPts val="0"/>
+        </a:spcAft>
+        <a:buClr>
+          <a:schemeClr val="bg2">
+            <a:lumMod val="40000"/>
+            <a:lumOff val="60000"/>
+          </a:schemeClr>
+        </a:buClr>
+        <a:buSzPct val="80000"/>
+        <a:buFont typeface="Wingdings 3" charset="2"/>
+        <a:buChar char=""/>
+        <a:defRPr sz="2000" b="0" i="0" kern="1200">
           <a:solidFill>
             <a:schemeClr val="tx1"/>
           </a:solidFill>
@@ -3745,18 +6478,213 @@
           <a:cs typeface="+mj-cs"/>
         </a:defRPr>
       </a:lvl1pPr>
-    </p:titleStyle>
-    <p:bodyStyle>
-      <a:lvl1pPr marL="228600" indent="-228600" algn="l" defTabSz="914400" rtl="0" eaLnBrk="1" latinLnBrk="0" hangingPunct="1">
-        <a:lnSpc>
-          <a:spcPct val="90000"/>
-        </a:lnSpc>
+      <a:lvl2pPr marL="742950" indent="-285750" algn="l" defTabSz="457200" rtl="0" eaLnBrk="1" latinLnBrk="0" hangingPunct="1">
         <a:spcBef>
           <a:spcPts val="1000"/>
         </a:spcBef>
-        <a:buFont typeface="Arial" panose="020B0604020202020204" pitchFamily="34" charset="0"/>
-        <a:buChar char="•"/>
-        <a:defRPr sz="2800" kern="1200">
+        <a:spcAft>
+          <a:spcPts val="0"/>
+        </a:spcAft>
+        <a:buClr>
+          <a:schemeClr val="bg2">
+            <a:lumMod val="40000"/>
+            <a:lumOff val="60000"/>
+          </a:schemeClr>
+        </a:buClr>
+        <a:buSzPct val="80000"/>
+        <a:buFont typeface="Wingdings 3" charset="2"/>
+        <a:buChar char=""/>
+        <a:defRPr sz="1800" b="0" i="0" kern="1200">
+          <a:solidFill>
+            <a:schemeClr val="tx1"/>
+          </a:solidFill>
+          <a:latin typeface="+mj-lt"/>
+          <a:ea typeface="+mj-ea"/>
+          <a:cs typeface="+mj-cs"/>
+        </a:defRPr>
+      </a:lvl2pPr>
+      <a:lvl3pPr marL="1143000" indent="-228600" algn="l" defTabSz="457200" rtl="0" eaLnBrk="1" latinLnBrk="0" hangingPunct="1">
+        <a:spcBef>
+          <a:spcPts val="1000"/>
+        </a:spcBef>
+        <a:spcAft>
+          <a:spcPts val="0"/>
+        </a:spcAft>
+        <a:buClr>
+          <a:schemeClr val="bg2">
+            <a:lumMod val="40000"/>
+            <a:lumOff val="60000"/>
+          </a:schemeClr>
+        </a:buClr>
+        <a:buSzPct val="80000"/>
+        <a:buFont typeface="Wingdings 3" charset="2"/>
+        <a:buChar char=""/>
+        <a:defRPr sz="1600" b="0" i="0" kern="1200">
+          <a:solidFill>
+            <a:schemeClr val="tx1"/>
+          </a:solidFill>
+          <a:latin typeface="+mj-lt"/>
+          <a:ea typeface="+mj-ea"/>
+          <a:cs typeface="+mj-cs"/>
+        </a:defRPr>
+      </a:lvl3pPr>
+      <a:lvl4pPr marL="1600200" indent="-228600" algn="l" defTabSz="457200" rtl="0" eaLnBrk="1" latinLnBrk="0" hangingPunct="1">
+        <a:spcBef>
+          <a:spcPts val="1000"/>
+        </a:spcBef>
+        <a:spcAft>
+          <a:spcPts val="0"/>
+        </a:spcAft>
+        <a:buClr>
+          <a:schemeClr val="bg2">
+            <a:lumMod val="40000"/>
+            <a:lumOff val="60000"/>
+          </a:schemeClr>
+        </a:buClr>
+        <a:buSzPct val="80000"/>
+        <a:buFont typeface="Wingdings 3" charset="2"/>
+        <a:buChar char=""/>
+        <a:defRPr sz="1400" b="0" i="0" kern="1200">
+          <a:solidFill>
+            <a:schemeClr val="tx1"/>
+          </a:solidFill>
+          <a:latin typeface="+mj-lt"/>
+          <a:ea typeface="+mj-ea"/>
+          <a:cs typeface="+mj-cs"/>
+        </a:defRPr>
+      </a:lvl4pPr>
+      <a:lvl5pPr marL="2057400" indent="-228600" algn="l" defTabSz="457200" rtl="0" eaLnBrk="1" latinLnBrk="0" hangingPunct="1">
+        <a:spcBef>
+          <a:spcPts val="1000"/>
+        </a:spcBef>
+        <a:spcAft>
+          <a:spcPts val="0"/>
+        </a:spcAft>
+        <a:buClr>
+          <a:schemeClr val="bg2">
+            <a:lumMod val="40000"/>
+            <a:lumOff val="60000"/>
+          </a:schemeClr>
+        </a:buClr>
+        <a:buSzPct val="80000"/>
+        <a:buFont typeface="Wingdings 3" charset="2"/>
+        <a:buChar char=""/>
+        <a:defRPr sz="1400" b="0" i="0" kern="1200">
+          <a:solidFill>
+            <a:schemeClr val="tx1"/>
+          </a:solidFill>
+          <a:latin typeface="+mj-lt"/>
+          <a:ea typeface="+mj-ea"/>
+          <a:cs typeface="+mj-cs"/>
+        </a:defRPr>
+      </a:lvl5pPr>
+      <a:lvl6pPr marL="2506000" indent="-228600" algn="l" defTabSz="457200" rtl="0" eaLnBrk="1" latinLnBrk="0" hangingPunct="1">
+        <a:spcBef>
+          <a:spcPts val="1000"/>
+        </a:spcBef>
+        <a:spcAft>
+          <a:spcPts val="0"/>
+        </a:spcAft>
+        <a:buClr>
+          <a:schemeClr val="bg2">
+            <a:lumMod val="40000"/>
+            <a:lumOff val="60000"/>
+          </a:schemeClr>
+        </a:buClr>
+        <a:buSzPct val="80000"/>
+        <a:buFont typeface="Wingdings 3" charset="2"/>
+        <a:buChar char=""/>
+        <a:defRPr sz="1400" b="0" i="0" kern="1200">
+          <a:solidFill>
+            <a:schemeClr val="tx1"/>
+          </a:solidFill>
+          <a:latin typeface="+mj-lt"/>
+          <a:ea typeface="+mj-ea"/>
+          <a:cs typeface="+mj-cs"/>
+        </a:defRPr>
+      </a:lvl6pPr>
+      <a:lvl7pPr marL="2971800" indent="-228600" algn="l" defTabSz="457200" rtl="0" eaLnBrk="1" latinLnBrk="0" hangingPunct="1">
+        <a:spcBef>
+          <a:spcPts val="1000"/>
+        </a:spcBef>
+        <a:spcAft>
+          <a:spcPts val="0"/>
+        </a:spcAft>
+        <a:buClr>
+          <a:schemeClr val="bg2">
+            <a:lumMod val="40000"/>
+            <a:lumOff val="60000"/>
+          </a:schemeClr>
+        </a:buClr>
+        <a:buSzPct val="80000"/>
+        <a:buFont typeface="Wingdings 3" charset="2"/>
+        <a:buChar char=""/>
+        <a:defRPr sz="1400" b="0" i="0" kern="1200">
+          <a:solidFill>
+            <a:schemeClr val="tx1"/>
+          </a:solidFill>
+          <a:latin typeface="+mj-lt"/>
+          <a:ea typeface="+mj-ea"/>
+          <a:cs typeface="+mj-cs"/>
+        </a:defRPr>
+      </a:lvl7pPr>
+      <a:lvl8pPr marL="3429000" indent="-228600" algn="l" defTabSz="457200" rtl="0" eaLnBrk="1" latinLnBrk="0" hangingPunct="1">
+        <a:spcBef>
+          <a:spcPts val="1000"/>
+        </a:spcBef>
+        <a:spcAft>
+          <a:spcPts val="0"/>
+        </a:spcAft>
+        <a:buClr>
+          <a:schemeClr val="bg2">
+            <a:lumMod val="40000"/>
+            <a:lumOff val="60000"/>
+          </a:schemeClr>
+        </a:buClr>
+        <a:buSzPct val="80000"/>
+        <a:buFont typeface="Wingdings 3" charset="2"/>
+        <a:buChar char=""/>
+        <a:defRPr sz="1400" b="0" i="0" kern="1200">
+          <a:solidFill>
+            <a:schemeClr val="tx1"/>
+          </a:solidFill>
+          <a:latin typeface="+mj-lt"/>
+          <a:ea typeface="+mj-ea"/>
+          <a:cs typeface="+mj-cs"/>
+        </a:defRPr>
+      </a:lvl8pPr>
+      <a:lvl9pPr marL="3886200" indent="-228600" algn="l" defTabSz="457200" rtl="0" eaLnBrk="1" latinLnBrk="0" hangingPunct="1">
+        <a:spcBef>
+          <a:spcPts val="1000"/>
+        </a:spcBef>
+        <a:spcAft>
+          <a:spcPts val="0"/>
+        </a:spcAft>
+        <a:buClr>
+          <a:schemeClr val="bg2">
+            <a:lumMod val="40000"/>
+            <a:lumOff val="60000"/>
+          </a:schemeClr>
+        </a:buClr>
+        <a:buSzPct val="80000"/>
+        <a:buFont typeface="Wingdings 3" charset="2"/>
+        <a:buChar char=""/>
+        <a:defRPr sz="1400" b="0" i="0" kern="1200">
+          <a:solidFill>
+            <a:schemeClr val="tx1"/>
+          </a:solidFill>
+          <a:latin typeface="+mj-lt"/>
+          <a:ea typeface="+mj-ea"/>
+          <a:cs typeface="+mj-cs"/>
+        </a:defRPr>
+      </a:lvl9pPr>
+    </p:bodyStyle>
+    <p:otherStyle>
+      <a:defPPr>
+        <a:defRPr lang="en-US"/>
+      </a:defPPr>
+      <a:lvl1pPr marL="0" algn="l" defTabSz="457200" rtl="0" eaLnBrk="1" latinLnBrk="0" hangingPunct="1">
+        <a:defRPr sz="1800" kern="1200">
           <a:solidFill>
             <a:schemeClr val="tx1"/>
           </a:solidFill>
@@ -3765,16 +6693,8 @@
           <a:cs typeface="+mn-cs"/>
         </a:defRPr>
       </a:lvl1pPr>
-      <a:lvl2pPr marL="685800" indent="-228600" algn="l" defTabSz="914400" rtl="0" eaLnBrk="1" latinLnBrk="0" hangingPunct="1">
-        <a:lnSpc>
-          <a:spcPct val="90000"/>
-        </a:lnSpc>
-        <a:spcBef>
-          <a:spcPts val="500"/>
-        </a:spcBef>
-        <a:buFont typeface="Arial" panose="020B0604020202020204" pitchFamily="34" charset="0"/>
-        <a:buChar char="•"/>
-        <a:defRPr sz="2400" kern="1200">
+      <a:lvl2pPr marL="457200" algn="l" defTabSz="457200" rtl="0" eaLnBrk="1" latinLnBrk="0" hangingPunct="1">
+        <a:defRPr sz="1800" kern="1200">
           <a:solidFill>
             <a:schemeClr val="tx1"/>
           </a:solidFill>
@@ -3783,16 +6703,8 @@
           <a:cs typeface="+mn-cs"/>
         </a:defRPr>
       </a:lvl2pPr>
-      <a:lvl3pPr marL="1143000" indent="-228600" algn="l" defTabSz="914400" rtl="0" eaLnBrk="1" latinLnBrk="0" hangingPunct="1">
-        <a:lnSpc>
-          <a:spcPct val="90000"/>
-        </a:lnSpc>
-        <a:spcBef>
-          <a:spcPts val="500"/>
-        </a:spcBef>
-        <a:buFont typeface="Arial" panose="020B0604020202020204" pitchFamily="34" charset="0"/>
-        <a:buChar char="•"/>
-        <a:defRPr sz="2000" kern="1200">
+      <a:lvl3pPr marL="914400" algn="l" defTabSz="457200" rtl="0" eaLnBrk="1" latinLnBrk="0" hangingPunct="1">
+        <a:defRPr sz="1800" kern="1200">
           <a:solidFill>
             <a:schemeClr val="tx1"/>
           </a:solidFill>
@@ -3801,15 +6713,7 @@
           <a:cs typeface="+mn-cs"/>
         </a:defRPr>
       </a:lvl3pPr>
-      <a:lvl4pPr marL="1600200" indent="-228600" algn="l" defTabSz="914400" rtl="0" eaLnBrk="1" latinLnBrk="0" hangingPunct="1">
-        <a:lnSpc>
-          <a:spcPct val="90000"/>
-        </a:lnSpc>
-        <a:spcBef>
-          <a:spcPts val="500"/>
-        </a:spcBef>
-        <a:buFont typeface="Arial" panose="020B0604020202020204" pitchFamily="34" charset="0"/>
-        <a:buChar char="•"/>
+      <a:lvl4pPr marL="1371600" algn="l" defTabSz="457200" rtl="0" eaLnBrk="1" latinLnBrk="0" hangingPunct="1">
         <a:defRPr sz="1800" kern="1200">
           <a:solidFill>
             <a:schemeClr val="tx1"/>
@@ -3819,15 +6723,7 @@
           <a:cs typeface="+mn-cs"/>
         </a:defRPr>
       </a:lvl4pPr>
-      <a:lvl5pPr marL="2057400" indent="-228600" algn="l" defTabSz="914400" rtl="0" eaLnBrk="1" latinLnBrk="0" hangingPunct="1">
-        <a:lnSpc>
-          <a:spcPct val="90000"/>
-        </a:lnSpc>
-        <a:spcBef>
-          <a:spcPts val="500"/>
-        </a:spcBef>
-        <a:buFont typeface="Arial" panose="020B0604020202020204" pitchFamily="34" charset="0"/>
-        <a:buChar char="•"/>
+      <a:lvl5pPr marL="1828800" algn="l" defTabSz="457200" rtl="0" eaLnBrk="1" latinLnBrk="0" hangingPunct="1">
         <a:defRPr sz="1800" kern="1200">
           <a:solidFill>
             <a:schemeClr val="tx1"/>
@@ -3837,15 +6733,7 @@
           <a:cs typeface="+mn-cs"/>
         </a:defRPr>
       </a:lvl5pPr>
-      <a:lvl6pPr marL="2514600" indent="-228600" algn="l" defTabSz="914400" rtl="0" eaLnBrk="1" latinLnBrk="0" hangingPunct="1">
-        <a:lnSpc>
-          <a:spcPct val="90000"/>
-        </a:lnSpc>
-        <a:spcBef>
-          <a:spcPts val="500"/>
-        </a:spcBef>
-        <a:buFont typeface="Arial" panose="020B0604020202020204" pitchFamily="34" charset="0"/>
-        <a:buChar char="•"/>
+      <a:lvl6pPr marL="2286000" algn="l" defTabSz="457200" rtl="0" eaLnBrk="1" latinLnBrk="0" hangingPunct="1">
         <a:defRPr sz="1800" kern="1200">
           <a:solidFill>
             <a:schemeClr val="tx1"/>
@@ -3855,15 +6743,7 @@
           <a:cs typeface="+mn-cs"/>
         </a:defRPr>
       </a:lvl6pPr>
-      <a:lvl7pPr marL="2971800" indent="-228600" algn="l" defTabSz="914400" rtl="0" eaLnBrk="1" latinLnBrk="0" hangingPunct="1">
-        <a:lnSpc>
-          <a:spcPct val="90000"/>
-        </a:lnSpc>
-        <a:spcBef>
-          <a:spcPts val="500"/>
-        </a:spcBef>
-        <a:buFont typeface="Arial" panose="020B0604020202020204" pitchFamily="34" charset="0"/>
-        <a:buChar char="•"/>
+      <a:lvl7pPr marL="2743200" algn="l" defTabSz="457200" rtl="0" eaLnBrk="1" latinLnBrk="0" hangingPunct="1">
         <a:defRPr sz="1800" kern="1200">
           <a:solidFill>
             <a:schemeClr val="tx1"/>
@@ -3873,15 +6753,7 @@
           <a:cs typeface="+mn-cs"/>
         </a:defRPr>
       </a:lvl7pPr>
-      <a:lvl8pPr marL="3429000" indent="-228600" algn="l" defTabSz="914400" rtl="0" eaLnBrk="1" latinLnBrk="0" hangingPunct="1">
-        <a:lnSpc>
-          <a:spcPct val="90000"/>
-        </a:lnSpc>
-        <a:spcBef>
-          <a:spcPts val="500"/>
-        </a:spcBef>
-        <a:buFont typeface="Arial" panose="020B0604020202020204" pitchFamily="34" charset="0"/>
-        <a:buChar char="•"/>
+      <a:lvl8pPr marL="3200400" algn="l" defTabSz="457200" rtl="0" eaLnBrk="1" latinLnBrk="0" hangingPunct="1">
         <a:defRPr sz="1800" kern="1200">
           <a:solidFill>
             <a:schemeClr val="tx1"/>
@@ -3891,110 +6763,7 @@
           <a:cs typeface="+mn-cs"/>
         </a:defRPr>
       </a:lvl8pPr>
-      <a:lvl9pPr marL="3886200" indent="-228600" algn="l" defTabSz="914400" rtl="0" eaLnBrk="1" latinLnBrk="0" hangingPunct="1">
-        <a:lnSpc>
-          <a:spcPct val="90000"/>
-        </a:lnSpc>
-        <a:spcBef>
-          <a:spcPts val="500"/>
-        </a:spcBef>
-        <a:buFont typeface="Arial" panose="020B0604020202020204" pitchFamily="34" charset="0"/>
-        <a:buChar char="•"/>
-        <a:defRPr sz="1800" kern="1200">
-          <a:solidFill>
-            <a:schemeClr val="tx1"/>
-          </a:solidFill>
-          <a:latin typeface="+mn-lt"/>
-          <a:ea typeface="+mn-ea"/>
-          <a:cs typeface="+mn-cs"/>
-        </a:defRPr>
-      </a:lvl9pPr>
-    </p:bodyStyle>
-    <p:otherStyle>
-      <a:defPPr>
-        <a:defRPr lang="en-US"/>
-      </a:defPPr>
-      <a:lvl1pPr marL="0" algn="l" defTabSz="914400" rtl="0" eaLnBrk="1" latinLnBrk="0" hangingPunct="1">
-        <a:defRPr sz="1800" kern="1200">
-          <a:solidFill>
-            <a:schemeClr val="tx1"/>
-          </a:solidFill>
-          <a:latin typeface="+mn-lt"/>
-          <a:ea typeface="+mn-ea"/>
-          <a:cs typeface="+mn-cs"/>
-        </a:defRPr>
-      </a:lvl1pPr>
-      <a:lvl2pPr marL="457200" algn="l" defTabSz="914400" rtl="0" eaLnBrk="1" latinLnBrk="0" hangingPunct="1">
-        <a:defRPr sz="1800" kern="1200">
-          <a:solidFill>
-            <a:schemeClr val="tx1"/>
-          </a:solidFill>
-          <a:latin typeface="+mn-lt"/>
-          <a:ea typeface="+mn-ea"/>
-          <a:cs typeface="+mn-cs"/>
-        </a:defRPr>
-      </a:lvl2pPr>
-      <a:lvl3pPr marL="914400" algn="l" defTabSz="914400" rtl="0" eaLnBrk="1" latinLnBrk="0" hangingPunct="1">
-        <a:defRPr sz="1800" kern="1200">
-          <a:solidFill>
-            <a:schemeClr val="tx1"/>
-          </a:solidFill>
-          <a:latin typeface="+mn-lt"/>
-          <a:ea typeface="+mn-ea"/>
-          <a:cs typeface="+mn-cs"/>
-        </a:defRPr>
-      </a:lvl3pPr>
-      <a:lvl4pPr marL="1371600" algn="l" defTabSz="914400" rtl="0" eaLnBrk="1" latinLnBrk="0" hangingPunct="1">
-        <a:defRPr sz="1800" kern="1200">
-          <a:solidFill>
-            <a:schemeClr val="tx1"/>
-          </a:solidFill>
-          <a:latin typeface="+mn-lt"/>
-          <a:ea typeface="+mn-ea"/>
-          <a:cs typeface="+mn-cs"/>
-        </a:defRPr>
-      </a:lvl4pPr>
-      <a:lvl5pPr marL="1828800" algn="l" defTabSz="914400" rtl="0" eaLnBrk="1" latinLnBrk="0" hangingPunct="1">
-        <a:defRPr sz="1800" kern="1200">
-          <a:solidFill>
-            <a:schemeClr val="tx1"/>
-          </a:solidFill>
-          <a:latin typeface="+mn-lt"/>
-          <a:ea typeface="+mn-ea"/>
-          <a:cs typeface="+mn-cs"/>
-        </a:defRPr>
-      </a:lvl5pPr>
-      <a:lvl6pPr marL="2286000" algn="l" defTabSz="914400" rtl="0" eaLnBrk="1" latinLnBrk="0" hangingPunct="1">
-        <a:defRPr sz="1800" kern="1200">
-          <a:solidFill>
-            <a:schemeClr val="tx1"/>
-          </a:solidFill>
-          <a:latin typeface="+mn-lt"/>
-          <a:ea typeface="+mn-ea"/>
-          <a:cs typeface="+mn-cs"/>
-        </a:defRPr>
-      </a:lvl6pPr>
-      <a:lvl7pPr marL="2743200" algn="l" defTabSz="914400" rtl="0" eaLnBrk="1" latinLnBrk="0" hangingPunct="1">
-        <a:defRPr sz="1800" kern="1200">
-          <a:solidFill>
-            <a:schemeClr val="tx1"/>
-          </a:solidFill>
-          <a:latin typeface="+mn-lt"/>
-          <a:ea typeface="+mn-ea"/>
-          <a:cs typeface="+mn-cs"/>
-        </a:defRPr>
-      </a:lvl7pPr>
-      <a:lvl8pPr marL="3200400" algn="l" defTabSz="914400" rtl="0" eaLnBrk="1" latinLnBrk="0" hangingPunct="1">
-        <a:defRPr sz="1800" kern="1200">
-          <a:solidFill>
-            <a:schemeClr val="tx1"/>
-          </a:solidFill>
-          <a:latin typeface="+mn-lt"/>
-          <a:ea typeface="+mn-ea"/>
-          <a:cs typeface="+mn-cs"/>
-        </a:defRPr>
-      </a:lvl8pPr>
-      <a:lvl9pPr marL="3657600" algn="l" defTabSz="914400" rtl="0" eaLnBrk="1" latinLnBrk="0" hangingPunct="1">
+      <a:lvl9pPr marL="3657600" algn="l" defTabSz="457200" rtl="0" eaLnBrk="1" latinLnBrk="0" hangingPunct="1">
         <a:defRPr sz="1800" kern="1200">
           <a:solidFill>
             <a:schemeClr val="tx1"/>
@@ -4044,13 +6813,13 @@
         </p:nvSpPr>
         <p:spPr>
           <a:xfrm>
-            <a:off x="1532792" y="1509225"/>
-            <a:ext cx="9144000" cy="2387600"/>
+            <a:off x="914400" y="322264"/>
+            <a:ext cx="10131669" cy="2693498"/>
           </a:xfrm>
         </p:spPr>
         <p:txBody>
           <a:bodyPr>
-            <a:normAutofit/>
+            <a:normAutofit fontScale="90000"/>
           </a:bodyPr>
           <a:lstStyle/>
           <a:p>
@@ -4091,7 +6860,7 @@
         </p:nvSpPr>
         <p:spPr>
           <a:xfrm>
-            <a:off x="8695592" y="4906107"/>
+            <a:off x="8440616" y="4932484"/>
             <a:ext cx="3672254" cy="1077425"/>
           </a:xfrm>
           <a:prstGeom prst="rect">
@@ -4140,6 +6909,450 @@
     <p:extLst>
       <p:ext uri="{BB962C8B-B14F-4D97-AF65-F5344CB8AC3E}">
         <p14:creationId xmlns:p14="http://schemas.microsoft.com/office/powerpoint/2010/main" val="1877958174"/>
+      </p:ext>
+    </p:extLst>
+  </p:cSld>
+  <p:clrMapOvr>
+    <a:masterClrMapping/>
+  </p:clrMapOvr>
+</p:sld>
+</file>
+
+<file path=ppt/slides/slide10.xml><?xml version="1.0" encoding="utf-8"?>
+<p:sld xmlns:a="http://schemas.openxmlformats.org/drawingml/2006/main" xmlns:r="http://schemas.openxmlformats.org/officeDocument/2006/relationships" xmlns:p="http://schemas.openxmlformats.org/presentationml/2006/main">
+  <p:cSld>
+    <p:spTree>
+      <p:nvGrpSpPr>
+        <p:cNvPr id="1" name=""/>
+        <p:cNvGrpSpPr/>
+        <p:nvPr/>
+      </p:nvGrpSpPr>
+      <p:grpSpPr>
+        <a:xfrm>
+          <a:off x="0" y="0"/>
+          <a:ext cx="0" cy="0"/>
+          <a:chOff x="0" y="0"/>
+          <a:chExt cx="0" cy="0"/>
+        </a:xfrm>
+      </p:grpSpPr>
+      <p:sp>
+        <p:nvSpPr>
+          <p:cNvPr id="2" name="Title 1">
+            <a:extLst>
+              <a:ext uri="{FF2B5EF4-FFF2-40B4-BE49-F238E27FC236}">
+                <a16:creationId xmlns:a16="http://schemas.microsoft.com/office/drawing/2014/main" id="{04BED6D8-EC19-4C77-9060-E02E2BF5147A}"/>
+              </a:ext>
+            </a:extLst>
+          </p:cNvPr>
+          <p:cNvSpPr>
+            <a:spLocks noGrp="1"/>
+          </p:cNvSpPr>
+          <p:nvPr>
+            <p:ph type="title"/>
+          </p:nvPr>
+        </p:nvSpPr>
+        <p:spPr/>
+        <p:txBody>
+          <a:bodyPr/>
+          <a:lstStyle/>
+          <a:p>
+            <a:r>
+              <a:rPr lang="en-US" dirty="0">
+                <a:latin typeface="Times New Roman" panose="02020603050405020304" pitchFamily="18" charset="0"/>
+                <a:cs typeface="Times New Roman" panose="02020603050405020304" pitchFamily="18" charset="0"/>
+              </a:rPr>
+              <a:t>Evaluation:</a:t>
+            </a:r>
+          </a:p>
+        </p:txBody>
+      </p:sp>
+      <p:sp>
+        <p:nvSpPr>
+          <p:cNvPr id="3" name="Content Placeholder 2">
+            <a:extLst>
+              <a:ext uri="{FF2B5EF4-FFF2-40B4-BE49-F238E27FC236}">
+                <a16:creationId xmlns:a16="http://schemas.microsoft.com/office/drawing/2014/main" id="{9AB69404-B504-4644-8E2D-381257A660E1}"/>
+              </a:ext>
+            </a:extLst>
+          </p:cNvPr>
+          <p:cNvSpPr>
+            <a:spLocks noGrp="1"/>
+          </p:cNvSpPr>
+          <p:nvPr>
+            <p:ph idx="1"/>
+          </p:nvPr>
+        </p:nvSpPr>
+        <p:spPr/>
+        <p:txBody>
+          <a:bodyPr/>
+          <a:lstStyle/>
+          <a:p>
+            <a:pPr marL="0" indent="0">
+              <a:buNone/>
+            </a:pPr>
+            <a:r>
+              <a:rPr lang="en-US" b="1" dirty="0">
+                <a:latin typeface="Times New Roman" panose="02020603050405020304" pitchFamily="18" charset="0"/>
+                <a:cs typeface="Times New Roman" panose="02020603050405020304" pitchFamily="18" charset="0"/>
+              </a:rPr>
+              <a:t>Free memory Space:</a:t>
+            </a:r>
+          </a:p>
+        </p:txBody>
+      </p:sp>
+      <p:pic>
+        <p:nvPicPr>
+          <p:cNvPr id="4" name="Picture 3">
+            <a:extLst>
+              <a:ext uri="{FF2B5EF4-FFF2-40B4-BE49-F238E27FC236}">
+                <a16:creationId xmlns:a16="http://schemas.microsoft.com/office/drawing/2014/main" id="{CFFE0374-6EF3-4C6D-B1D1-C5E90AD5AC3B}"/>
+              </a:ext>
+            </a:extLst>
+          </p:cNvPr>
+          <p:cNvPicPr>
+            <a:picLocks noChangeAspect="1"/>
+          </p:cNvPicPr>
+          <p:nvPr/>
+        </p:nvPicPr>
+        <p:blipFill>
+          <a:blip r:embed="rId2"/>
+          <a:stretch>
+            <a:fillRect/>
+          </a:stretch>
+        </p:blipFill>
+        <p:spPr>
+          <a:xfrm>
+            <a:off x="1011115" y="2675875"/>
+            <a:ext cx="5862969" cy="3417194"/>
+          </a:xfrm>
+          <a:prstGeom prst="rect">
+            <a:avLst/>
+          </a:prstGeom>
+        </p:spPr>
+      </p:pic>
+    </p:spTree>
+    <p:extLst>
+      <p:ext uri="{BB962C8B-B14F-4D97-AF65-F5344CB8AC3E}">
+        <p14:creationId xmlns:p14="http://schemas.microsoft.com/office/powerpoint/2010/main" val="3901964589"/>
+      </p:ext>
+    </p:extLst>
+  </p:cSld>
+  <p:clrMapOvr>
+    <a:masterClrMapping/>
+  </p:clrMapOvr>
+</p:sld>
+</file>
+
+<file path=ppt/slides/slide11.xml><?xml version="1.0" encoding="utf-8"?>
+<p:sld xmlns:a="http://schemas.openxmlformats.org/drawingml/2006/main" xmlns:r="http://schemas.openxmlformats.org/officeDocument/2006/relationships" xmlns:p="http://schemas.openxmlformats.org/presentationml/2006/main">
+  <p:cSld>
+    <p:spTree>
+      <p:nvGrpSpPr>
+        <p:cNvPr id="1" name=""/>
+        <p:cNvGrpSpPr/>
+        <p:nvPr/>
+      </p:nvGrpSpPr>
+      <p:grpSpPr>
+        <a:xfrm>
+          <a:off x="0" y="0"/>
+          <a:ext cx="0" cy="0"/>
+          <a:chOff x="0" y="0"/>
+          <a:chExt cx="0" cy="0"/>
+        </a:xfrm>
+      </p:grpSpPr>
+      <p:sp>
+        <p:nvSpPr>
+          <p:cNvPr id="2" name="Title 1">
+            <a:extLst>
+              <a:ext uri="{FF2B5EF4-FFF2-40B4-BE49-F238E27FC236}">
+                <a16:creationId xmlns:a16="http://schemas.microsoft.com/office/drawing/2014/main" id="{56ED3C07-C3D1-41E7-96EA-B074CBDF500C}"/>
+              </a:ext>
+            </a:extLst>
+          </p:cNvPr>
+          <p:cNvSpPr>
+            <a:spLocks noGrp="1"/>
+          </p:cNvSpPr>
+          <p:nvPr>
+            <p:ph type="title"/>
+          </p:nvPr>
+        </p:nvSpPr>
+        <p:spPr/>
+        <p:txBody>
+          <a:bodyPr/>
+          <a:lstStyle/>
+          <a:p>
+            <a:r>
+              <a:rPr lang="en-US" dirty="0">
+                <a:latin typeface="Times New Roman" panose="02020603050405020304" pitchFamily="18" charset="0"/>
+                <a:cs typeface="Times New Roman" panose="02020603050405020304" pitchFamily="18" charset="0"/>
+              </a:rPr>
+              <a:t>LMK and OOMK operations:</a:t>
+            </a:r>
+          </a:p>
+        </p:txBody>
+      </p:sp>
+      <p:pic>
+        <p:nvPicPr>
+          <p:cNvPr id="4" name="Content Placeholder 3">
+            <a:extLst>
+              <a:ext uri="{FF2B5EF4-FFF2-40B4-BE49-F238E27FC236}">
+                <a16:creationId xmlns:a16="http://schemas.microsoft.com/office/drawing/2014/main" id="{1EA10A47-CEA9-48D8-8AAD-30A9E50EB22C}"/>
+              </a:ext>
+            </a:extLst>
+          </p:cNvPr>
+          <p:cNvPicPr>
+            <a:picLocks noGrp="1" noChangeAspect="1"/>
+          </p:cNvPicPr>
+          <p:nvPr>
+            <p:ph idx="1"/>
+          </p:nvPr>
+        </p:nvPicPr>
+        <p:blipFill>
+          <a:blip r:embed="rId2"/>
+          <a:stretch>
+            <a:fillRect/>
+          </a:stretch>
+        </p:blipFill>
+        <p:spPr>
+          <a:xfrm>
+            <a:off x="945204" y="1848255"/>
+            <a:ext cx="6681606" cy="4377447"/>
+          </a:xfrm>
+          <a:prstGeom prst="rect">
+            <a:avLst/>
+          </a:prstGeom>
+        </p:spPr>
+      </p:pic>
+    </p:spTree>
+    <p:extLst>
+      <p:ext uri="{BB962C8B-B14F-4D97-AF65-F5344CB8AC3E}">
+        <p14:creationId xmlns:p14="http://schemas.microsoft.com/office/powerpoint/2010/main" val="3699596783"/>
+      </p:ext>
+    </p:extLst>
+  </p:cSld>
+  <p:clrMapOvr>
+    <a:masterClrMapping/>
+  </p:clrMapOvr>
+</p:sld>
+</file>
+
+<file path=ppt/slides/slide12.xml><?xml version="1.0" encoding="utf-8"?>
+<p:sld xmlns:a="http://schemas.openxmlformats.org/drawingml/2006/main" xmlns:r="http://schemas.openxmlformats.org/officeDocument/2006/relationships" xmlns:p="http://schemas.openxmlformats.org/presentationml/2006/main">
+  <p:cSld>
+    <p:spTree>
+      <p:nvGrpSpPr>
+        <p:cNvPr id="1" name=""/>
+        <p:cNvGrpSpPr/>
+        <p:nvPr/>
+      </p:nvGrpSpPr>
+      <p:grpSpPr>
+        <a:xfrm>
+          <a:off x="0" y="0"/>
+          <a:ext cx="0" cy="0"/>
+          <a:chOff x="0" y="0"/>
+          <a:chExt cx="0" cy="0"/>
+        </a:xfrm>
+      </p:grpSpPr>
+      <p:sp>
+        <p:nvSpPr>
+          <p:cNvPr id="2" name="Title 1">
+            <a:extLst>
+              <a:ext uri="{FF2B5EF4-FFF2-40B4-BE49-F238E27FC236}">
+                <a16:creationId xmlns:a16="http://schemas.microsoft.com/office/drawing/2014/main" id="{931FF17B-C856-498E-9106-5C1BFC72E821}"/>
+              </a:ext>
+            </a:extLst>
+          </p:cNvPr>
+          <p:cNvSpPr>
+            <a:spLocks noGrp="1"/>
+          </p:cNvSpPr>
+          <p:nvPr>
+            <p:ph type="title"/>
+          </p:nvPr>
+        </p:nvSpPr>
+        <p:spPr/>
+        <p:txBody>
+          <a:bodyPr/>
+          <a:lstStyle/>
+          <a:p>
+            <a:r>
+              <a:rPr lang="en-US" dirty="0">
+                <a:latin typeface="Times New Roman" panose="02020603050405020304" pitchFamily="18" charset="0"/>
+                <a:cs typeface="Times New Roman" panose="02020603050405020304" pitchFamily="18" charset="0"/>
+              </a:rPr>
+              <a:t>Conclusion:</a:t>
+            </a:r>
+          </a:p>
+        </p:txBody>
+      </p:sp>
+      <p:sp>
+        <p:nvSpPr>
+          <p:cNvPr id="3" name="Content Placeholder 2">
+            <a:extLst>
+              <a:ext uri="{FF2B5EF4-FFF2-40B4-BE49-F238E27FC236}">
+                <a16:creationId xmlns:a16="http://schemas.microsoft.com/office/drawing/2014/main" id="{D3D65BEA-56A6-4CD7-BC25-2475A39EBF9B}"/>
+              </a:ext>
+            </a:extLst>
+          </p:cNvPr>
+          <p:cNvSpPr>
+            <a:spLocks noGrp="1"/>
+          </p:cNvSpPr>
+          <p:nvPr>
+            <p:ph idx="1"/>
+          </p:nvPr>
+        </p:nvSpPr>
+        <p:spPr/>
+        <p:txBody>
+          <a:bodyPr>
+            <a:normAutofit/>
+          </a:bodyPr>
+          <a:lstStyle/>
+          <a:p>
+            <a:pPr marL="0" indent="0">
+              <a:buNone/>
+            </a:pPr>
+            <a:r>
+              <a:rPr lang="en-US" dirty="0">
+                <a:sym typeface="Wingdings" panose="05000000000000000000" pitchFamily="2" charset="2"/>
+              </a:rPr>
+              <a:t></a:t>
+            </a:r>
+            <a:r>
+              <a:rPr lang="en-US" dirty="0"/>
+              <a:t>Proposed system minimizes page reclamation of time-critical built-in applications from the trusted sources and limits the memory access range of unknown applications from the untrusted sources</a:t>
+            </a:r>
+          </a:p>
+          <a:p>
+            <a:pPr marL="0" indent="0">
+              <a:buNone/>
+            </a:pPr>
+            <a:endParaRPr lang="en-US" dirty="0"/>
+          </a:p>
+          <a:p>
+            <a:pPr marL="0" indent="0">
+              <a:buNone/>
+            </a:pPr>
+            <a:r>
+              <a:rPr lang="en-US" dirty="0">
+                <a:sym typeface="Wingdings" panose="05000000000000000000" pitchFamily="2" charset="2"/>
+              </a:rPr>
+              <a:t></a:t>
+            </a:r>
+            <a:r>
+              <a:rPr lang="en-US" dirty="0"/>
+              <a:t>Reduces OOMK and LMK operations.</a:t>
+            </a:r>
+          </a:p>
+          <a:p>
+            <a:pPr marL="0" indent="0">
+              <a:buNone/>
+            </a:pPr>
+            <a:endParaRPr lang="en-US" dirty="0"/>
+          </a:p>
+          <a:p>
+            <a:pPr marL="0" indent="0">
+              <a:buNone/>
+            </a:pPr>
+            <a:r>
+              <a:rPr lang="en-US" dirty="0">
+                <a:sym typeface="Wingdings" panose="05000000000000000000" pitchFamily="2" charset="2"/>
+              </a:rPr>
+              <a:t></a:t>
+            </a:r>
+            <a:r>
+              <a:rPr lang="en-US" dirty="0"/>
+              <a:t>Dynamic memory-controlling interface to configure at boot time according to device types</a:t>
+            </a:r>
+          </a:p>
+        </p:txBody>
+      </p:sp>
+    </p:spTree>
+    <p:extLst>
+      <p:ext uri="{BB962C8B-B14F-4D97-AF65-F5344CB8AC3E}">
+        <p14:creationId xmlns:p14="http://schemas.microsoft.com/office/powerpoint/2010/main" val="243559900"/>
+      </p:ext>
+    </p:extLst>
+  </p:cSld>
+  <p:clrMapOvr>
+    <a:masterClrMapping/>
+  </p:clrMapOvr>
+</p:sld>
+</file>
+
+<file path=ppt/slides/slide13.xml><?xml version="1.0" encoding="utf-8"?>
+<p:sld xmlns:a="http://schemas.openxmlformats.org/drawingml/2006/main" xmlns:r="http://schemas.openxmlformats.org/officeDocument/2006/relationships" xmlns:p="http://schemas.openxmlformats.org/presentationml/2006/main">
+  <p:cSld>
+    <p:spTree>
+      <p:nvGrpSpPr>
+        <p:cNvPr id="1" name=""/>
+        <p:cNvGrpSpPr/>
+        <p:nvPr/>
+      </p:nvGrpSpPr>
+      <p:grpSpPr>
+        <a:xfrm>
+          <a:off x="0" y="0"/>
+          <a:ext cx="0" cy="0"/>
+          <a:chOff x="0" y="0"/>
+          <a:chExt cx="0" cy="0"/>
+        </a:xfrm>
+      </p:grpSpPr>
+      <p:sp>
+        <p:nvSpPr>
+          <p:cNvPr id="3" name="Content Placeholder 2">
+            <a:extLst>
+              <a:ext uri="{FF2B5EF4-FFF2-40B4-BE49-F238E27FC236}">
+                <a16:creationId xmlns:a16="http://schemas.microsoft.com/office/drawing/2014/main" id="{7938C174-CCF1-4F7E-A08F-43397CB4A7B7}"/>
+              </a:ext>
+            </a:extLst>
+          </p:cNvPr>
+          <p:cNvSpPr>
+            <a:spLocks noGrp="1"/>
+          </p:cNvSpPr>
+          <p:nvPr>
+            <p:ph idx="1"/>
+          </p:nvPr>
+        </p:nvSpPr>
+        <p:spPr>
+          <a:xfrm>
+            <a:off x="468923" y="978511"/>
+            <a:ext cx="10515600" cy="4351338"/>
+          </a:xfrm>
+        </p:spPr>
+        <p:txBody>
+          <a:bodyPr/>
+          <a:lstStyle/>
+          <a:p>
+            <a:pPr marL="0" indent="0" algn="ctr">
+              <a:buNone/>
+            </a:pPr>
+            <a:endParaRPr lang="en-US" dirty="0"/>
+          </a:p>
+          <a:p>
+            <a:pPr marL="0" indent="0" algn="ctr">
+              <a:buNone/>
+            </a:pPr>
+            <a:endParaRPr lang="en-US" sz="4400" dirty="0"/>
+          </a:p>
+          <a:p>
+            <a:pPr marL="0" indent="0" algn="ctr">
+              <a:buNone/>
+            </a:pPr>
+            <a:endParaRPr lang="en-US" sz="4400" dirty="0"/>
+          </a:p>
+          <a:p>
+            <a:pPr marL="0" indent="0" algn="ctr">
+              <a:buNone/>
+            </a:pPr>
+            <a:r>
+              <a:rPr lang="en-US" sz="4400" dirty="0"/>
+              <a:t>Queries??</a:t>
+            </a:r>
+          </a:p>
+        </p:txBody>
+      </p:sp>
+    </p:spTree>
+    <p:extLst>
+      <p:ext uri="{BB962C8B-B14F-4D97-AF65-F5344CB8AC3E}">
+        <p14:creationId xmlns:p14="http://schemas.microsoft.com/office/powerpoint/2010/main" val="1942010336"/>
       </p:ext>
     </p:extLst>
   </p:cSld>
@@ -4430,7 +7643,9 @@
         </p:nvSpPr>
         <p:spPr/>
         <p:txBody>
-          <a:bodyPr/>
+          <a:bodyPr>
+            <a:normAutofit lnSpcReduction="10000"/>
+          </a:bodyPr>
           <a:lstStyle/>
           <a:p>
             <a:pPr marL="0" indent="0">
@@ -4510,19 +7725,8 @@
                 <a:latin typeface="Times New Roman" panose="02020603050405020304" pitchFamily="18" charset="0"/>
                 <a:cs typeface="Times New Roman" panose="02020603050405020304" pitchFamily="18" charset="0"/>
               </a:rPr>
-              <a:t>3) Releasing small memory blocks is time </a:t>
-            </a:r>
-            <a:r>
-              <a:rPr lang="en-US" dirty="0" err="1">
-                <a:latin typeface="Times New Roman" panose="02020603050405020304" pitchFamily="18" charset="0"/>
-                <a:cs typeface="Times New Roman" panose="02020603050405020304" pitchFamily="18" charset="0"/>
-              </a:rPr>
-              <a:t>consming</a:t>
-            </a:r>
-            <a:endParaRPr lang="en-US" dirty="0">
-              <a:latin typeface="Times New Roman" panose="02020603050405020304" pitchFamily="18" charset="0"/>
-              <a:cs typeface="Times New Roman" panose="02020603050405020304" pitchFamily="18" charset="0"/>
-            </a:endParaRPr>
+              <a:t>3) Releasing small memory blocks is time consuming</a:t>
+            </a:r>
           </a:p>
           <a:p>
             <a:endParaRPr lang="en-US" dirty="0">
@@ -4883,12 +8087,7 @@
             <p:ph idx="1"/>
           </p:nvPr>
         </p:nvSpPr>
-        <p:spPr>
-          <a:xfrm>
-            <a:off x="838200" y="1825625"/>
-            <a:ext cx="10515600" cy="4351338"/>
-          </a:xfrm>
-        </p:spPr>
+        <p:spPr/>
         <p:txBody>
           <a:bodyPr>
             <a:normAutofit/>
@@ -5295,10 +8494,18 @@
         </p:nvSpPr>
         <p:spPr/>
         <p:txBody>
-          <a:bodyPr/>
+          <a:bodyPr>
+            <a:normAutofit/>
+          </a:bodyPr>
           <a:lstStyle/>
           <a:p>
-            <a:endParaRPr lang="en-US"/>
+            <a:r>
+              <a:rPr lang="en-US" sz="4000" b="1" dirty="0">
+                <a:latin typeface="Times New Roman" panose="02020603050405020304" pitchFamily="18" charset="0"/>
+                <a:cs typeface="Times New Roman" panose="02020603050405020304" pitchFamily="18" charset="0"/>
+              </a:rPr>
+              <a:t>Dynamics controlling Interface:</a:t>
+            </a:r>
           </a:p>
         </p:txBody>
       </p:sp>
@@ -5318,12 +8525,103 @@
             <p:ph idx="1"/>
           </p:nvPr>
         </p:nvSpPr>
-        <p:spPr/>
-        <p:txBody>
-          <a:bodyPr/>
+        <p:spPr>
+          <a:xfrm>
+            <a:off x="671147" y="1570649"/>
+            <a:ext cx="10515600" cy="4830152"/>
+          </a:xfrm>
+        </p:spPr>
+        <p:txBody>
+          <a:bodyPr>
+            <a:normAutofit/>
+          </a:bodyPr>
           <a:lstStyle/>
           <a:p>
-            <a:endParaRPr lang="en-US"/>
+            <a:pPr marL="0" indent="0">
+              <a:buNone/>
+            </a:pPr>
+            <a:r>
+              <a:rPr lang="en-US" b="1" dirty="0">
+                <a:latin typeface="Times New Roman" panose="02020603050405020304" pitchFamily="18" charset="0"/>
+                <a:cs typeface="Times New Roman" panose="02020603050405020304" pitchFamily="18" charset="0"/>
+              </a:rPr>
+              <a:t>Case 1: </a:t>
+            </a:r>
+            <a:r>
+              <a:rPr lang="en-US" dirty="0">
+                <a:latin typeface="Times New Roman" panose="02020603050405020304" pitchFamily="18" charset="0"/>
+                <a:cs typeface="Times New Roman" panose="02020603050405020304" pitchFamily="18" charset="0"/>
+              </a:rPr>
+              <a:t>VNODE</a:t>
+            </a:r>
+            <a:r>
+              <a:rPr lang="en-US" b="1" dirty="0">
+                <a:latin typeface="Times New Roman" panose="02020603050405020304" pitchFamily="18" charset="0"/>
+                <a:cs typeface="Times New Roman" panose="02020603050405020304" pitchFamily="18" charset="0"/>
+              </a:rPr>
+              <a:t> g</a:t>
+            </a:r>
+            <a:r>
+              <a:rPr lang="en-US" dirty="0">
+                <a:latin typeface="Times New Roman" panose="02020603050405020304" pitchFamily="18" charset="0"/>
+                <a:cs typeface="Times New Roman" panose="02020603050405020304" pitchFamily="18" charset="0"/>
+              </a:rPr>
+              <a:t>enerates two virtual nodes </a:t>
+            </a:r>
+            <a:r>
+              <a:rPr lang="en-US" dirty="0"/>
+              <a:t>at boot time to isolate external applications downloaded from the application store and the built-in applications</a:t>
+            </a:r>
+            <a:r>
+              <a:rPr lang="en-US" dirty="0">
+                <a:latin typeface="Times New Roman" panose="02020603050405020304" pitchFamily="18" charset="0"/>
+                <a:cs typeface="Times New Roman" panose="02020603050405020304" pitchFamily="18" charset="0"/>
+              </a:rPr>
+              <a:t> </a:t>
+            </a:r>
+          </a:p>
+          <a:p>
+            <a:pPr marL="0" indent="0">
+              <a:buNone/>
+            </a:pPr>
+            <a:r>
+              <a:rPr lang="en-US" b="1" dirty="0"/>
+              <a:t>Case 2: </a:t>
+            </a:r>
+            <a:r>
+              <a:rPr lang="en-US" dirty="0"/>
+              <a:t>VNODE generates three virtual memory nodes for built-in applications, the applications from the trusted application store, and the unknown applications from the untrusted application store.</a:t>
+            </a:r>
+          </a:p>
+          <a:p>
+            <a:pPr marL="0" indent="0">
+              <a:buNone/>
+            </a:pPr>
+            <a:r>
+              <a:rPr lang="en-US" b="1" dirty="0"/>
+              <a:t>Case 3: </a:t>
+            </a:r>
+            <a:r>
+              <a:rPr lang="en-US" dirty="0"/>
+              <a:t>VNODE generates two virtual memory nodes for responsive-aware applications and external applications for low-end mobile devices including low memory capacity.</a:t>
+            </a:r>
+          </a:p>
+          <a:p>
+            <a:pPr marL="0" indent="0">
+              <a:buNone/>
+            </a:pPr>
+            <a:r>
+              <a:rPr lang="en-US" b="1" dirty="0"/>
+              <a:t>Case 4: </a:t>
+            </a:r>
+            <a:r>
+              <a:rPr lang="en-US" dirty="0"/>
+              <a:t>VNODE generates three virtual memory nodes for high-end mobile devices that have a high memory capacity. the responsive-aware built-in applications area provided by the manufacturer, the built-in applications area provided by the telecommunication company, and the large external applications area available due to the sufficient physical memory capacity.</a:t>
+            </a:r>
+            <a:endParaRPr lang="en-US" dirty="0">
+              <a:latin typeface="Times New Roman" panose="02020603050405020304" pitchFamily="18" charset="0"/>
+              <a:cs typeface="Times New Roman" panose="02020603050405020304" pitchFamily="18" charset="0"/>
+            </a:endParaRPr>
           </a:p>
         </p:txBody>
       </p:sp>
@@ -5341,9 +8639,9 @@
 </file>
 
 <file path=ppt/theme/theme1.xml><?xml version="1.0" encoding="utf-8"?>
-<a:theme xmlns:a="http://schemas.openxmlformats.org/drawingml/2006/main" name="Office Theme">
+<a:theme xmlns:a="http://schemas.openxmlformats.org/drawingml/2006/main" name="Ion">
   <a:themeElements>
-    <a:clrScheme name="Office">
+    <a:clrScheme name="Ion">
       <a:dk1>
         <a:sysClr val="windowText" lastClr="000000"/>
       </a:dk1>
@@ -5351,44 +8649,44 @@
         <a:sysClr val="window" lastClr="FFFFFF"/>
       </a:lt1>
       <a:dk2>
-        <a:srgbClr val="44546A"/>
+        <a:srgbClr val="1E5155"/>
       </a:dk2>
       <a:lt2>
-        <a:srgbClr val="E7E6E6"/>
+        <a:srgbClr val="EBEBEB"/>
       </a:lt2>
       <a:accent1>
-        <a:srgbClr val="4472C4"/>
+        <a:srgbClr val="B01513"/>
       </a:accent1>
       <a:accent2>
-        <a:srgbClr val="ED7D31"/>
+        <a:srgbClr val="EA6312"/>
       </a:accent2>
       <a:accent3>
-        <a:srgbClr val="A5A5A5"/>
+        <a:srgbClr val="E6B729"/>
       </a:accent3>
       <a:accent4>
-        <a:srgbClr val="FFC000"/>
+        <a:srgbClr val="6AAC90"/>
       </a:accent4>
       <a:accent5>
-        <a:srgbClr val="5B9BD5"/>
+        <a:srgbClr val="54849A"/>
       </a:accent5>
       <a:accent6>
-        <a:srgbClr val="70AD47"/>
+        <a:srgbClr val="9E5E9B"/>
       </a:accent6>
       <a:hlink>
-        <a:srgbClr val="0563C1"/>
+        <a:srgbClr val="58C1BA"/>
       </a:hlink>
       <a:folHlink>
-        <a:srgbClr val="954F72"/>
+        <a:srgbClr val="9DFFCB"/>
       </a:folHlink>
     </a:clrScheme>
-    <a:fontScheme name="Office">
+    <a:fontScheme name="Ion">
       <a:majorFont>
-        <a:latin typeface="Calibri Light" panose="020F0302020204030204"/>
+        <a:latin typeface="Century Gothic" panose="020B0502020202020204"/>
         <a:ea typeface=""/>
         <a:cs typeface=""/>
-        <a:font script="Jpan" typeface="游ゴシック Light"/>
+        <a:font script="Jpan" typeface="メイリオ"/>
         <a:font script="Hang" typeface="맑은 고딕"/>
-        <a:font script="Hans" typeface="等线 Light"/>
+        <a:font script="Hans" typeface="宋体"/>
         <a:font script="Hant" typeface="新細明體"/>
         <a:font script="Arab" typeface="Times New Roman"/>
         <a:font script="Hebr" typeface="Times New Roman"/>
@@ -5416,31 +8714,14 @@
         <a:font script="Viet" typeface="Times New Roman"/>
         <a:font script="Uigh" typeface="Microsoft Uighur"/>
         <a:font script="Geor" typeface="Sylfaen"/>
-        <a:font script="Armn" typeface="Arial"/>
-        <a:font script="Bugi" typeface="Leelawadee UI"/>
-        <a:font script="Bopo" typeface="Microsoft JhengHei"/>
-        <a:font script="Java" typeface="Javanese Text"/>
-        <a:font script="Lisu" typeface="Segoe UI"/>
-        <a:font script="Mymr" typeface="Myanmar Text"/>
-        <a:font script="Nkoo" typeface="Ebrima"/>
-        <a:font script="Olck" typeface="Nirmala UI"/>
-        <a:font script="Osma" typeface="Ebrima"/>
-        <a:font script="Phag" typeface="Phagspa"/>
-        <a:font script="Syrn" typeface="Estrangelo Edessa"/>
-        <a:font script="Syrj" typeface="Estrangelo Edessa"/>
-        <a:font script="Syre" typeface="Estrangelo Edessa"/>
-        <a:font script="Sora" typeface="Nirmala UI"/>
-        <a:font script="Tale" typeface="Microsoft Tai Le"/>
-        <a:font script="Talu" typeface="Microsoft New Tai Lue"/>
-        <a:font script="Tfng" typeface="Ebrima"/>
       </a:majorFont>
       <a:minorFont>
-        <a:latin typeface="Calibri" panose="020F0502020204030204"/>
+        <a:latin typeface="Century Gothic" panose="020B0502020202020204"/>
         <a:ea typeface=""/>
         <a:cs typeface=""/>
-        <a:font script="Jpan" typeface="游ゴシック"/>
+        <a:font script="Jpan" typeface="メイリオ"/>
         <a:font script="Hang" typeface="맑은 고딕"/>
-        <a:font script="Hans" typeface="等线"/>
+        <a:font script="Hans" typeface="宋体"/>
         <a:font script="Hant" typeface="新細明體"/>
         <a:font script="Arab" typeface="Arial"/>
         <a:font script="Hebr" typeface="Arial"/>
@@ -5468,26 +8749,9 @@
         <a:font script="Viet" typeface="Arial"/>
         <a:font script="Uigh" typeface="Microsoft Uighur"/>
         <a:font script="Geor" typeface="Sylfaen"/>
-        <a:font script="Armn" typeface="Arial"/>
-        <a:font script="Bugi" typeface="Leelawadee UI"/>
-        <a:font script="Bopo" typeface="Microsoft JhengHei"/>
-        <a:font script="Java" typeface="Javanese Text"/>
-        <a:font script="Lisu" typeface="Segoe UI"/>
-        <a:font script="Mymr" typeface="Myanmar Text"/>
-        <a:font script="Nkoo" typeface="Ebrima"/>
-        <a:font script="Olck" typeface="Nirmala UI"/>
-        <a:font script="Osma" typeface="Ebrima"/>
-        <a:font script="Phag" typeface="Phagspa"/>
-        <a:font script="Syrn" typeface="Estrangelo Edessa"/>
-        <a:font script="Syrj" typeface="Estrangelo Edessa"/>
-        <a:font script="Syre" typeface="Estrangelo Edessa"/>
-        <a:font script="Sora" typeface="Nirmala UI"/>
-        <a:font script="Tale" typeface="Microsoft Tai Le"/>
-        <a:font script="Talu" typeface="Microsoft New Tai Lue"/>
-        <a:font script="Tfng" typeface="Ebrima"/>
       </a:minorFont>
     </a:fontScheme>
-    <a:fmtScheme name="Office">
+    <a:fmtScheme name="Ion">
       <a:fillStyleLst>
         <a:solidFill>
           <a:schemeClr val="phClr"/>
@@ -5496,23 +8760,15 @@
           <a:gsLst>
             <a:gs pos="0">
               <a:schemeClr val="phClr">
-                <a:lumMod val="110000"/>
-                <a:satMod val="105000"/>
-                <a:tint val="67000"/>
-              </a:schemeClr>
-            </a:gs>
-            <a:gs pos="50000">
-              <a:schemeClr val="phClr">
-                <a:lumMod val="105000"/>
-                <a:satMod val="103000"/>
-                <a:tint val="73000"/>
+                <a:tint val="64000"/>
+                <a:lumMod val="118000"/>
               </a:schemeClr>
             </a:gs>
             <a:gs pos="100000">
               <a:schemeClr val="phClr">
-                <a:lumMod val="105000"/>
-                <a:satMod val="109000"/>
-                <a:tint val="81000"/>
+                <a:tint val="92000"/>
+                <a:alpha val="100000"/>
+                <a:lumMod val="110000"/>
               </a:schemeClr>
             </a:gs>
           </a:gsLst>
@@ -5522,23 +8778,14 @@
           <a:gsLst>
             <a:gs pos="0">
               <a:schemeClr val="phClr">
-                <a:satMod val="103000"/>
-                <a:lumMod val="102000"/>
-                <a:tint val="94000"/>
-              </a:schemeClr>
-            </a:gs>
-            <a:gs pos="50000">
-              <a:schemeClr val="phClr">
-                <a:satMod val="110000"/>
-                <a:lumMod val="100000"/>
-                <a:shade val="100000"/>
+                <a:tint val="98000"/>
+                <a:lumMod val="114000"/>
               </a:schemeClr>
             </a:gs>
             <a:gs pos="100000">
               <a:schemeClr val="phClr">
-                <a:lumMod val="99000"/>
-                <a:satMod val="120000"/>
-                <a:shade val="78000"/>
+                <a:shade val="90000"/>
+                <a:lumMod val="84000"/>
               </a:schemeClr>
             </a:gs>
           </a:gsLst>
@@ -5546,26 +8793,23 @@
         </a:gradFill>
       </a:fillStyleLst>
       <a:lnStyleLst>
-        <a:ln w="6350" cap="flat" cmpd="sng" algn="ctr">
+        <a:ln w="9525" cap="rnd" cmpd="sng" algn="ctr">
           <a:solidFill>
             <a:schemeClr val="phClr"/>
           </a:solidFill>
           <a:prstDash val="solid"/>
-          <a:miter lim="800000"/>
         </a:ln>
-        <a:ln w="12700" cap="flat" cmpd="sng" algn="ctr">
+        <a:ln w="19050" cap="rnd" cmpd="sng" algn="ctr">
           <a:solidFill>
             <a:schemeClr val="phClr"/>
           </a:solidFill>
           <a:prstDash val="solid"/>
-          <a:miter lim="800000"/>
         </a:ln>
-        <a:ln w="19050" cap="flat" cmpd="sng" algn="ctr">
+        <a:ln w="28575" cap="rnd" cmpd="sng" algn="ctr">
           <a:solidFill>
             <a:schemeClr val="phClr"/>
           </a:solidFill>
           <a:prstDash val="solid"/>
-          <a:miter lim="800000"/>
         </a:ln>
       </a:lnStyleLst>
       <a:effectStyleLst>
@@ -5573,55 +8817,80 @@
           <a:effectLst/>
         </a:effectStyle>
         <a:effectStyle>
-          <a:effectLst/>
+          <a:effectLst>
+            <a:outerShdw blurRad="38100" dist="25400" dir="5400000" rotWithShape="0">
+              <a:srgbClr val="000000">
+                <a:alpha val="45000"/>
+              </a:srgbClr>
+            </a:outerShdw>
+          </a:effectLst>
         </a:effectStyle>
         <a:effectStyle>
           <a:effectLst>
-            <a:outerShdw blurRad="57150" dist="19050" dir="5400000" algn="ctr" rotWithShape="0">
+            <a:outerShdw blurRad="63500" dist="38100" dir="5400000" rotWithShape="0">
               <a:srgbClr val="000000">
-                <a:alpha val="63000"/>
+                <a:alpha val="60000"/>
               </a:srgbClr>
             </a:outerShdw>
           </a:effectLst>
+          <a:scene3d>
+            <a:camera prst="orthographicFront">
+              <a:rot lat="0" lon="0" rev="0"/>
+            </a:camera>
+            <a:lightRig rig="threePt" dir="tl"/>
+          </a:scene3d>
+          <a:sp3d prstMaterial="plastic">
+            <a:bevelT w="0" h="0"/>
+          </a:sp3d>
         </a:effectStyle>
       </a:effectStyleLst>
       <a:bgFillStyleLst>
         <a:solidFill>
           <a:schemeClr val="phClr"/>
         </a:solidFill>
-        <a:solidFill>
-          <a:schemeClr val="phClr">
-            <a:tint val="95000"/>
-            <a:satMod val="170000"/>
-          </a:schemeClr>
-        </a:solidFill>
         <a:gradFill rotWithShape="1">
           <a:gsLst>
             <a:gs pos="0">
               <a:schemeClr val="phClr">
-                <a:tint val="93000"/>
-                <a:satMod val="150000"/>
-                <a:shade val="98000"/>
-                <a:lumMod val="102000"/>
-              </a:schemeClr>
-            </a:gs>
-            <a:gs pos="50000">
-              <a:schemeClr val="phClr">
-                <a:tint val="98000"/>
+                <a:tint val="97000"/>
+                <a:hueMod val="88000"/>
                 <a:satMod val="130000"/>
-                <a:shade val="90000"/>
-                <a:lumMod val="103000"/>
+                <a:lumMod val="124000"/>
               </a:schemeClr>
             </a:gs>
             <a:gs pos="100000">
               <a:schemeClr val="phClr">
-                <a:shade val="63000"/>
-                <a:satMod val="120000"/>
+                <a:tint val="96000"/>
+                <a:shade val="88000"/>
+                <a:hueMod val="108000"/>
+                <a:satMod val="164000"/>
+                <a:lumMod val="76000"/>
               </a:schemeClr>
             </a:gs>
           </a:gsLst>
-          <a:lin ang="5400000" scaled="0"/>
+          <a:path path="circle">
+            <a:fillToRect l="45000" t="65000" r="125000" b="100000"/>
+          </a:path>
         </a:gradFill>
+        <a:blipFill rotWithShape="1">
+          <a:blip xmlns:r="http://schemas.openxmlformats.org/officeDocument/2006/relationships" r:embed="rId1">
+            <a:duotone>
+              <a:schemeClr val="phClr">
+                <a:shade val="69000"/>
+                <a:hueMod val="108000"/>
+                <a:satMod val="164000"/>
+                <a:lumMod val="74000"/>
+              </a:schemeClr>
+              <a:schemeClr val="phClr">
+                <a:tint val="96000"/>
+                <a:hueMod val="88000"/>
+                <a:satMod val="140000"/>
+                <a:lumMod val="132000"/>
+              </a:schemeClr>
+            </a:duotone>
+          </a:blip>
+          <a:stretch/>
+        </a:blipFill>
       </a:bgFillStyleLst>
     </a:fmtScheme>
   </a:themeElements>
@@ -5629,7 +8898,7 @@
   <a:extraClrSchemeLst/>
   <a:extLst>
     <a:ext uri="{05A4C25C-085E-4340-85A3-A5531E510DB2}">
-      <thm15:themeFamily xmlns:thm15="http://schemas.microsoft.com/office/thememl/2012/main" name="Office Theme" id="{62F939B6-93AF-4DB8-9C6B-D6C7DFDC589F}" vid="{4A3C46E8-61CC-4603-A589-7422A47A8E4A}"/>
+      <thm15:themeFamily xmlns:thm15="http://schemas.microsoft.com/office/thememl/2012/main" name="Ion" id="{B8441ADB-2E43-4AF7-B97A-BD870242C6A8}" vid="{292E63A9-BB86-4E3D-B92A-7223C6510D2E}"/>
     </a:ext>
   </a:extLst>
 </a:theme>
